--- a/discoursedb-io-wikipedia/WikipediaDiscourseDBMapping.pptx
+++ b/discoursedb-io-wikipedia/WikipediaDiscourseDBMapping.pptx
@@ -5,10 +5,14 @@
     <p:sldMasterId id="2147483648" r:id="rId1"/>
   </p:sldMasterIdLst>
   <p:notesMasterIdLst>
-    <p:notesMasterId r:id="rId3"/>
+    <p:notesMasterId r:id="rId7"/>
   </p:notesMasterIdLst>
   <p:sldIdLst>
     <p:sldId id="257" r:id="rId2"/>
+    <p:sldId id="258" r:id="rId3"/>
+    <p:sldId id="261" r:id="rId4"/>
+    <p:sldId id="260" r:id="rId5"/>
+    <p:sldId id="259" r:id="rId6"/>
   </p:sldIdLst>
   <p:sldSz cx="9144000" cy="6858000" type="screen4x3"/>
   <p:notesSz cx="6858000" cy="9144000"/>
@@ -192,7 +196,7 @@
           <a:p>
             <a:fld id="{D9437567-B460-424A-91C3-D1AB25A01554}" type="datetimeFigureOut">
               <a:rPr lang="en-US" smtClean="0"/>
-              <a:t>2/22/16</a:t>
+              <a:t>2/29/16</a:t>
             </a:fld>
             <a:endParaRPr lang="en-US"/>
           </a:p>
@@ -504,227 +508,6 @@
           <a:bodyPr/>
           <a:lstStyle/>
           <a:p>
-            <a:r>
-              <a:rPr lang="en-US" sz="1200" b="1" kern="1200" dirty="0" smtClean="0">
-                <a:solidFill>
-                  <a:schemeClr val="tx1"/>
-                </a:solidFill>
-                <a:effectLst/>
-                <a:latin typeface="Arial" charset="0"/>
-                <a:ea typeface="+mn-ea"/>
-                <a:cs typeface="+mn-cs"/>
-              </a:rPr>
-              <a:t>So</a:t>
-            </a:r>
-            <a:r>
-              <a:rPr lang="en-US" sz="1200" b="1" kern="1200" baseline="0" dirty="0" smtClean="0">
-                <a:solidFill>
-                  <a:schemeClr val="tx1"/>
-                </a:solidFill>
-                <a:effectLst/>
-                <a:latin typeface="Arial" charset="0"/>
-                <a:ea typeface="+mn-ea"/>
-                <a:cs typeface="+mn-cs"/>
-              </a:rPr>
-              <a:t> far</a:t>
-            </a:r>
-            <a:r>
-              <a:rPr lang="en-US" sz="1200" kern="1200" baseline="0" dirty="0" smtClean="0">
-                <a:solidFill>
-                  <a:schemeClr val="tx1"/>
-                </a:solidFill>
-                <a:effectLst/>
-                <a:latin typeface="Arial" charset="0"/>
-                <a:ea typeface="+mn-ea"/>
-                <a:cs typeface="+mn-cs"/>
-              </a:rPr>
-              <a:t>, we have looked at a method to identify problems in article.</a:t>
-            </a:r>
-          </a:p>
-          <a:p>
-            <a:r>
-              <a:rPr lang="en-US" sz="1200" kern="1200" baseline="0" dirty="0" smtClean="0">
-                <a:solidFill>
-                  <a:schemeClr val="tx1"/>
-                </a:solidFill>
-                <a:effectLst/>
-                <a:latin typeface="Arial" charset="0"/>
-                <a:ea typeface="+mn-ea"/>
-                <a:cs typeface="+mn-cs"/>
-              </a:rPr>
-              <a:t>We will now turn to an approach to analyze what the community is doing about these problems.</a:t>
-            </a:r>
-            <a:endParaRPr lang="en-US" sz="1200" kern="1200" dirty="0" smtClean="0">
-              <a:solidFill>
-                <a:schemeClr val="tx1"/>
-              </a:solidFill>
-              <a:effectLst/>
-              <a:latin typeface="Arial" charset="0"/>
-              <a:ea typeface="+mn-ea"/>
-              <a:cs typeface="+mn-cs"/>
-            </a:endParaRPr>
-          </a:p>
-          <a:p>
-            <a:r>
-              <a:rPr lang="en-US" sz="1200" b="1" kern="1200" dirty="0" smtClean="0">
-                <a:solidFill>
-                  <a:schemeClr val="tx1"/>
-                </a:solidFill>
-                <a:effectLst/>
-                <a:latin typeface="Arial" charset="0"/>
-                <a:ea typeface="+mn-ea"/>
-                <a:cs typeface="+mn-cs"/>
-              </a:rPr>
-              <a:t>The quality</a:t>
-            </a:r>
-            <a:r>
-              <a:rPr lang="en-US" sz="1200" b="1" kern="1200" baseline="0" dirty="0" smtClean="0">
-                <a:solidFill>
-                  <a:schemeClr val="tx1"/>
-                </a:solidFill>
-                <a:effectLst/>
-                <a:latin typeface="Arial" charset="0"/>
-                <a:ea typeface="+mn-ea"/>
-                <a:cs typeface="+mn-cs"/>
-              </a:rPr>
-              <a:t> assuranc</a:t>
-            </a:r>
-            <a:r>
-              <a:rPr lang="en-US" sz="1200" kern="1200" baseline="0" dirty="0" smtClean="0">
-                <a:solidFill>
-                  <a:schemeClr val="tx1"/>
-                </a:solidFill>
-                <a:effectLst/>
-                <a:latin typeface="Arial" charset="0"/>
-                <a:ea typeface="+mn-ea"/>
-                <a:cs typeface="+mn-cs"/>
-              </a:rPr>
-              <a:t>e process</a:t>
-            </a:r>
-            <a:r>
-              <a:rPr lang="en-US" sz="1200" kern="1200" dirty="0" smtClean="0">
-                <a:solidFill>
-                  <a:schemeClr val="tx1"/>
-                </a:solidFill>
-                <a:effectLst/>
-                <a:latin typeface="Arial" charset="0"/>
-                <a:ea typeface="+mn-ea"/>
-                <a:cs typeface="+mn-cs"/>
-              </a:rPr>
-              <a:t> in Wikipedia mainly happens on the article Talk pages. </a:t>
-            </a:r>
-            <a:br>
-              <a:rPr lang="en-US" sz="1200" kern="1200" dirty="0" smtClean="0">
-                <a:solidFill>
-                  <a:schemeClr val="tx1"/>
-                </a:solidFill>
-                <a:effectLst/>
-                <a:latin typeface="Arial" charset="0"/>
-                <a:ea typeface="+mn-ea"/>
-                <a:cs typeface="+mn-cs"/>
-              </a:rPr>
-            </a:br>
-            <a:r>
-              <a:rPr lang="en-US" sz="1200" kern="1200" dirty="0" smtClean="0">
-                <a:solidFill>
-                  <a:schemeClr val="tx1"/>
-                </a:solidFill>
-                <a:effectLst/>
-                <a:latin typeface="Arial" charset="0"/>
-                <a:ea typeface="+mn-ea"/>
-                <a:cs typeface="+mn-cs"/>
-              </a:rPr>
-              <a:t>Talk page = generic Wiki page like an article = is implicitly associated with an article and reachable via the Talk link on the article page.</a:t>
-            </a:r>
-            <a:endParaRPr lang="de-DE" sz="1200" kern="1200" dirty="0" smtClean="0">
-              <a:solidFill>
-                <a:schemeClr val="tx1"/>
-              </a:solidFill>
-              <a:effectLst/>
-              <a:latin typeface="Arial" charset="0"/>
-              <a:ea typeface="+mn-ea"/>
-              <a:cs typeface="+mn-cs"/>
-            </a:endParaRPr>
-          </a:p>
-          <a:p>
-            <a:r>
-              <a:rPr lang="en-US" sz="1200" b="1" kern="1200" dirty="0" smtClean="0">
-                <a:solidFill>
-                  <a:schemeClr val="tx1"/>
-                </a:solidFill>
-                <a:effectLst/>
-                <a:latin typeface="Arial" charset="0"/>
-                <a:ea typeface="+mn-ea"/>
-                <a:cs typeface="+mn-cs"/>
-              </a:rPr>
-              <a:t>On these Talk pages, the authors discuss </a:t>
-            </a:r>
-            <a:r>
-              <a:rPr lang="en-US" sz="1200" kern="1200" dirty="0" smtClean="0">
-                <a:solidFill>
-                  <a:schemeClr val="tx1"/>
-                </a:solidFill>
-                <a:effectLst/>
-                <a:latin typeface="Arial" charset="0"/>
-                <a:ea typeface="+mn-ea"/>
-                <a:cs typeface="+mn-cs"/>
-              </a:rPr>
-              <a:t>the </a:t>
-            </a:r>
-          </a:p>
-          <a:p>
-            <a:pPr marL="171450" indent="-171450">
-              <a:buFont typeface="Arial" panose="020B0604020202020204" pitchFamily="34" charset="0"/>
-              <a:buChar char="•"/>
-            </a:pPr>
-            <a:r>
-              <a:rPr lang="en-US" sz="1200" kern="1200" dirty="0" smtClean="0">
-                <a:solidFill>
-                  <a:schemeClr val="tx1"/>
-                </a:solidFill>
-                <a:effectLst/>
-                <a:latin typeface="Arial" charset="0"/>
-                <a:ea typeface="+mn-ea"/>
-                <a:cs typeface="+mn-cs"/>
-              </a:rPr>
-              <a:t>current state of the article</a:t>
-            </a:r>
-          </a:p>
-          <a:p>
-            <a:pPr marL="171450" indent="-171450">
-              <a:buFont typeface="Arial" panose="020B0604020202020204" pitchFamily="34" charset="0"/>
-              <a:buChar char="•"/>
-            </a:pPr>
-            <a:r>
-              <a:rPr lang="en-US" sz="1200" kern="1200" dirty="0" smtClean="0">
-                <a:solidFill>
-                  <a:schemeClr val="tx1"/>
-                </a:solidFill>
-                <a:effectLst/>
-                <a:latin typeface="Arial" charset="0"/>
-                <a:ea typeface="+mn-ea"/>
-                <a:cs typeface="+mn-cs"/>
-              </a:rPr>
-              <a:t>its future development </a:t>
-            </a:r>
-          </a:p>
-          <a:p>
-            <a:pPr marL="171450" indent="-171450">
-              <a:buFont typeface="Arial" panose="020B0604020202020204" pitchFamily="34" charset="0"/>
-              <a:buChar char="•"/>
-            </a:pPr>
-            <a:r>
-              <a:rPr lang="en-US" sz="1200" kern="1200" dirty="0" smtClean="0">
-                <a:solidFill>
-                  <a:schemeClr val="tx1"/>
-                </a:solidFill>
-                <a:effectLst/>
-                <a:latin typeface="Arial" charset="0"/>
-                <a:ea typeface="+mn-ea"/>
-                <a:cs typeface="+mn-cs"/>
-              </a:rPr>
-              <a:t>decide which content should be included or excluded</a:t>
-            </a:r>
             <a:endParaRPr lang="de-DE" dirty="0"/>
           </a:p>
         </p:txBody>
@@ -753,6 +536,366 @@
                 <a:defRPr/>
               </a:pPr>
               <a:t>1</a:t>
+            </a:fld>
+            <a:endParaRPr lang="en-US"/>
+          </a:p>
+        </p:txBody>
+      </p:sp>
+    </p:spTree>
+    <p:extLst>
+      <p:ext uri="{BB962C8B-B14F-4D97-AF65-F5344CB8AC3E}">
+        <p14:creationId xmlns:p14="http://schemas.microsoft.com/office/powerpoint/2010/main" val="2423206206"/>
+      </p:ext>
+    </p:extLst>
+  </p:cSld>
+  <p:clrMapOvr>
+    <a:masterClrMapping/>
+  </p:clrMapOvr>
+</p:notes>
+</file>
+
+<file path=ppt/notesSlides/notesSlide2.xml><?xml version="1.0" encoding="utf-8"?>
+<p:notes xmlns:a="http://schemas.openxmlformats.org/drawingml/2006/main" xmlns:r="http://schemas.openxmlformats.org/officeDocument/2006/relationships" xmlns:p="http://schemas.openxmlformats.org/presentationml/2006/main">
+  <p:cSld>
+    <p:spTree>
+      <p:nvGrpSpPr>
+        <p:cNvPr id="1" name=""/>
+        <p:cNvGrpSpPr/>
+        <p:nvPr/>
+      </p:nvGrpSpPr>
+      <p:grpSpPr>
+        <a:xfrm>
+          <a:off x="0" y="0"/>
+          <a:ext cx="0" cy="0"/>
+          <a:chOff x="0" y="0"/>
+          <a:chExt cx="0" cy="0"/>
+        </a:xfrm>
+      </p:grpSpPr>
+      <p:sp>
+        <p:nvSpPr>
+          <p:cNvPr id="2" name="Folienbildplatzhalter 1"/>
+          <p:cNvSpPr>
+            <a:spLocks noGrp="1" noRot="1" noChangeAspect="1"/>
+          </p:cNvSpPr>
+          <p:nvPr>
+            <p:ph type="sldImg"/>
+          </p:nvPr>
+        </p:nvSpPr>
+        <p:spPr/>
+      </p:sp>
+      <p:sp>
+        <p:nvSpPr>
+          <p:cNvPr id="3" name="Notizenplatzhalter 2"/>
+          <p:cNvSpPr>
+            <a:spLocks noGrp="1"/>
+          </p:cNvSpPr>
+          <p:nvPr>
+            <p:ph type="body" idx="1"/>
+          </p:nvPr>
+        </p:nvSpPr>
+        <p:spPr/>
+        <p:txBody>
+          <a:bodyPr/>
+          <a:lstStyle/>
+          <a:p>
+            <a:endParaRPr lang="de-DE" dirty="0"/>
+          </a:p>
+        </p:txBody>
+      </p:sp>
+      <p:sp>
+        <p:nvSpPr>
+          <p:cNvPr id="4" name="Foliennummernplatzhalter 3"/>
+          <p:cNvSpPr>
+            <a:spLocks noGrp="1"/>
+          </p:cNvSpPr>
+          <p:nvPr>
+            <p:ph type="sldNum" sz="quarter" idx="10"/>
+          </p:nvPr>
+        </p:nvSpPr>
+        <p:spPr/>
+        <p:txBody>
+          <a:bodyPr/>
+          <a:lstStyle/>
+          <a:p>
+            <a:pPr>
+              <a:defRPr/>
+            </a:pPr>
+            <a:fld id="{BE872EB4-39F5-46BC-817E-781613DA67A8}" type="slidenum">
+              <a:rPr lang="en-US" smtClean="0"/>
+              <a:pPr>
+                <a:defRPr/>
+              </a:pPr>
+              <a:t>2</a:t>
+            </a:fld>
+            <a:endParaRPr lang="en-US"/>
+          </a:p>
+        </p:txBody>
+      </p:sp>
+    </p:spTree>
+    <p:extLst>
+      <p:ext uri="{BB962C8B-B14F-4D97-AF65-F5344CB8AC3E}">
+        <p14:creationId xmlns:p14="http://schemas.microsoft.com/office/powerpoint/2010/main" val="2423206206"/>
+      </p:ext>
+    </p:extLst>
+  </p:cSld>
+  <p:clrMapOvr>
+    <a:masterClrMapping/>
+  </p:clrMapOvr>
+</p:notes>
+</file>
+
+<file path=ppt/notesSlides/notesSlide3.xml><?xml version="1.0" encoding="utf-8"?>
+<p:notes xmlns:a="http://schemas.openxmlformats.org/drawingml/2006/main" xmlns:r="http://schemas.openxmlformats.org/officeDocument/2006/relationships" xmlns:p="http://schemas.openxmlformats.org/presentationml/2006/main">
+  <p:cSld>
+    <p:spTree>
+      <p:nvGrpSpPr>
+        <p:cNvPr id="1" name=""/>
+        <p:cNvGrpSpPr/>
+        <p:nvPr/>
+      </p:nvGrpSpPr>
+      <p:grpSpPr>
+        <a:xfrm>
+          <a:off x="0" y="0"/>
+          <a:ext cx="0" cy="0"/>
+          <a:chOff x="0" y="0"/>
+          <a:chExt cx="0" cy="0"/>
+        </a:xfrm>
+      </p:grpSpPr>
+      <p:sp>
+        <p:nvSpPr>
+          <p:cNvPr id="2" name="Folienbildplatzhalter 1"/>
+          <p:cNvSpPr>
+            <a:spLocks noGrp="1" noRot="1" noChangeAspect="1"/>
+          </p:cNvSpPr>
+          <p:nvPr>
+            <p:ph type="sldImg"/>
+          </p:nvPr>
+        </p:nvSpPr>
+        <p:spPr/>
+      </p:sp>
+      <p:sp>
+        <p:nvSpPr>
+          <p:cNvPr id="3" name="Notizenplatzhalter 2"/>
+          <p:cNvSpPr>
+            <a:spLocks noGrp="1"/>
+          </p:cNvSpPr>
+          <p:nvPr>
+            <p:ph type="body" idx="1"/>
+          </p:nvPr>
+        </p:nvSpPr>
+        <p:spPr/>
+        <p:txBody>
+          <a:bodyPr/>
+          <a:lstStyle/>
+          <a:p>
+            <a:endParaRPr lang="de-DE" dirty="0"/>
+          </a:p>
+        </p:txBody>
+      </p:sp>
+      <p:sp>
+        <p:nvSpPr>
+          <p:cNvPr id="4" name="Foliennummernplatzhalter 3"/>
+          <p:cNvSpPr>
+            <a:spLocks noGrp="1"/>
+          </p:cNvSpPr>
+          <p:nvPr>
+            <p:ph type="sldNum" sz="quarter" idx="10"/>
+          </p:nvPr>
+        </p:nvSpPr>
+        <p:spPr/>
+        <p:txBody>
+          <a:bodyPr/>
+          <a:lstStyle/>
+          <a:p>
+            <a:pPr>
+              <a:defRPr/>
+            </a:pPr>
+            <a:fld id="{BE872EB4-39F5-46BC-817E-781613DA67A8}" type="slidenum">
+              <a:rPr lang="en-US" smtClean="0"/>
+              <a:pPr>
+                <a:defRPr/>
+              </a:pPr>
+              <a:t>3</a:t>
+            </a:fld>
+            <a:endParaRPr lang="en-US"/>
+          </a:p>
+        </p:txBody>
+      </p:sp>
+    </p:spTree>
+    <p:extLst>
+      <p:ext uri="{BB962C8B-B14F-4D97-AF65-F5344CB8AC3E}">
+        <p14:creationId xmlns:p14="http://schemas.microsoft.com/office/powerpoint/2010/main" val="2423206206"/>
+      </p:ext>
+    </p:extLst>
+  </p:cSld>
+  <p:clrMapOvr>
+    <a:masterClrMapping/>
+  </p:clrMapOvr>
+</p:notes>
+</file>
+
+<file path=ppt/notesSlides/notesSlide4.xml><?xml version="1.0" encoding="utf-8"?>
+<p:notes xmlns:a="http://schemas.openxmlformats.org/drawingml/2006/main" xmlns:r="http://schemas.openxmlformats.org/officeDocument/2006/relationships" xmlns:p="http://schemas.openxmlformats.org/presentationml/2006/main">
+  <p:cSld>
+    <p:spTree>
+      <p:nvGrpSpPr>
+        <p:cNvPr id="1" name=""/>
+        <p:cNvGrpSpPr/>
+        <p:nvPr/>
+      </p:nvGrpSpPr>
+      <p:grpSpPr>
+        <a:xfrm>
+          <a:off x="0" y="0"/>
+          <a:ext cx="0" cy="0"/>
+          <a:chOff x="0" y="0"/>
+          <a:chExt cx="0" cy="0"/>
+        </a:xfrm>
+      </p:grpSpPr>
+      <p:sp>
+        <p:nvSpPr>
+          <p:cNvPr id="2" name="Folienbildplatzhalter 1"/>
+          <p:cNvSpPr>
+            <a:spLocks noGrp="1" noRot="1" noChangeAspect="1"/>
+          </p:cNvSpPr>
+          <p:nvPr>
+            <p:ph type="sldImg"/>
+          </p:nvPr>
+        </p:nvSpPr>
+        <p:spPr/>
+      </p:sp>
+      <p:sp>
+        <p:nvSpPr>
+          <p:cNvPr id="3" name="Notizenplatzhalter 2"/>
+          <p:cNvSpPr>
+            <a:spLocks noGrp="1"/>
+          </p:cNvSpPr>
+          <p:nvPr>
+            <p:ph type="body" idx="1"/>
+          </p:nvPr>
+        </p:nvSpPr>
+        <p:spPr/>
+        <p:txBody>
+          <a:bodyPr/>
+          <a:lstStyle/>
+          <a:p>
+            <a:endParaRPr lang="de-DE" dirty="0"/>
+          </a:p>
+        </p:txBody>
+      </p:sp>
+      <p:sp>
+        <p:nvSpPr>
+          <p:cNvPr id="4" name="Foliennummernplatzhalter 3"/>
+          <p:cNvSpPr>
+            <a:spLocks noGrp="1"/>
+          </p:cNvSpPr>
+          <p:nvPr>
+            <p:ph type="sldNum" sz="quarter" idx="10"/>
+          </p:nvPr>
+        </p:nvSpPr>
+        <p:spPr/>
+        <p:txBody>
+          <a:bodyPr/>
+          <a:lstStyle/>
+          <a:p>
+            <a:pPr>
+              <a:defRPr/>
+            </a:pPr>
+            <a:fld id="{BE872EB4-39F5-46BC-817E-781613DA67A8}" type="slidenum">
+              <a:rPr lang="en-US" smtClean="0"/>
+              <a:pPr>
+                <a:defRPr/>
+              </a:pPr>
+              <a:t>4</a:t>
+            </a:fld>
+            <a:endParaRPr lang="en-US"/>
+          </a:p>
+        </p:txBody>
+      </p:sp>
+    </p:spTree>
+    <p:extLst>
+      <p:ext uri="{BB962C8B-B14F-4D97-AF65-F5344CB8AC3E}">
+        <p14:creationId xmlns:p14="http://schemas.microsoft.com/office/powerpoint/2010/main" val="2423206206"/>
+      </p:ext>
+    </p:extLst>
+  </p:cSld>
+  <p:clrMapOvr>
+    <a:masterClrMapping/>
+  </p:clrMapOvr>
+</p:notes>
+</file>
+
+<file path=ppt/notesSlides/notesSlide5.xml><?xml version="1.0" encoding="utf-8"?>
+<p:notes xmlns:a="http://schemas.openxmlformats.org/drawingml/2006/main" xmlns:r="http://schemas.openxmlformats.org/officeDocument/2006/relationships" xmlns:p="http://schemas.openxmlformats.org/presentationml/2006/main">
+  <p:cSld>
+    <p:spTree>
+      <p:nvGrpSpPr>
+        <p:cNvPr id="1" name=""/>
+        <p:cNvGrpSpPr/>
+        <p:nvPr/>
+      </p:nvGrpSpPr>
+      <p:grpSpPr>
+        <a:xfrm>
+          <a:off x="0" y="0"/>
+          <a:ext cx="0" cy="0"/>
+          <a:chOff x="0" y="0"/>
+          <a:chExt cx="0" cy="0"/>
+        </a:xfrm>
+      </p:grpSpPr>
+      <p:sp>
+        <p:nvSpPr>
+          <p:cNvPr id="2" name="Folienbildplatzhalter 1"/>
+          <p:cNvSpPr>
+            <a:spLocks noGrp="1" noRot="1" noChangeAspect="1"/>
+          </p:cNvSpPr>
+          <p:nvPr>
+            <p:ph type="sldImg"/>
+          </p:nvPr>
+        </p:nvSpPr>
+        <p:spPr/>
+      </p:sp>
+      <p:sp>
+        <p:nvSpPr>
+          <p:cNvPr id="3" name="Notizenplatzhalter 2"/>
+          <p:cNvSpPr>
+            <a:spLocks noGrp="1"/>
+          </p:cNvSpPr>
+          <p:nvPr>
+            <p:ph type="body" idx="1"/>
+          </p:nvPr>
+        </p:nvSpPr>
+        <p:spPr/>
+        <p:txBody>
+          <a:bodyPr/>
+          <a:lstStyle/>
+          <a:p>
+            <a:endParaRPr lang="de-DE" dirty="0"/>
+          </a:p>
+        </p:txBody>
+      </p:sp>
+      <p:sp>
+        <p:nvSpPr>
+          <p:cNvPr id="4" name="Foliennummernplatzhalter 3"/>
+          <p:cNvSpPr>
+            <a:spLocks noGrp="1"/>
+          </p:cNvSpPr>
+          <p:nvPr>
+            <p:ph type="sldNum" sz="quarter" idx="10"/>
+          </p:nvPr>
+        </p:nvSpPr>
+        <p:spPr/>
+        <p:txBody>
+          <a:bodyPr/>
+          <a:lstStyle/>
+          <a:p>
+            <a:pPr>
+              <a:defRPr/>
+            </a:pPr>
+            <a:fld id="{BE872EB4-39F5-46BC-817E-781613DA67A8}" type="slidenum">
+              <a:rPr lang="en-US" smtClean="0"/>
+              <a:pPr>
+                <a:defRPr/>
+              </a:pPr>
+              <a:t>5</a:t>
             </a:fld>
             <a:endParaRPr lang="en-US"/>
           </a:p>
@@ -952,7 +1095,7 @@
           <a:p>
             <a:fld id="{1CA1D156-7D61-4443-9B80-4245D84217DB}" type="datetimeFigureOut">
               <a:rPr lang="en-US" smtClean="0"/>
-              <a:t>2/22/16</a:t>
+              <a:t>2/29/16</a:t>
             </a:fld>
             <a:endParaRPr lang="en-US"/>
           </a:p>
@@ -1122,7 +1265,7 @@
           <a:p>
             <a:fld id="{1CA1D156-7D61-4443-9B80-4245D84217DB}" type="datetimeFigureOut">
               <a:rPr lang="en-US" smtClean="0"/>
-              <a:t>2/22/16</a:t>
+              <a:t>2/29/16</a:t>
             </a:fld>
             <a:endParaRPr lang="en-US"/>
           </a:p>
@@ -1302,7 +1445,7 @@
           <a:p>
             <a:fld id="{1CA1D156-7D61-4443-9B80-4245D84217DB}" type="datetimeFigureOut">
               <a:rPr lang="en-US" smtClean="0"/>
-              <a:t>2/22/16</a:t>
+              <a:t>2/29/16</a:t>
             </a:fld>
             <a:endParaRPr lang="en-US"/>
           </a:p>
@@ -1472,7 +1615,7 @@
           <a:p>
             <a:fld id="{1CA1D156-7D61-4443-9B80-4245D84217DB}" type="datetimeFigureOut">
               <a:rPr lang="en-US" smtClean="0"/>
-              <a:t>2/22/16</a:t>
+              <a:t>2/29/16</a:t>
             </a:fld>
             <a:endParaRPr lang="en-US"/>
           </a:p>
@@ -1718,7 +1861,7 @@
           <a:p>
             <a:fld id="{1CA1D156-7D61-4443-9B80-4245D84217DB}" type="datetimeFigureOut">
               <a:rPr lang="en-US" smtClean="0"/>
-              <a:t>2/22/16</a:t>
+              <a:t>2/29/16</a:t>
             </a:fld>
             <a:endParaRPr lang="en-US"/>
           </a:p>
@@ -2006,7 +2149,7 @@
           <a:p>
             <a:fld id="{1CA1D156-7D61-4443-9B80-4245D84217DB}" type="datetimeFigureOut">
               <a:rPr lang="en-US" smtClean="0"/>
-              <a:t>2/22/16</a:t>
+              <a:t>2/29/16</a:t>
             </a:fld>
             <a:endParaRPr lang="en-US"/>
           </a:p>
@@ -2428,7 +2571,7 @@
           <a:p>
             <a:fld id="{1CA1D156-7D61-4443-9B80-4245D84217DB}" type="datetimeFigureOut">
               <a:rPr lang="en-US" smtClean="0"/>
-              <a:t>2/22/16</a:t>
+              <a:t>2/29/16</a:t>
             </a:fld>
             <a:endParaRPr lang="en-US"/>
           </a:p>
@@ -2546,7 +2689,7 @@
           <a:p>
             <a:fld id="{1CA1D156-7D61-4443-9B80-4245D84217DB}" type="datetimeFigureOut">
               <a:rPr lang="en-US" smtClean="0"/>
-              <a:t>2/22/16</a:t>
+              <a:t>2/29/16</a:t>
             </a:fld>
             <a:endParaRPr lang="en-US"/>
           </a:p>
@@ -2641,7 +2784,7 @@
           <a:p>
             <a:fld id="{1CA1D156-7D61-4443-9B80-4245D84217DB}" type="datetimeFigureOut">
               <a:rPr lang="en-US" smtClean="0"/>
-              <a:t>2/22/16</a:t>
+              <a:t>2/29/16</a:t>
             </a:fld>
             <a:endParaRPr lang="en-US"/>
           </a:p>
@@ -2918,7 +3061,7 @@
           <a:p>
             <a:fld id="{1CA1D156-7D61-4443-9B80-4245D84217DB}" type="datetimeFigureOut">
               <a:rPr lang="en-US" smtClean="0"/>
-              <a:t>2/22/16</a:t>
+              <a:t>2/29/16</a:t>
             </a:fld>
             <a:endParaRPr lang="en-US"/>
           </a:p>
@@ -3171,7 +3314,7 @@
           <a:p>
             <a:fld id="{1CA1D156-7D61-4443-9B80-4245D84217DB}" type="datetimeFigureOut">
               <a:rPr lang="en-US" smtClean="0"/>
-              <a:t>2/22/16</a:t>
+              <a:t>2/29/16</a:t>
             </a:fld>
             <a:endParaRPr lang="en-US"/>
           </a:p>
@@ -3384,7 +3527,7 @@
           <a:p>
             <a:fld id="{1CA1D156-7D61-4443-9B80-4245D84217DB}" type="datetimeFigureOut">
               <a:rPr lang="en-US" smtClean="0"/>
-              <a:t>2/22/16</a:t>
+              <a:t>2/29/16</a:t>
             </a:fld>
             <a:endParaRPr lang="en-US"/>
           </a:p>
@@ -4780,6 +4923,1927 @@
           </p:style>
         </p:cxnSp>
       </p:grpSp>
+      <p:sp>
+        <p:nvSpPr>
+          <p:cNvPr id="32" name="Oval 31"/>
+          <p:cNvSpPr>
+            <a:spLocks noChangeAspect="1"/>
+          </p:cNvSpPr>
+          <p:nvPr/>
+        </p:nvSpPr>
+        <p:spPr>
+          <a:xfrm>
+            <a:off x="5096376" y="912279"/>
+            <a:ext cx="255684" cy="255684"/>
+          </a:xfrm>
+          <a:prstGeom prst="ellipse">
+            <a:avLst/>
+          </a:prstGeom>
+          <a:solidFill>
+            <a:srgbClr val="008000"/>
+          </a:solidFill>
+          <a:ln>
+            <a:solidFill>
+              <a:srgbClr val="000000"/>
+            </a:solidFill>
+          </a:ln>
+        </p:spPr>
+        <p:style>
+          <a:lnRef idx="1">
+            <a:schemeClr val="accent1"/>
+          </a:lnRef>
+          <a:fillRef idx="3">
+            <a:schemeClr val="accent1"/>
+          </a:fillRef>
+          <a:effectRef idx="2">
+            <a:schemeClr val="accent1"/>
+          </a:effectRef>
+          <a:fontRef idx="minor">
+            <a:schemeClr val="lt1"/>
+          </a:fontRef>
+        </p:style>
+        <p:txBody>
+          <a:bodyPr lIns="0" tIns="0" rIns="0" bIns="45720" rtlCol="0" anchor="ctr"/>
+          <a:lstStyle/>
+          <a:p>
+            <a:pPr algn="ctr"/>
+            <a:r>
+              <a:rPr lang="en-US" sz="1200" dirty="0" smtClean="0"/>
+              <a:t>1</a:t>
+            </a:r>
+            <a:endParaRPr lang="en-US" sz="1200" dirty="0"/>
+          </a:p>
+        </p:txBody>
+      </p:sp>
+      <p:sp>
+        <p:nvSpPr>
+          <p:cNvPr id="39" name="Oval 38"/>
+          <p:cNvSpPr>
+            <a:spLocks noChangeAspect="1"/>
+          </p:cNvSpPr>
+          <p:nvPr/>
+        </p:nvSpPr>
+        <p:spPr>
+          <a:xfrm>
+            <a:off x="5224218" y="2620567"/>
+            <a:ext cx="255684" cy="255684"/>
+          </a:xfrm>
+          <a:prstGeom prst="ellipse">
+            <a:avLst/>
+          </a:prstGeom>
+          <a:solidFill>
+            <a:schemeClr val="tx2">
+              <a:lumMod val="60000"/>
+              <a:lumOff val="40000"/>
+            </a:schemeClr>
+          </a:solidFill>
+          <a:ln>
+            <a:solidFill>
+              <a:srgbClr val="000000"/>
+            </a:solidFill>
+          </a:ln>
+        </p:spPr>
+        <p:style>
+          <a:lnRef idx="1">
+            <a:schemeClr val="accent1"/>
+          </a:lnRef>
+          <a:fillRef idx="3">
+            <a:schemeClr val="accent1"/>
+          </a:fillRef>
+          <a:effectRef idx="2">
+            <a:schemeClr val="accent1"/>
+          </a:effectRef>
+          <a:fontRef idx="minor">
+            <a:schemeClr val="lt1"/>
+          </a:fontRef>
+        </p:style>
+        <p:txBody>
+          <a:bodyPr lIns="0" tIns="0" rIns="0" bIns="45720" rtlCol="0" anchor="ctr"/>
+          <a:lstStyle/>
+          <a:p>
+            <a:pPr algn="ctr"/>
+            <a:r>
+              <a:rPr lang="en-US" sz="1200" dirty="0" smtClean="0"/>
+              <a:t>3c</a:t>
+            </a:r>
+            <a:endParaRPr lang="en-US" sz="1200" dirty="0"/>
+          </a:p>
+        </p:txBody>
+      </p:sp>
+      <p:sp>
+        <p:nvSpPr>
+          <p:cNvPr id="40" name="Oval 39"/>
+          <p:cNvSpPr>
+            <a:spLocks noChangeAspect="1"/>
+          </p:cNvSpPr>
+          <p:nvPr/>
+        </p:nvSpPr>
+        <p:spPr>
+          <a:xfrm>
+            <a:off x="5248776" y="3113294"/>
+            <a:ext cx="255684" cy="255684"/>
+          </a:xfrm>
+          <a:prstGeom prst="ellipse">
+            <a:avLst/>
+          </a:prstGeom>
+          <a:solidFill>
+            <a:schemeClr val="tx2">
+              <a:lumMod val="60000"/>
+              <a:lumOff val="40000"/>
+            </a:schemeClr>
+          </a:solidFill>
+          <a:ln>
+            <a:solidFill>
+              <a:srgbClr val="000000"/>
+            </a:solidFill>
+          </a:ln>
+        </p:spPr>
+        <p:style>
+          <a:lnRef idx="1">
+            <a:schemeClr val="accent1"/>
+          </a:lnRef>
+          <a:fillRef idx="3">
+            <a:schemeClr val="accent1"/>
+          </a:fillRef>
+          <a:effectRef idx="2">
+            <a:schemeClr val="accent1"/>
+          </a:effectRef>
+          <a:fontRef idx="minor">
+            <a:schemeClr val="lt1"/>
+          </a:fontRef>
+        </p:style>
+        <p:txBody>
+          <a:bodyPr lIns="0" tIns="0" rIns="0" bIns="45720" rtlCol="0" anchor="ctr"/>
+          <a:lstStyle/>
+          <a:p>
+            <a:pPr algn="ctr"/>
+            <a:r>
+              <a:rPr lang="en-US" sz="1200" dirty="0" smtClean="0"/>
+              <a:t>3c</a:t>
+            </a:r>
+            <a:endParaRPr lang="en-US" sz="1200" dirty="0"/>
+          </a:p>
+        </p:txBody>
+      </p:sp>
+      <p:sp>
+        <p:nvSpPr>
+          <p:cNvPr id="41" name="Oval 40"/>
+          <p:cNvSpPr>
+            <a:spLocks noChangeAspect="1"/>
+          </p:cNvSpPr>
+          <p:nvPr/>
+        </p:nvSpPr>
+        <p:spPr>
+          <a:xfrm>
+            <a:off x="5248776" y="4163570"/>
+            <a:ext cx="255684" cy="255684"/>
+          </a:xfrm>
+          <a:prstGeom prst="ellipse">
+            <a:avLst/>
+          </a:prstGeom>
+          <a:solidFill>
+            <a:schemeClr val="tx2">
+              <a:lumMod val="60000"/>
+              <a:lumOff val="40000"/>
+            </a:schemeClr>
+          </a:solidFill>
+          <a:ln>
+            <a:solidFill>
+              <a:srgbClr val="000000"/>
+            </a:solidFill>
+          </a:ln>
+        </p:spPr>
+        <p:style>
+          <a:lnRef idx="1">
+            <a:schemeClr val="accent1"/>
+          </a:lnRef>
+          <a:fillRef idx="3">
+            <a:schemeClr val="accent1"/>
+          </a:fillRef>
+          <a:effectRef idx="2">
+            <a:schemeClr val="accent1"/>
+          </a:effectRef>
+          <a:fontRef idx="minor">
+            <a:schemeClr val="lt1"/>
+          </a:fontRef>
+        </p:style>
+        <p:txBody>
+          <a:bodyPr lIns="0" tIns="0" rIns="0" bIns="45720" rtlCol="0" anchor="ctr"/>
+          <a:lstStyle/>
+          <a:p>
+            <a:pPr algn="ctr"/>
+            <a:r>
+              <a:rPr lang="en-US" sz="1200" dirty="0" smtClean="0"/>
+              <a:t>3c</a:t>
+            </a:r>
+            <a:endParaRPr lang="en-US" sz="1200" dirty="0"/>
+          </a:p>
+        </p:txBody>
+      </p:sp>
+      <p:sp>
+        <p:nvSpPr>
+          <p:cNvPr id="42" name="Oval 41"/>
+          <p:cNvSpPr>
+            <a:spLocks noChangeAspect="1"/>
+          </p:cNvSpPr>
+          <p:nvPr/>
+        </p:nvSpPr>
+        <p:spPr>
+          <a:xfrm>
+            <a:off x="5248776" y="5058732"/>
+            <a:ext cx="255684" cy="255684"/>
+          </a:xfrm>
+          <a:prstGeom prst="ellipse">
+            <a:avLst/>
+          </a:prstGeom>
+          <a:solidFill>
+            <a:schemeClr val="tx2">
+              <a:lumMod val="60000"/>
+              <a:lumOff val="40000"/>
+            </a:schemeClr>
+          </a:solidFill>
+          <a:ln>
+            <a:solidFill>
+              <a:srgbClr val="000000"/>
+            </a:solidFill>
+          </a:ln>
+        </p:spPr>
+        <p:style>
+          <a:lnRef idx="1">
+            <a:schemeClr val="accent1"/>
+          </a:lnRef>
+          <a:fillRef idx="3">
+            <a:schemeClr val="accent1"/>
+          </a:fillRef>
+          <a:effectRef idx="2">
+            <a:schemeClr val="accent1"/>
+          </a:effectRef>
+          <a:fontRef idx="minor">
+            <a:schemeClr val="lt1"/>
+          </a:fontRef>
+        </p:style>
+        <p:txBody>
+          <a:bodyPr lIns="0" tIns="0" rIns="0" bIns="45720" rtlCol="0" anchor="ctr"/>
+          <a:lstStyle/>
+          <a:p>
+            <a:pPr algn="ctr"/>
+            <a:r>
+              <a:rPr lang="en-US" sz="1200" dirty="0" smtClean="0"/>
+              <a:t>3c</a:t>
+            </a:r>
+            <a:endParaRPr lang="en-US" sz="1200" dirty="0"/>
+          </a:p>
+        </p:txBody>
+      </p:sp>
+      <p:sp>
+        <p:nvSpPr>
+          <p:cNvPr id="43" name="Oval 42"/>
+          <p:cNvSpPr>
+            <a:spLocks noChangeAspect="1"/>
+          </p:cNvSpPr>
+          <p:nvPr/>
+        </p:nvSpPr>
+        <p:spPr>
+          <a:xfrm>
+            <a:off x="7492191" y="1992800"/>
+            <a:ext cx="255684" cy="255684"/>
+          </a:xfrm>
+          <a:prstGeom prst="ellipse">
+            <a:avLst/>
+          </a:prstGeom>
+          <a:solidFill>
+            <a:srgbClr val="008000"/>
+          </a:solidFill>
+          <a:ln>
+            <a:solidFill>
+              <a:srgbClr val="000000"/>
+            </a:solidFill>
+          </a:ln>
+        </p:spPr>
+        <p:style>
+          <a:lnRef idx="1">
+            <a:schemeClr val="accent1"/>
+          </a:lnRef>
+          <a:fillRef idx="3">
+            <a:schemeClr val="accent1"/>
+          </a:fillRef>
+          <a:effectRef idx="2">
+            <a:schemeClr val="accent1"/>
+          </a:effectRef>
+          <a:fontRef idx="minor">
+            <a:schemeClr val="lt1"/>
+          </a:fontRef>
+        </p:style>
+        <p:txBody>
+          <a:bodyPr lIns="0" tIns="0" rIns="0" bIns="45720" rtlCol="0" anchor="ctr"/>
+          <a:lstStyle/>
+          <a:p>
+            <a:pPr algn="ctr"/>
+            <a:r>
+              <a:rPr lang="en-US" sz="1200" dirty="0"/>
+              <a:t>2</a:t>
+            </a:r>
+          </a:p>
+        </p:txBody>
+      </p:sp>
+      <p:sp>
+        <p:nvSpPr>
+          <p:cNvPr id="44" name="Oval 43"/>
+          <p:cNvSpPr>
+            <a:spLocks noChangeAspect="1"/>
+          </p:cNvSpPr>
+          <p:nvPr/>
+        </p:nvSpPr>
+        <p:spPr>
+          <a:xfrm>
+            <a:off x="7492191" y="3410534"/>
+            <a:ext cx="255684" cy="255684"/>
+          </a:xfrm>
+          <a:prstGeom prst="ellipse">
+            <a:avLst/>
+          </a:prstGeom>
+          <a:solidFill>
+            <a:srgbClr val="008000"/>
+          </a:solidFill>
+          <a:ln>
+            <a:solidFill>
+              <a:srgbClr val="000000"/>
+            </a:solidFill>
+          </a:ln>
+        </p:spPr>
+        <p:style>
+          <a:lnRef idx="1">
+            <a:schemeClr val="accent1"/>
+          </a:lnRef>
+          <a:fillRef idx="3">
+            <a:schemeClr val="accent1"/>
+          </a:fillRef>
+          <a:effectRef idx="2">
+            <a:schemeClr val="accent1"/>
+          </a:effectRef>
+          <a:fontRef idx="minor">
+            <a:schemeClr val="lt1"/>
+          </a:fontRef>
+        </p:style>
+        <p:txBody>
+          <a:bodyPr lIns="0" tIns="0" rIns="0" bIns="45720" rtlCol="0" anchor="ctr"/>
+          <a:lstStyle/>
+          <a:p>
+            <a:pPr algn="ctr"/>
+            <a:r>
+              <a:rPr lang="en-US" sz="1200" dirty="0"/>
+              <a:t>2</a:t>
+            </a:r>
+          </a:p>
+        </p:txBody>
+      </p:sp>
+      <p:sp>
+        <p:nvSpPr>
+          <p:cNvPr id="33" name="Oval 32"/>
+          <p:cNvSpPr>
+            <a:spLocks noChangeAspect="1"/>
+          </p:cNvSpPr>
+          <p:nvPr/>
+        </p:nvSpPr>
+        <p:spPr>
+          <a:xfrm>
+            <a:off x="3580120" y="935116"/>
+            <a:ext cx="255684" cy="255684"/>
+          </a:xfrm>
+          <a:prstGeom prst="ellipse">
+            <a:avLst/>
+          </a:prstGeom>
+          <a:solidFill>
+            <a:srgbClr val="660066"/>
+          </a:solidFill>
+          <a:ln>
+            <a:solidFill>
+              <a:srgbClr val="000000"/>
+            </a:solidFill>
+          </a:ln>
+        </p:spPr>
+        <p:style>
+          <a:lnRef idx="1">
+            <a:schemeClr val="accent1"/>
+          </a:lnRef>
+          <a:fillRef idx="3">
+            <a:schemeClr val="accent1"/>
+          </a:fillRef>
+          <a:effectRef idx="2">
+            <a:schemeClr val="accent1"/>
+          </a:effectRef>
+          <a:fontRef idx="minor">
+            <a:schemeClr val="lt1"/>
+          </a:fontRef>
+        </p:style>
+        <p:txBody>
+          <a:bodyPr lIns="0" tIns="0" rIns="0" bIns="45720" rtlCol="0" anchor="ctr"/>
+          <a:lstStyle/>
+          <a:p>
+            <a:pPr algn="ctr"/>
+            <a:r>
+              <a:rPr lang="en-US" sz="1200" dirty="0" smtClean="0"/>
+              <a:t>4a</a:t>
+            </a:r>
+            <a:endParaRPr lang="en-US" sz="1200" dirty="0"/>
+          </a:p>
+        </p:txBody>
+      </p:sp>
+      <p:sp>
+        <p:nvSpPr>
+          <p:cNvPr id="34" name="Oval 33"/>
+          <p:cNvSpPr>
+            <a:spLocks noChangeAspect="1"/>
+          </p:cNvSpPr>
+          <p:nvPr/>
+        </p:nvSpPr>
+        <p:spPr>
+          <a:xfrm>
+            <a:off x="7149187" y="2248484"/>
+            <a:ext cx="255684" cy="255684"/>
+          </a:xfrm>
+          <a:prstGeom prst="ellipse">
+            <a:avLst/>
+          </a:prstGeom>
+          <a:solidFill>
+            <a:srgbClr val="FF0000"/>
+          </a:solidFill>
+          <a:ln>
+            <a:solidFill>
+              <a:srgbClr val="000000"/>
+            </a:solidFill>
+          </a:ln>
+        </p:spPr>
+        <p:style>
+          <a:lnRef idx="1">
+            <a:schemeClr val="accent1"/>
+          </a:lnRef>
+          <a:fillRef idx="3">
+            <a:schemeClr val="accent1"/>
+          </a:fillRef>
+          <a:effectRef idx="2">
+            <a:schemeClr val="accent1"/>
+          </a:effectRef>
+          <a:fontRef idx="minor">
+            <a:schemeClr val="lt1"/>
+          </a:fontRef>
+        </p:style>
+        <p:txBody>
+          <a:bodyPr lIns="0" tIns="0" rIns="0" bIns="45720" rtlCol="0" anchor="ctr"/>
+          <a:lstStyle/>
+          <a:p>
+            <a:pPr algn="ctr"/>
+            <a:r>
+              <a:rPr lang="en-US" sz="1200" dirty="0" smtClean="0"/>
+              <a:t>3a</a:t>
+            </a:r>
+            <a:endParaRPr lang="en-US" sz="1200" dirty="0"/>
+          </a:p>
+        </p:txBody>
+      </p:sp>
+      <p:sp>
+        <p:nvSpPr>
+          <p:cNvPr id="36" name="Oval 35"/>
+          <p:cNvSpPr>
+            <a:spLocks noChangeAspect="1"/>
+          </p:cNvSpPr>
+          <p:nvPr/>
+        </p:nvSpPr>
+        <p:spPr>
+          <a:xfrm>
+            <a:off x="7867079" y="2875034"/>
+            <a:ext cx="255684" cy="255684"/>
+          </a:xfrm>
+          <a:prstGeom prst="ellipse">
+            <a:avLst/>
+          </a:prstGeom>
+          <a:solidFill>
+            <a:srgbClr val="FF0000"/>
+          </a:solidFill>
+          <a:ln>
+            <a:solidFill>
+              <a:srgbClr val="000000"/>
+            </a:solidFill>
+          </a:ln>
+        </p:spPr>
+        <p:style>
+          <a:lnRef idx="1">
+            <a:schemeClr val="accent1"/>
+          </a:lnRef>
+          <a:fillRef idx="3">
+            <a:schemeClr val="accent1"/>
+          </a:fillRef>
+          <a:effectRef idx="2">
+            <a:schemeClr val="accent1"/>
+          </a:effectRef>
+          <a:fontRef idx="minor">
+            <a:schemeClr val="lt1"/>
+          </a:fontRef>
+        </p:style>
+        <p:txBody>
+          <a:bodyPr lIns="0" tIns="0" rIns="0" bIns="45720" rtlCol="0" anchor="ctr"/>
+          <a:lstStyle/>
+          <a:p>
+            <a:pPr algn="ctr"/>
+            <a:r>
+              <a:rPr lang="en-US" sz="1200" dirty="0" smtClean="0"/>
+              <a:t>3b</a:t>
+            </a:r>
+            <a:endParaRPr lang="en-US" sz="1200" dirty="0"/>
+          </a:p>
+        </p:txBody>
+      </p:sp>
+      <p:sp>
+        <p:nvSpPr>
+          <p:cNvPr id="38" name="Oval 37"/>
+          <p:cNvSpPr>
+            <a:spLocks noChangeAspect="1"/>
+          </p:cNvSpPr>
+          <p:nvPr/>
+        </p:nvSpPr>
+        <p:spPr>
+          <a:xfrm>
+            <a:off x="7867079" y="4803048"/>
+            <a:ext cx="255684" cy="255684"/>
+          </a:xfrm>
+          <a:prstGeom prst="ellipse">
+            <a:avLst/>
+          </a:prstGeom>
+          <a:solidFill>
+            <a:srgbClr val="FF0000"/>
+          </a:solidFill>
+          <a:ln>
+            <a:solidFill>
+              <a:srgbClr val="000000"/>
+            </a:solidFill>
+          </a:ln>
+        </p:spPr>
+        <p:style>
+          <a:lnRef idx="1">
+            <a:schemeClr val="accent1"/>
+          </a:lnRef>
+          <a:fillRef idx="3">
+            <a:schemeClr val="accent1"/>
+          </a:fillRef>
+          <a:effectRef idx="2">
+            <a:schemeClr val="accent1"/>
+          </a:effectRef>
+          <a:fontRef idx="minor">
+            <a:schemeClr val="lt1"/>
+          </a:fontRef>
+        </p:style>
+        <p:txBody>
+          <a:bodyPr lIns="0" tIns="0" rIns="0" bIns="45720" rtlCol="0" anchor="ctr"/>
+          <a:lstStyle/>
+          <a:p>
+            <a:pPr algn="ctr"/>
+            <a:r>
+              <a:rPr lang="en-US" sz="1200" dirty="0" smtClean="0"/>
+              <a:t>3b</a:t>
+            </a:r>
+            <a:endParaRPr lang="en-US" sz="1200" dirty="0"/>
+          </a:p>
+        </p:txBody>
+      </p:sp>
+      <p:sp>
+        <p:nvSpPr>
+          <p:cNvPr id="37" name="Oval 36"/>
+          <p:cNvSpPr>
+            <a:spLocks noChangeAspect="1"/>
+          </p:cNvSpPr>
+          <p:nvPr/>
+        </p:nvSpPr>
+        <p:spPr>
+          <a:xfrm>
+            <a:off x="7056487" y="3599148"/>
+            <a:ext cx="255684" cy="255684"/>
+          </a:xfrm>
+          <a:prstGeom prst="ellipse">
+            <a:avLst/>
+          </a:prstGeom>
+          <a:solidFill>
+            <a:srgbClr val="FF0000"/>
+          </a:solidFill>
+          <a:ln>
+            <a:solidFill>
+              <a:srgbClr val="000000"/>
+            </a:solidFill>
+          </a:ln>
+        </p:spPr>
+        <p:style>
+          <a:lnRef idx="1">
+            <a:schemeClr val="accent1"/>
+          </a:lnRef>
+          <a:fillRef idx="3">
+            <a:schemeClr val="accent1"/>
+          </a:fillRef>
+          <a:effectRef idx="2">
+            <a:schemeClr val="accent1"/>
+          </a:effectRef>
+          <a:fontRef idx="minor">
+            <a:schemeClr val="lt1"/>
+          </a:fontRef>
+        </p:style>
+        <p:txBody>
+          <a:bodyPr lIns="0" tIns="0" rIns="0" bIns="45720" rtlCol="0" anchor="ctr"/>
+          <a:lstStyle/>
+          <a:p>
+            <a:pPr algn="ctr"/>
+            <a:r>
+              <a:rPr lang="en-US" sz="1200" dirty="0" smtClean="0"/>
+              <a:t>3a</a:t>
+            </a:r>
+            <a:endParaRPr lang="en-US" sz="1200" dirty="0"/>
+          </a:p>
+        </p:txBody>
+      </p:sp>
+    </p:spTree>
+    <p:extLst>
+      <p:ext uri="{BB962C8B-B14F-4D97-AF65-F5344CB8AC3E}">
+        <p14:creationId xmlns:p14="http://schemas.microsoft.com/office/powerpoint/2010/main" val="4202061864"/>
+      </p:ext>
+    </p:extLst>
+  </p:cSld>
+  <p:clrMapOvr>
+    <a:masterClrMapping/>
+  </p:clrMapOvr>
+  <p:timing>
+    <p:tnLst>
+      <p:par>
+        <p:cTn xmlns:p14="http://schemas.microsoft.com/office/powerpoint/2010/main" id="1" dur="indefinite" restart="never" nodeType="tmRoot">
+          <p:childTnLst>
+            <p:seq concurrent="1" nextAc="seek">
+              <p:cTn id="2" dur="indefinite" nodeType="mainSeq">
+                <p:childTnLst>
+                  <p:par>
+                    <p:cTn id="3" fill="hold">
+                      <p:stCondLst>
+                        <p:cond delay="indefinite"/>
+                      </p:stCondLst>
+                      <p:childTnLst>
+                        <p:par>
+                          <p:cTn id="4" fill="hold">
+                            <p:stCondLst>
+                              <p:cond delay="0"/>
+                            </p:stCondLst>
+                            <p:childTnLst>
+                              <p:par>
+                                <p:cTn id="5" presetID="1" presetClass="entr" presetSubtype="0" fill="hold" grpId="0" nodeType="clickEffect">
+                                  <p:stCondLst>
+                                    <p:cond delay="0"/>
+                                  </p:stCondLst>
+                                  <p:childTnLst>
+                                    <p:set>
+                                      <p:cBhvr>
+                                        <p:cTn id="6" dur="1" fill="hold">
+                                          <p:stCondLst>
+                                            <p:cond delay="0"/>
+                                          </p:stCondLst>
+                                        </p:cTn>
+                                        <p:tgtEl>
+                                          <p:spTgt spid="20"/>
+                                        </p:tgtEl>
+                                        <p:attrNameLst>
+                                          <p:attrName>style.visibility</p:attrName>
+                                        </p:attrNameLst>
+                                      </p:cBhvr>
+                                      <p:to>
+                                        <p:strVal val="visible"/>
+                                      </p:to>
+                                    </p:set>
+                                  </p:childTnLst>
+                                </p:cTn>
+                              </p:par>
+                              <p:par>
+                                <p:cTn id="7" presetID="1" presetClass="entr" presetSubtype="0" fill="hold" grpId="0" nodeType="withEffect">
+                                  <p:stCondLst>
+                                    <p:cond delay="0"/>
+                                  </p:stCondLst>
+                                  <p:childTnLst>
+                                    <p:set>
+                                      <p:cBhvr>
+                                        <p:cTn id="8" dur="1" fill="hold">
+                                          <p:stCondLst>
+                                            <p:cond delay="0"/>
+                                          </p:stCondLst>
+                                        </p:cTn>
+                                        <p:tgtEl>
+                                          <p:spTgt spid="21"/>
+                                        </p:tgtEl>
+                                        <p:attrNameLst>
+                                          <p:attrName>style.visibility</p:attrName>
+                                        </p:attrNameLst>
+                                      </p:cBhvr>
+                                      <p:to>
+                                        <p:strVal val="visible"/>
+                                      </p:to>
+                                    </p:set>
+                                  </p:childTnLst>
+                                </p:cTn>
+                              </p:par>
+                            </p:childTnLst>
+                          </p:cTn>
+                        </p:par>
+                      </p:childTnLst>
+                    </p:cTn>
+                  </p:par>
+                  <p:par>
+                    <p:cTn id="9" fill="hold">
+                      <p:stCondLst>
+                        <p:cond delay="indefinite"/>
+                      </p:stCondLst>
+                      <p:childTnLst>
+                        <p:par>
+                          <p:cTn id="10" fill="hold">
+                            <p:stCondLst>
+                              <p:cond delay="0"/>
+                            </p:stCondLst>
+                            <p:childTnLst>
+                              <p:par>
+                                <p:cTn id="11" presetID="1" presetClass="entr" presetSubtype="0" fill="hold" grpId="0" nodeType="clickEffect">
+                                  <p:stCondLst>
+                                    <p:cond delay="0"/>
+                                  </p:stCondLst>
+                                  <p:childTnLst>
+                                    <p:set>
+                                      <p:cBhvr>
+                                        <p:cTn id="12" dur="1" fill="hold">
+                                          <p:stCondLst>
+                                            <p:cond delay="0"/>
+                                          </p:stCondLst>
+                                        </p:cTn>
+                                        <p:tgtEl>
+                                          <p:spTgt spid="25"/>
+                                        </p:tgtEl>
+                                        <p:attrNameLst>
+                                          <p:attrName>style.visibility</p:attrName>
+                                        </p:attrNameLst>
+                                      </p:cBhvr>
+                                      <p:to>
+                                        <p:strVal val="visible"/>
+                                      </p:to>
+                                    </p:set>
+                                  </p:childTnLst>
+                                </p:cTn>
+                              </p:par>
+                              <p:par>
+                                <p:cTn id="13" presetID="1" presetClass="entr" presetSubtype="0" fill="hold" grpId="0" nodeType="withEffect">
+                                  <p:stCondLst>
+                                    <p:cond delay="0"/>
+                                  </p:stCondLst>
+                                  <p:childTnLst>
+                                    <p:set>
+                                      <p:cBhvr>
+                                        <p:cTn id="14" dur="1" fill="hold">
+                                          <p:stCondLst>
+                                            <p:cond delay="0"/>
+                                          </p:stCondLst>
+                                        </p:cTn>
+                                        <p:tgtEl>
+                                          <p:spTgt spid="24"/>
+                                        </p:tgtEl>
+                                        <p:attrNameLst>
+                                          <p:attrName>style.visibility</p:attrName>
+                                        </p:attrNameLst>
+                                      </p:cBhvr>
+                                      <p:to>
+                                        <p:strVal val="visible"/>
+                                      </p:to>
+                                    </p:set>
+                                  </p:childTnLst>
+                                </p:cTn>
+                              </p:par>
+                              <p:par>
+                                <p:cTn id="15" presetID="1" presetClass="entr" presetSubtype="0" fill="hold" grpId="0" nodeType="withEffect">
+                                  <p:stCondLst>
+                                    <p:cond delay="0"/>
+                                  </p:stCondLst>
+                                  <p:childTnLst>
+                                    <p:set>
+                                      <p:cBhvr>
+                                        <p:cTn id="16" dur="1" fill="hold">
+                                          <p:stCondLst>
+                                            <p:cond delay="0"/>
+                                          </p:stCondLst>
+                                        </p:cTn>
+                                        <p:tgtEl>
+                                          <p:spTgt spid="22"/>
+                                        </p:tgtEl>
+                                        <p:attrNameLst>
+                                          <p:attrName>style.visibility</p:attrName>
+                                        </p:attrNameLst>
+                                      </p:cBhvr>
+                                      <p:to>
+                                        <p:strVal val="visible"/>
+                                      </p:to>
+                                    </p:set>
+                                  </p:childTnLst>
+                                </p:cTn>
+                              </p:par>
+                              <p:par>
+                                <p:cTn id="17" presetID="1" presetClass="entr" presetSubtype="0" fill="hold" grpId="0" nodeType="withEffect">
+                                  <p:stCondLst>
+                                    <p:cond delay="0"/>
+                                  </p:stCondLst>
+                                  <p:childTnLst>
+                                    <p:set>
+                                      <p:cBhvr>
+                                        <p:cTn id="18" dur="1" fill="hold">
+                                          <p:stCondLst>
+                                            <p:cond delay="0"/>
+                                          </p:stCondLst>
+                                        </p:cTn>
+                                        <p:tgtEl>
+                                          <p:spTgt spid="23"/>
+                                        </p:tgtEl>
+                                        <p:attrNameLst>
+                                          <p:attrName>style.visibility</p:attrName>
+                                        </p:attrNameLst>
+                                      </p:cBhvr>
+                                      <p:to>
+                                        <p:strVal val="visible"/>
+                                      </p:to>
+                                    </p:set>
+                                  </p:childTnLst>
+                                </p:cTn>
+                              </p:par>
+                            </p:childTnLst>
+                          </p:cTn>
+                        </p:par>
+                      </p:childTnLst>
+                    </p:cTn>
+                  </p:par>
+                </p:childTnLst>
+              </p:cTn>
+              <p:prevCondLst>
+                <p:cond evt="onPrev" delay="0">
+                  <p:tgtEl>
+                    <p:sldTgt/>
+                  </p:tgtEl>
+                </p:cond>
+              </p:prevCondLst>
+              <p:nextCondLst>
+                <p:cond evt="onNext" delay="0">
+                  <p:tgtEl>
+                    <p:sldTgt/>
+                  </p:tgtEl>
+                </p:cond>
+              </p:nextCondLst>
+            </p:seq>
+          </p:childTnLst>
+        </p:cTn>
+      </p:par>
+    </p:tnLst>
+    <p:bldLst>
+      <p:bldP spid="20" grpId="0" animBg="1"/>
+      <p:bldP spid="21" grpId="0" animBg="1"/>
+      <p:bldP spid="22" grpId="0" animBg="1"/>
+      <p:bldP spid="23" grpId="0" animBg="1"/>
+      <p:bldP spid="24" grpId="0" animBg="1"/>
+      <p:bldP spid="25" grpId="0" animBg="1"/>
+    </p:bldLst>
+  </p:timing>
+</p:sld>
+</file>
+
+<file path=ppt/slides/slide2.xml><?xml version="1.0" encoding="utf-8"?>
+<p:sld xmlns:a="http://schemas.openxmlformats.org/drawingml/2006/main" xmlns:r="http://schemas.openxmlformats.org/officeDocument/2006/relationships" xmlns:p="http://schemas.openxmlformats.org/presentationml/2006/main">
+  <p:cSld>
+    <p:spTree>
+      <p:nvGrpSpPr>
+        <p:cNvPr id="1" name=""/>
+        <p:cNvGrpSpPr/>
+        <p:nvPr/>
+      </p:nvGrpSpPr>
+      <p:grpSpPr>
+        <a:xfrm>
+          <a:off x="0" y="0"/>
+          <a:ext cx="0" cy="0"/>
+          <a:chOff x="0" y="0"/>
+          <a:chExt cx="0" cy="0"/>
+        </a:xfrm>
+      </p:grpSpPr>
+      <p:pic>
+        <p:nvPicPr>
+          <p:cNvPr id="4" name="Picture 5" descr="C:\Users\ferschke\Desktop\article.png"/>
+          <p:cNvPicPr>
+            <a:picLocks noChangeAspect="1" noChangeArrowheads="1"/>
+          </p:cNvPicPr>
+          <p:nvPr/>
+        </p:nvPicPr>
+        <p:blipFill>
+          <a:blip r:embed="rId3" cstate="print">
+            <a:extLst>
+              <a:ext uri="{28A0092B-C50C-407E-A947-70E740481C1C}">
+                <a14:useLocalDpi xmlns:a14="http://schemas.microsoft.com/office/drawing/2010/main" val="0"/>
+              </a:ext>
+            </a:extLst>
+          </a:blip>
+          <a:srcRect/>
+          <a:stretch>
+            <a:fillRect/>
+          </a:stretch>
+        </p:blipFill>
+        <p:spPr bwMode="auto">
+          <a:xfrm>
+            <a:off x="721725" y="1053539"/>
+            <a:ext cx="3362735" cy="4604720"/>
+          </a:xfrm>
+          <a:prstGeom prst="rect">
+            <a:avLst/>
+          </a:prstGeom>
+          <a:noFill/>
+          <a:extLst>
+            <a:ext uri="{909E8E84-426E-40dd-AFC4-6F175D3DCCD1}">
+              <a14:hiddenFill xmlns:a14="http://schemas.microsoft.com/office/drawing/2010/main">
+                <a:solidFill>
+                  <a:srgbClr val="FFFFFF"/>
+                </a:solidFill>
+              </a14:hiddenFill>
+            </a:ext>
+          </a:extLst>
+        </p:spPr>
+      </p:pic>
+      <p:sp>
+        <p:nvSpPr>
+          <p:cNvPr id="9" name="Rechteck 8"/>
+          <p:cNvSpPr/>
+          <p:nvPr/>
+        </p:nvSpPr>
+        <p:spPr>
+          <a:xfrm>
+            <a:off x="697885" y="1072485"/>
+            <a:ext cx="3454670" cy="4604720"/>
+          </a:xfrm>
+          <a:prstGeom prst="rect">
+            <a:avLst/>
+          </a:prstGeom>
+          <a:noFill/>
+          <a:ln>
+            <a:solidFill>
+              <a:srgbClr val="660066"/>
+            </a:solidFill>
+          </a:ln>
+        </p:spPr>
+        <p:style>
+          <a:lnRef idx="2">
+            <a:schemeClr val="accent1">
+              <a:shade val="50000"/>
+            </a:schemeClr>
+          </a:lnRef>
+          <a:fillRef idx="1">
+            <a:schemeClr val="accent1"/>
+          </a:fillRef>
+          <a:effectRef idx="0">
+            <a:schemeClr val="accent1"/>
+          </a:effectRef>
+          <a:fontRef idx="minor">
+            <a:schemeClr val="lt1"/>
+          </a:fontRef>
+        </p:style>
+        <p:txBody>
+          <a:bodyPr anchor="ctr"/>
+          <a:lstStyle/>
+          <a:p>
+            <a:pPr algn="ctr">
+              <a:defRPr/>
+            </a:pPr>
+            <a:endParaRPr lang="de-DE"/>
+          </a:p>
+        </p:txBody>
+      </p:sp>
+      <p:grpSp>
+        <p:nvGrpSpPr>
+          <p:cNvPr id="16" name="Gruppieren 3"/>
+          <p:cNvGrpSpPr/>
+          <p:nvPr/>
+        </p:nvGrpSpPr>
+        <p:grpSpPr>
+          <a:xfrm>
+            <a:off x="5121825" y="1075762"/>
+            <a:ext cx="3448050" cy="4579723"/>
+            <a:chOff x="2095500" y="1774208"/>
+            <a:chExt cx="3327494" cy="4419600"/>
+          </a:xfrm>
+        </p:grpSpPr>
+        <p:pic>
+          <p:nvPicPr>
+            <p:cNvPr id="17" name="Picture 6" descr="C:\Users\ferschke\Desktop\tp1.png"/>
+            <p:cNvPicPr>
+              <a:picLocks noChangeAspect="1" noChangeArrowheads="1"/>
+            </p:cNvPicPr>
+            <p:nvPr/>
+          </p:nvPicPr>
+          <p:blipFill rotWithShape="1">
+            <a:blip r:embed="rId4" cstate="print">
+              <a:extLst>
+                <a:ext uri="{28A0092B-C50C-407E-A947-70E740481C1C}">
+                  <a14:useLocalDpi xmlns:a14="http://schemas.microsoft.com/office/drawing/2010/main" val="0"/>
+                </a:ext>
+              </a:extLst>
+            </a:blip>
+            <a:srcRect l="2771"/>
+            <a:stretch/>
+          </p:blipFill>
+          <p:spPr bwMode="auto">
+            <a:xfrm>
+              <a:off x="2095500" y="1774209"/>
+              <a:ext cx="3315784" cy="1076312"/>
+            </a:xfrm>
+            <a:prstGeom prst="rect">
+              <a:avLst/>
+            </a:prstGeom>
+            <a:noFill/>
+            <a:ln>
+              <a:noFill/>
+            </a:ln>
+            <a:extLst>
+              <a:ext uri="{909E8E84-426E-40dd-AFC4-6F175D3DCCD1}">
+                <a14:hiddenFill xmlns:a14="http://schemas.microsoft.com/office/drawing/2010/main">
+                  <a:solidFill>
+                    <a:srgbClr val="FFFFFF"/>
+                  </a:solidFill>
+                </a14:hiddenFill>
+              </a:ext>
+            </a:extLst>
+          </p:spPr>
+        </p:pic>
+        <p:pic>
+          <p:nvPicPr>
+            <p:cNvPr id="18" name="Picture 7" descr="C:\Users\ferschke\Desktop\tp2.png"/>
+            <p:cNvPicPr>
+              <a:picLocks noChangeAspect="1" noChangeArrowheads="1"/>
+            </p:cNvPicPr>
+            <p:nvPr/>
+          </p:nvPicPr>
+          <p:blipFill rotWithShape="1">
+            <a:blip r:embed="rId5" cstate="print">
+              <a:extLst>
+                <a:ext uri="{28A0092B-C50C-407E-A947-70E740481C1C}">
+                  <a14:useLocalDpi xmlns:a14="http://schemas.microsoft.com/office/drawing/2010/main" val="0"/>
+                </a:ext>
+              </a:extLst>
+            </a:blip>
+            <a:srcRect b="22857"/>
+            <a:stretch/>
+          </p:blipFill>
+          <p:spPr bwMode="auto">
+            <a:xfrm>
+              <a:off x="2095500" y="2795929"/>
+              <a:ext cx="3327494" cy="3343287"/>
+            </a:xfrm>
+            <a:prstGeom prst="rect">
+              <a:avLst/>
+            </a:prstGeom>
+            <a:noFill/>
+            <a:ln>
+              <a:noFill/>
+            </a:ln>
+            <a:extLst>
+              <a:ext uri="{909E8E84-426E-40dd-AFC4-6F175D3DCCD1}">
+                <a14:hiddenFill xmlns:a14="http://schemas.microsoft.com/office/drawing/2010/main">
+                  <a:solidFill>
+                    <a:srgbClr val="FFFFFF"/>
+                  </a:solidFill>
+                </a14:hiddenFill>
+              </a:ext>
+            </a:extLst>
+          </p:spPr>
+        </p:pic>
+        <p:sp>
+          <p:nvSpPr>
+            <p:cNvPr id="19" name="Rechteck 6"/>
+            <p:cNvSpPr/>
+            <p:nvPr/>
+          </p:nvSpPr>
+          <p:spPr>
+            <a:xfrm>
+              <a:off x="2095500" y="1774208"/>
+              <a:ext cx="3315784" cy="4419600"/>
+            </a:xfrm>
+            <a:prstGeom prst="rect">
+              <a:avLst/>
+            </a:prstGeom>
+            <a:noFill/>
+            <a:ln>
+              <a:noFill/>
+            </a:ln>
+          </p:spPr>
+          <p:style>
+            <a:lnRef idx="2">
+              <a:schemeClr val="accent1">
+                <a:shade val="50000"/>
+              </a:schemeClr>
+            </a:lnRef>
+            <a:fillRef idx="1">
+              <a:schemeClr val="accent1"/>
+            </a:fillRef>
+            <a:effectRef idx="0">
+              <a:schemeClr val="accent1"/>
+            </a:effectRef>
+            <a:fontRef idx="minor">
+              <a:schemeClr val="lt1"/>
+            </a:fontRef>
+          </p:style>
+          <p:txBody>
+            <a:bodyPr anchor="ctr"/>
+            <a:lstStyle/>
+            <a:p>
+              <a:pPr algn="ctr">
+                <a:defRPr/>
+              </a:pPr>
+              <a:endParaRPr lang="de-DE"/>
+            </a:p>
+          </p:txBody>
+        </p:sp>
+      </p:grpSp>
+      <p:sp>
+        <p:nvSpPr>
+          <p:cNvPr id="20" name="Rechteck 7"/>
+          <p:cNvSpPr/>
+          <p:nvPr/>
+        </p:nvSpPr>
+        <p:spPr>
+          <a:xfrm>
+            <a:off x="5121825" y="2134500"/>
+            <a:ext cx="3435916" cy="1337201"/>
+          </a:xfrm>
+          <a:prstGeom prst="rect">
+            <a:avLst/>
+          </a:prstGeom>
+          <a:noFill/>
+          <a:ln>
+            <a:solidFill>
+              <a:srgbClr val="008000"/>
+            </a:solidFill>
+          </a:ln>
+        </p:spPr>
+        <p:style>
+          <a:lnRef idx="2">
+            <a:schemeClr val="accent1">
+              <a:shade val="50000"/>
+            </a:schemeClr>
+          </a:lnRef>
+          <a:fillRef idx="1">
+            <a:schemeClr val="accent1"/>
+          </a:fillRef>
+          <a:effectRef idx="0">
+            <a:schemeClr val="accent1"/>
+          </a:effectRef>
+          <a:fontRef idx="minor">
+            <a:schemeClr val="lt1"/>
+          </a:fontRef>
+        </p:style>
+        <p:txBody>
+          <a:bodyPr rtlCol="0" anchor="ctr"/>
+          <a:lstStyle/>
+          <a:p>
+            <a:pPr algn="ctr"/>
+            <a:endParaRPr lang="de-DE"/>
+          </a:p>
+        </p:txBody>
+      </p:sp>
+      <p:sp>
+        <p:nvSpPr>
+          <p:cNvPr id="21" name="Rechteck 8"/>
+          <p:cNvSpPr/>
+          <p:nvPr/>
+        </p:nvSpPr>
+        <p:spPr>
+          <a:xfrm>
+            <a:off x="5121825" y="3538376"/>
+            <a:ext cx="3435916" cy="2060539"/>
+          </a:xfrm>
+          <a:prstGeom prst="rect">
+            <a:avLst/>
+          </a:prstGeom>
+          <a:noFill/>
+          <a:ln>
+            <a:solidFill>
+              <a:srgbClr val="008000"/>
+            </a:solidFill>
+          </a:ln>
+        </p:spPr>
+        <p:style>
+          <a:lnRef idx="2">
+            <a:schemeClr val="accent1">
+              <a:shade val="50000"/>
+            </a:schemeClr>
+          </a:lnRef>
+          <a:fillRef idx="1">
+            <a:schemeClr val="accent1"/>
+          </a:fillRef>
+          <a:effectRef idx="0">
+            <a:schemeClr val="accent1"/>
+          </a:effectRef>
+          <a:fontRef idx="minor">
+            <a:schemeClr val="lt1"/>
+          </a:fontRef>
+        </p:style>
+        <p:txBody>
+          <a:bodyPr rtlCol="0" anchor="ctr"/>
+          <a:lstStyle/>
+          <a:p>
+            <a:pPr algn="ctr"/>
+            <a:endParaRPr lang="de-DE"/>
+          </a:p>
+        </p:txBody>
+      </p:sp>
+      <p:sp>
+        <p:nvSpPr>
+          <p:cNvPr id="22" name="Rechteck 9"/>
+          <p:cNvSpPr/>
+          <p:nvPr/>
+        </p:nvSpPr>
+        <p:spPr>
+          <a:xfrm>
+            <a:off x="5152800" y="3002876"/>
+            <a:ext cx="3348000" cy="432000"/>
+          </a:xfrm>
+          <a:prstGeom prst="rect">
+            <a:avLst/>
+          </a:prstGeom>
+          <a:noFill/>
+          <a:ln>
+            <a:solidFill>
+              <a:srgbClr val="FF0000"/>
+            </a:solidFill>
+          </a:ln>
+        </p:spPr>
+        <p:style>
+          <a:lnRef idx="2">
+            <a:schemeClr val="accent1">
+              <a:shade val="50000"/>
+            </a:schemeClr>
+          </a:lnRef>
+          <a:fillRef idx="1">
+            <a:schemeClr val="accent1"/>
+          </a:fillRef>
+          <a:effectRef idx="0">
+            <a:schemeClr val="accent1"/>
+          </a:effectRef>
+          <a:fontRef idx="minor">
+            <a:schemeClr val="lt1"/>
+          </a:fontRef>
+        </p:style>
+        <p:txBody>
+          <a:bodyPr rtlCol="0" anchor="ctr"/>
+          <a:lstStyle/>
+          <a:p>
+            <a:pPr algn="ctr"/>
+            <a:endParaRPr lang="de-DE"/>
+          </a:p>
+        </p:txBody>
+      </p:sp>
+      <p:sp>
+        <p:nvSpPr>
+          <p:cNvPr id="23" name="Rechteck 10"/>
+          <p:cNvSpPr/>
+          <p:nvPr/>
+        </p:nvSpPr>
+        <p:spPr>
+          <a:xfrm>
+            <a:off x="5162325" y="2376326"/>
+            <a:ext cx="3348000" cy="582300"/>
+          </a:xfrm>
+          <a:prstGeom prst="rect">
+            <a:avLst/>
+          </a:prstGeom>
+          <a:noFill/>
+          <a:ln>
+            <a:solidFill>
+              <a:srgbClr val="FF0000"/>
+            </a:solidFill>
+          </a:ln>
+        </p:spPr>
+        <p:style>
+          <a:lnRef idx="2">
+            <a:schemeClr val="accent1">
+              <a:shade val="50000"/>
+            </a:schemeClr>
+          </a:lnRef>
+          <a:fillRef idx="1">
+            <a:schemeClr val="accent1"/>
+          </a:fillRef>
+          <a:effectRef idx="0">
+            <a:schemeClr val="accent1"/>
+          </a:effectRef>
+          <a:fontRef idx="minor">
+            <a:schemeClr val="lt1"/>
+          </a:fontRef>
+        </p:style>
+        <p:txBody>
+          <a:bodyPr rtlCol="0" anchor="ctr"/>
+          <a:lstStyle/>
+          <a:p>
+            <a:pPr algn="ctr"/>
+            <a:endParaRPr lang="de-DE"/>
+          </a:p>
+        </p:txBody>
+      </p:sp>
+      <p:sp>
+        <p:nvSpPr>
+          <p:cNvPr id="24" name="Rechteck 11"/>
+          <p:cNvSpPr/>
+          <p:nvPr/>
+        </p:nvSpPr>
+        <p:spPr>
+          <a:xfrm>
+            <a:off x="5162325" y="3728876"/>
+            <a:ext cx="3348000" cy="1152000"/>
+          </a:xfrm>
+          <a:prstGeom prst="rect">
+            <a:avLst/>
+          </a:prstGeom>
+          <a:noFill/>
+          <a:ln>
+            <a:solidFill>
+              <a:srgbClr val="FF0000"/>
+            </a:solidFill>
+          </a:ln>
+        </p:spPr>
+        <p:style>
+          <a:lnRef idx="2">
+            <a:schemeClr val="accent1">
+              <a:shade val="50000"/>
+            </a:schemeClr>
+          </a:lnRef>
+          <a:fillRef idx="1">
+            <a:schemeClr val="accent1"/>
+          </a:fillRef>
+          <a:effectRef idx="0">
+            <a:schemeClr val="accent1"/>
+          </a:effectRef>
+          <a:fontRef idx="minor">
+            <a:schemeClr val="lt1"/>
+          </a:fontRef>
+        </p:style>
+        <p:txBody>
+          <a:bodyPr rtlCol="0" anchor="ctr"/>
+          <a:lstStyle/>
+          <a:p>
+            <a:pPr algn="ctr"/>
+            <a:endParaRPr lang="de-DE"/>
+          </a:p>
+        </p:txBody>
+      </p:sp>
+      <p:sp>
+        <p:nvSpPr>
+          <p:cNvPr id="25" name="Rechteck 12"/>
+          <p:cNvSpPr/>
+          <p:nvPr/>
+        </p:nvSpPr>
+        <p:spPr>
+          <a:xfrm>
+            <a:off x="5162325" y="4930890"/>
+            <a:ext cx="3348000" cy="504000"/>
+          </a:xfrm>
+          <a:prstGeom prst="rect">
+            <a:avLst/>
+          </a:prstGeom>
+          <a:noFill/>
+          <a:ln>
+            <a:solidFill>
+              <a:srgbClr val="FF0000"/>
+            </a:solidFill>
+          </a:ln>
+        </p:spPr>
+        <p:style>
+          <a:lnRef idx="2">
+            <a:schemeClr val="accent1">
+              <a:shade val="50000"/>
+            </a:schemeClr>
+          </a:lnRef>
+          <a:fillRef idx="1">
+            <a:schemeClr val="accent1"/>
+          </a:fillRef>
+          <a:effectRef idx="0">
+            <a:schemeClr val="accent1"/>
+          </a:effectRef>
+          <a:fontRef idx="minor">
+            <a:schemeClr val="lt1"/>
+          </a:fontRef>
+        </p:style>
+        <p:txBody>
+          <a:bodyPr rtlCol="0" anchor="ctr"/>
+          <a:lstStyle/>
+          <a:p>
+            <a:pPr algn="ctr"/>
+            <a:endParaRPr lang="de-DE"/>
+          </a:p>
+        </p:txBody>
+      </p:sp>
+      <p:sp>
+        <p:nvSpPr>
+          <p:cNvPr id="28" name="Rechteck 8"/>
+          <p:cNvSpPr/>
+          <p:nvPr/>
+        </p:nvSpPr>
+        <p:spPr>
+          <a:xfrm>
+            <a:off x="5044931" y="1061397"/>
+            <a:ext cx="3615697" cy="4594088"/>
+          </a:xfrm>
+          <a:prstGeom prst="rect">
+            <a:avLst/>
+          </a:prstGeom>
+          <a:noFill/>
+          <a:ln>
+            <a:solidFill>
+              <a:srgbClr val="008000"/>
+            </a:solidFill>
+          </a:ln>
+        </p:spPr>
+        <p:style>
+          <a:lnRef idx="2">
+            <a:schemeClr val="accent1">
+              <a:shade val="50000"/>
+            </a:schemeClr>
+          </a:lnRef>
+          <a:fillRef idx="1">
+            <a:schemeClr val="accent1"/>
+          </a:fillRef>
+          <a:effectRef idx="0">
+            <a:schemeClr val="accent1"/>
+          </a:effectRef>
+          <a:fontRef idx="minor">
+            <a:schemeClr val="lt1"/>
+          </a:fontRef>
+        </p:style>
+        <p:txBody>
+          <a:bodyPr anchor="ctr"/>
+          <a:lstStyle/>
+          <a:p>
+            <a:pPr algn="ctr">
+              <a:defRPr/>
+            </a:pPr>
+            <a:endParaRPr lang="de-DE"/>
+          </a:p>
+        </p:txBody>
+      </p:sp>
+      <p:sp>
+        <p:nvSpPr>
+          <p:cNvPr id="45" name="Oval 44"/>
+          <p:cNvSpPr>
+            <a:spLocks noChangeAspect="1"/>
+          </p:cNvSpPr>
+          <p:nvPr/>
+        </p:nvSpPr>
+        <p:spPr>
+          <a:xfrm>
+            <a:off x="877309" y="1865027"/>
+            <a:ext cx="255684" cy="255684"/>
+          </a:xfrm>
+          <a:prstGeom prst="ellipse">
+            <a:avLst/>
+          </a:prstGeom>
+          <a:solidFill>
+            <a:schemeClr val="tx2">
+              <a:lumMod val="60000"/>
+              <a:lumOff val="40000"/>
+            </a:schemeClr>
+          </a:solidFill>
+          <a:ln>
+            <a:solidFill>
+              <a:schemeClr val="tx1"/>
+            </a:solidFill>
+          </a:ln>
+        </p:spPr>
+        <p:style>
+          <a:lnRef idx="1">
+            <a:schemeClr val="accent1"/>
+          </a:lnRef>
+          <a:fillRef idx="3">
+            <a:schemeClr val="accent1"/>
+          </a:fillRef>
+          <a:effectRef idx="2">
+            <a:schemeClr val="accent1"/>
+          </a:effectRef>
+          <a:fontRef idx="minor">
+            <a:schemeClr val="lt1"/>
+          </a:fontRef>
+        </p:style>
+        <p:txBody>
+          <a:bodyPr lIns="0" tIns="0" rIns="0" bIns="45720" rtlCol="0" anchor="ctr"/>
+          <a:lstStyle/>
+          <a:p>
+            <a:pPr algn="ctr"/>
+            <a:r>
+              <a:rPr lang="en-US" sz="1200" dirty="0" smtClean="0"/>
+              <a:t>4b</a:t>
+            </a:r>
+            <a:endParaRPr lang="en-US" sz="1200" dirty="0"/>
+          </a:p>
+        </p:txBody>
+      </p:sp>
+      <p:sp>
+        <p:nvSpPr>
+          <p:cNvPr id="47" name="Oval 46"/>
+          <p:cNvSpPr>
+            <a:spLocks noChangeAspect="1"/>
+          </p:cNvSpPr>
+          <p:nvPr/>
+        </p:nvSpPr>
+        <p:spPr>
+          <a:xfrm>
+            <a:off x="877309" y="2533107"/>
+            <a:ext cx="255684" cy="255684"/>
+          </a:xfrm>
+          <a:prstGeom prst="ellipse">
+            <a:avLst/>
+          </a:prstGeom>
+          <a:solidFill>
+            <a:schemeClr val="tx2">
+              <a:lumMod val="60000"/>
+              <a:lumOff val="40000"/>
+            </a:schemeClr>
+          </a:solidFill>
+          <a:ln>
+            <a:solidFill>
+              <a:schemeClr val="tx1"/>
+            </a:solidFill>
+          </a:ln>
+        </p:spPr>
+        <p:style>
+          <a:lnRef idx="1">
+            <a:schemeClr val="accent1"/>
+          </a:lnRef>
+          <a:fillRef idx="3">
+            <a:schemeClr val="accent1"/>
+          </a:fillRef>
+          <a:effectRef idx="2">
+            <a:schemeClr val="accent1"/>
+          </a:effectRef>
+          <a:fontRef idx="minor">
+            <a:schemeClr val="lt1"/>
+          </a:fontRef>
+        </p:style>
+        <p:txBody>
+          <a:bodyPr lIns="0" tIns="0" rIns="0" bIns="45720" rtlCol="0" anchor="ctr"/>
+          <a:lstStyle/>
+          <a:p>
+            <a:pPr algn="ctr"/>
+            <a:r>
+              <a:rPr lang="en-US" sz="1200" dirty="0" smtClean="0"/>
+              <a:t>4b</a:t>
+            </a:r>
+            <a:endParaRPr lang="en-US" sz="1200" dirty="0"/>
+          </a:p>
+        </p:txBody>
+      </p:sp>
+      <p:grpSp>
+        <p:nvGrpSpPr>
+          <p:cNvPr id="59" name="Group 58"/>
+          <p:cNvGrpSpPr/>
+          <p:nvPr/>
+        </p:nvGrpSpPr>
+        <p:grpSpPr>
+          <a:xfrm>
+            <a:off x="956857" y="2162277"/>
+            <a:ext cx="100854" cy="343015"/>
+            <a:chOff x="1334924" y="166873"/>
+            <a:chExt cx="100854" cy="343015"/>
+          </a:xfrm>
+        </p:grpSpPr>
+        <p:cxnSp>
+          <p:nvCxnSpPr>
+            <p:cNvPr id="52" name="Straight Arrow Connector 51"/>
+            <p:cNvCxnSpPr/>
+            <p:nvPr/>
+          </p:nvCxnSpPr>
+          <p:spPr>
+            <a:xfrm flipV="1">
+              <a:off x="1334924" y="166873"/>
+              <a:ext cx="0" cy="343015"/>
+            </a:xfrm>
+            <a:prstGeom prst="straightConnector1">
+              <a:avLst/>
+            </a:prstGeom>
+            <a:ln>
+              <a:tailEnd type="arrow"/>
+            </a:ln>
+          </p:spPr>
+          <p:style>
+            <a:lnRef idx="2">
+              <a:schemeClr val="accent1"/>
+            </a:lnRef>
+            <a:fillRef idx="0">
+              <a:schemeClr val="accent1"/>
+            </a:fillRef>
+            <a:effectRef idx="1">
+              <a:schemeClr val="accent1"/>
+            </a:effectRef>
+            <a:fontRef idx="minor">
+              <a:schemeClr val="tx1"/>
+            </a:fontRef>
+          </p:style>
+        </p:cxnSp>
+        <p:cxnSp>
+          <p:nvCxnSpPr>
+            <p:cNvPr id="53" name="Straight Arrow Connector 52"/>
+            <p:cNvCxnSpPr/>
+            <p:nvPr/>
+          </p:nvCxnSpPr>
+          <p:spPr>
+            <a:xfrm>
+              <a:off x="1435778" y="166873"/>
+              <a:ext cx="0" cy="343015"/>
+            </a:xfrm>
+            <a:prstGeom prst="straightConnector1">
+              <a:avLst/>
+            </a:prstGeom>
+            <a:ln>
+              <a:tailEnd type="arrow"/>
+            </a:ln>
+          </p:spPr>
+          <p:style>
+            <a:lnRef idx="2">
+              <a:schemeClr val="accent1"/>
+            </a:lnRef>
+            <a:fillRef idx="0">
+              <a:schemeClr val="accent1"/>
+            </a:fillRef>
+            <a:effectRef idx="1">
+              <a:schemeClr val="accent1"/>
+            </a:effectRef>
+            <a:fontRef idx="minor">
+              <a:schemeClr val="tx1"/>
+            </a:fontRef>
+          </p:style>
+        </p:cxnSp>
+      </p:grpSp>
+      <p:sp>
+        <p:nvSpPr>
+          <p:cNvPr id="61" name="Oval 60"/>
+          <p:cNvSpPr>
+            <a:spLocks noChangeAspect="1"/>
+          </p:cNvSpPr>
+          <p:nvPr/>
+        </p:nvSpPr>
+        <p:spPr>
+          <a:xfrm>
+            <a:off x="881575" y="3237836"/>
+            <a:ext cx="255684" cy="255684"/>
+          </a:xfrm>
+          <a:prstGeom prst="ellipse">
+            <a:avLst/>
+          </a:prstGeom>
+          <a:solidFill>
+            <a:schemeClr val="tx2">
+              <a:lumMod val="60000"/>
+              <a:lumOff val="40000"/>
+            </a:schemeClr>
+          </a:solidFill>
+          <a:ln>
+            <a:solidFill>
+              <a:schemeClr val="tx1"/>
+            </a:solidFill>
+          </a:ln>
+        </p:spPr>
+        <p:style>
+          <a:lnRef idx="1">
+            <a:schemeClr val="accent1"/>
+          </a:lnRef>
+          <a:fillRef idx="3">
+            <a:schemeClr val="accent1"/>
+          </a:fillRef>
+          <a:effectRef idx="2">
+            <a:schemeClr val="accent1"/>
+          </a:effectRef>
+          <a:fontRef idx="minor">
+            <a:schemeClr val="lt1"/>
+          </a:fontRef>
+        </p:style>
+        <p:txBody>
+          <a:bodyPr lIns="0" tIns="0" rIns="0" bIns="45720" rtlCol="0" anchor="ctr"/>
+          <a:lstStyle/>
+          <a:p>
+            <a:pPr algn="ctr"/>
+            <a:r>
+              <a:rPr lang="en-US" sz="1200" dirty="0" smtClean="0"/>
+              <a:t>4b</a:t>
+            </a:r>
+            <a:endParaRPr lang="en-US" sz="1200" dirty="0"/>
+          </a:p>
+        </p:txBody>
+      </p:sp>
+      <p:sp>
+        <p:nvSpPr>
+          <p:cNvPr id="62" name="Oval 61"/>
+          <p:cNvSpPr>
+            <a:spLocks noChangeAspect="1"/>
+          </p:cNvSpPr>
+          <p:nvPr/>
+        </p:nvSpPr>
+        <p:spPr>
+          <a:xfrm>
+            <a:off x="877309" y="3894467"/>
+            <a:ext cx="255684" cy="255684"/>
+          </a:xfrm>
+          <a:prstGeom prst="ellipse">
+            <a:avLst/>
+          </a:prstGeom>
+          <a:solidFill>
+            <a:schemeClr val="tx2">
+              <a:lumMod val="60000"/>
+              <a:lumOff val="40000"/>
+            </a:schemeClr>
+          </a:solidFill>
+          <a:ln>
+            <a:solidFill>
+              <a:schemeClr val="tx1"/>
+            </a:solidFill>
+          </a:ln>
+        </p:spPr>
+        <p:style>
+          <a:lnRef idx="1">
+            <a:schemeClr val="accent1"/>
+          </a:lnRef>
+          <a:fillRef idx="3">
+            <a:schemeClr val="accent1"/>
+          </a:fillRef>
+          <a:effectRef idx="2">
+            <a:schemeClr val="accent1"/>
+          </a:effectRef>
+          <a:fontRef idx="minor">
+            <a:schemeClr val="lt1"/>
+          </a:fontRef>
+        </p:style>
+        <p:txBody>
+          <a:bodyPr lIns="0" tIns="0" rIns="0" bIns="45720" rtlCol="0" anchor="ctr"/>
+          <a:lstStyle/>
+          <a:p>
+            <a:pPr algn="ctr"/>
+            <a:r>
+              <a:rPr lang="en-US" sz="1200" dirty="0" smtClean="0"/>
+              <a:t>4b</a:t>
+            </a:r>
+            <a:endParaRPr lang="en-US" sz="1200" dirty="0"/>
+          </a:p>
+        </p:txBody>
+      </p:sp>
+      <p:grpSp>
+        <p:nvGrpSpPr>
+          <p:cNvPr id="63" name="Group 62"/>
+          <p:cNvGrpSpPr/>
+          <p:nvPr/>
+        </p:nvGrpSpPr>
+        <p:grpSpPr>
+          <a:xfrm>
+            <a:off x="956857" y="3523637"/>
+            <a:ext cx="100854" cy="343015"/>
+            <a:chOff x="1334924" y="166873"/>
+            <a:chExt cx="100854" cy="343015"/>
+          </a:xfrm>
+        </p:grpSpPr>
+        <p:cxnSp>
+          <p:nvCxnSpPr>
+            <p:cNvPr id="64" name="Straight Arrow Connector 63"/>
+            <p:cNvCxnSpPr/>
+            <p:nvPr/>
+          </p:nvCxnSpPr>
+          <p:spPr>
+            <a:xfrm flipV="1">
+              <a:off x="1334924" y="166873"/>
+              <a:ext cx="0" cy="343015"/>
+            </a:xfrm>
+            <a:prstGeom prst="straightConnector1">
+              <a:avLst/>
+            </a:prstGeom>
+            <a:ln>
+              <a:tailEnd type="arrow"/>
+            </a:ln>
+          </p:spPr>
+          <p:style>
+            <a:lnRef idx="2">
+              <a:schemeClr val="accent1"/>
+            </a:lnRef>
+            <a:fillRef idx="0">
+              <a:schemeClr val="accent1"/>
+            </a:fillRef>
+            <a:effectRef idx="1">
+              <a:schemeClr val="accent1"/>
+            </a:effectRef>
+            <a:fontRef idx="minor">
+              <a:schemeClr val="tx1"/>
+            </a:fontRef>
+          </p:style>
+        </p:cxnSp>
+        <p:cxnSp>
+          <p:nvCxnSpPr>
+            <p:cNvPr id="65" name="Straight Arrow Connector 64"/>
+            <p:cNvCxnSpPr/>
+            <p:nvPr/>
+          </p:nvCxnSpPr>
+          <p:spPr>
+            <a:xfrm>
+              <a:off x="1435778" y="166873"/>
+              <a:ext cx="0" cy="343015"/>
+            </a:xfrm>
+            <a:prstGeom prst="straightConnector1">
+              <a:avLst/>
+            </a:prstGeom>
+            <a:ln>
+              <a:tailEnd type="arrow"/>
+            </a:ln>
+          </p:spPr>
+          <p:style>
+            <a:lnRef idx="2">
+              <a:schemeClr val="accent1"/>
+            </a:lnRef>
+            <a:fillRef idx="0">
+              <a:schemeClr val="accent1"/>
+            </a:fillRef>
+            <a:effectRef idx="1">
+              <a:schemeClr val="accent1"/>
+            </a:effectRef>
+            <a:fontRef idx="minor">
+              <a:schemeClr val="tx1"/>
+            </a:fontRef>
+          </p:style>
+        </p:cxnSp>
+      </p:grpSp>
+      <p:grpSp>
+        <p:nvGrpSpPr>
+          <p:cNvPr id="66" name="Group 65"/>
+          <p:cNvGrpSpPr/>
+          <p:nvPr/>
+        </p:nvGrpSpPr>
+        <p:grpSpPr>
+          <a:xfrm>
+            <a:off x="956857" y="2817599"/>
+            <a:ext cx="100854" cy="343015"/>
+            <a:chOff x="1334924" y="166873"/>
+            <a:chExt cx="100854" cy="343015"/>
+          </a:xfrm>
+        </p:grpSpPr>
+        <p:cxnSp>
+          <p:nvCxnSpPr>
+            <p:cNvPr id="67" name="Straight Arrow Connector 66"/>
+            <p:cNvCxnSpPr/>
+            <p:nvPr/>
+          </p:nvCxnSpPr>
+          <p:spPr>
+            <a:xfrm flipV="1">
+              <a:off x="1334924" y="166873"/>
+              <a:ext cx="0" cy="343015"/>
+            </a:xfrm>
+            <a:prstGeom prst="straightConnector1">
+              <a:avLst/>
+            </a:prstGeom>
+            <a:ln>
+              <a:tailEnd type="arrow"/>
+            </a:ln>
+          </p:spPr>
+          <p:style>
+            <a:lnRef idx="2">
+              <a:schemeClr val="accent1"/>
+            </a:lnRef>
+            <a:fillRef idx="0">
+              <a:schemeClr val="accent1"/>
+            </a:fillRef>
+            <a:effectRef idx="1">
+              <a:schemeClr val="accent1"/>
+            </a:effectRef>
+            <a:fontRef idx="minor">
+              <a:schemeClr val="tx1"/>
+            </a:fontRef>
+          </p:style>
+        </p:cxnSp>
+        <p:cxnSp>
+          <p:nvCxnSpPr>
+            <p:cNvPr id="68" name="Straight Arrow Connector 67"/>
+            <p:cNvCxnSpPr/>
+            <p:nvPr/>
+          </p:nvCxnSpPr>
+          <p:spPr>
+            <a:xfrm>
+              <a:off x="1435778" y="166873"/>
+              <a:ext cx="0" cy="343015"/>
+            </a:xfrm>
+            <a:prstGeom prst="straightConnector1">
+              <a:avLst/>
+            </a:prstGeom>
+            <a:ln>
+              <a:tailEnd type="arrow"/>
+            </a:ln>
+          </p:spPr>
+          <p:style>
+            <a:lnRef idx="2">
+              <a:schemeClr val="accent1"/>
+            </a:lnRef>
+            <a:fillRef idx="0">
+              <a:schemeClr val="accent1"/>
+            </a:fillRef>
+            <a:effectRef idx="1">
+              <a:schemeClr val="accent1"/>
+            </a:effectRef>
+            <a:fontRef idx="minor">
+              <a:schemeClr val="tx1"/>
+            </a:fontRef>
+          </p:style>
+        </p:cxnSp>
+      </p:grpSp>
       <p:cxnSp>
         <p:nvCxnSpPr>
           <p:cNvPr id="70" name="Straight Connector 69"/>
@@ -5483,10 +7547,469 @@
               <a:rPr lang="en-US" sz="1200" dirty="0"/>
               <a:t>2</a:t>
             </a:r>
+          </a:p>
+        </p:txBody>
+      </p:sp>
+      <p:cxnSp>
+        <p:nvCxnSpPr>
+          <p:cNvPr id="115" name="Straight Connector 114"/>
+          <p:cNvCxnSpPr>
+            <a:endCxn id="37" idx="1"/>
+          </p:cNvCxnSpPr>
+          <p:nvPr/>
+        </p:nvCxnSpPr>
+        <p:spPr>
+          <a:xfrm>
+            <a:off x="3755196" y="1093075"/>
+            <a:ext cx="3338735" cy="2543517"/>
+          </a:xfrm>
+          <a:prstGeom prst="line">
+            <a:avLst/>
+          </a:prstGeom>
+          <a:ln>
+            <a:solidFill>
+              <a:srgbClr val="660066"/>
+            </a:solidFill>
+          </a:ln>
+        </p:spPr>
+        <p:style>
+          <a:lnRef idx="2">
+            <a:schemeClr val="accent1"/>
+          </a:lnRef>
+          <a:fillRef idx="0">
+            <a:schemeClr val="accent1"/>
+          </a:fillRef>
+          <a:effectRef idx="1">
+            <a:schemeClr val="accent1"/>
+          </a:effectRef>
+          <a:fontRef idx="minor">
+            <a:schemeClr val="tx1"/>
+          </a:fontRef>
+        </p:style>
+      </p:cxnSp>
+      <p:sp>
+        <p:nvSpPr>
+          <p:cNvPr id="33" name="Oval 32"/>
+          <p:cNvSpPr>
+            <a:spLocks noChangeAspect="1"/>
+          </p:cNvSpPr>
+          <p:nvPr/>
+        </p:nvSpPr>
+        <p:spPr>
+          <a:xfrm>
+            <a:off x="3580120" y="935116"/>
+            <a:ext cx="255684" cy="255684"/>
+          </a:xfrm>
+          <a:prstGeom prst="ellipse">
+            <a:avLst/>
+          </a:prstGeom>
+          <a:solidFill>
+            <a:srgbClr val="660066"/>
+          </a:solidFill>
+          <a:ln>
+            <a:solidFill>
+              <a:srgbClr val="000000"/>
+            </a:solidFill>
+          </a:ln>
+        </p:spPr>
+        <p:style>
+          <a:lnRef idx="1">
+            <a:schemeClr val="accent1"/>
+          </a:lnRef>
+          <a:fillRef idx="3">
+            <a:schemeClr val="accent1"/>
+          </a:fillRef>
+          <a:effectRef idx="2">
+            <a:schemeClr val="accent1"/>
+          </a:effectRef>
+          <a:fontRef idx="minor">
+            <a:schemeClr val="lt1"/>
+          </a:fontRef>
+        </p:style>
+        <p:txBody>
+          <a:bodyPr lIns="0" tIns="0" rIns="0" bIns="45720" rtlCol="0" anchor="ctr"/>
+          <a:lstStyle/>
+          <a:p>
+            <a:pPr algn="ctr"/>
+            <a:r>
+              <a:rPr lang="en-US" sz="1200" dirty="0" smtClean="0"/>
+              <a:t>4a</a:t>
+            </a:r>
             <a:endParaRPr lang="en-US" sz="1200" dirty="0"/>
           </a:p>
         </p:txBody>
       </p:sp>
+      <p:cxnSp>
+        <p:nvCxnSpPr>
+          <p:cNvPr id="120" name="Straight Connector 119"/>
+          <p:cNvCxnSpPr>
+            <a:endCxn id="36" idx="0"/>
+          </p:cNvCxnSpPr>
+          <p:nvPr/>
+        </p:nvCxnSpPr>
+        <p:spPr>
+          <a:xfrm>
+            <a:off x="7312171" y="2417834"/>
+            <a:ext cx="682750" cy="457200"/>
+          </a:xfrm>
+          <a:prstGeom prst="line">
+            <a:avLst/>
+          </a:prstGeom>
+          <a:ln>
+            <a:solidFill>
+              <a:srgbClr val="FF0000"/>
+            </a:solidFill>
+          </a:ln>
+        </p:spPr>
+        <p:style>
+          <a:lnRef idx="2">
+            <a:schemeClr val="accent1"/>
+          </a:lnRef>
+          <a:fillRef idx="0">
+            <a:schemeClr val="accent1"/>
+          </a:fillRef>
+          <a:effectRef idx="1">
+            <a:schemeClr val="accent1"/>
+          </a:effectRef>
+          <a:fontRef idx="minor">
+            <a:schemeClr val="tx1"/>
+          </a:fontRef>
+        </p:style>
+      </p:cxnSp>
+      <p:sp>
+        <p:nvSpPr>
+          <p:cNvPr id="34" name="Oval 33"/>
+          <p:cNvSpPr>
+            <a:spLocks noChangeAspect="1"/>
+          </p:cNvSpPr>
+          <p:nvPr/>
+        </p:nvSpPr>
+        <p:spPr>
+          <a:xfrm>
+            <a:off x="7149187" y="2248484"/>
+            <a:ext cx="255684" cy="255684"/>
+          </a:xfrm>
+          <a:prstGeom prst="ellipse">
+            <a:avLst/>
+          </a:prstGeom>
+          <a:solidFill>
+            <a:srgbClr val="FF0000"/>
+          </a:solidFill>
+          <a:ln>
+            <a:solidFill>
+              <a:srgbClr val="000000"/>
+            </a:solidFill>
+          </a:ln>
+        </p:spPr>
+        <p:style>
+          <a:lnRef idx="1">
+            <a:schemeClr val="accent1"/>
+          </a:lnRef>
+          <a:fillRef idx="3">
+            <a:schemeClr val="accent1"/>
+          </a:fillRef>
+          <a:effectRef idx="2">
+            <a:schemeClr val="accent1"/>
+          </a:effectRef>
+          <a:fontRef idx="minor">
+            <a:schemeClr val="lt1"/>
+          </a:fontRef>
+        </p:style>
+        <p:txBody>
+          <a:bodyPr lIns="0" tIns="0" rIns="0" bIns="45720" rtlCol="0" anchor="ctr"/>
+          <a:lstStyle/>
+          <a:p>
+            <a:pPr algn="ctr"/>
+            <a:r>
+              <a:rPr lang="en-US" sz="1200" dirty="0" smtClean="0"/>
+              <a:t>3a</a:t>
+            </a:r>
+            <a:endParaRPr lang="en-US" sz="1200" dirty="0"/>
+          </a:p>
+        </p:txBody>
+      </p:sp>
+      <p:sp>
+        <p:nvSpPr>
+          <p:cNvPr id="36" name="Oval 35"/>
+          <p:cNvSpPr>
+            <a:spLocks noChangeAspect="1"/>
+          </p:cNvSpPr>
+          <p:nvPr/>
+        </p:nvSpPr>
+        <p:spPr>
+          <a:xfrm>
+            <a:off x="7867079" y="2875034"/>
+            <a:ext cx="255684" cy="255684"/>
+          </a:xfrm>
+          <a:prstGeom prst="ellipse">
+            <a:avLst/>
+          </a:prstGeom>
+          <a:solidFill>
+            <a:srgbClr val="FF0000"/>
+          </a:solidFill>
+          <a:ln>
+            <a:solidFill>
+              <a:srgbClr val="000000"/>
+            </a:solidFill>
+          </a:ln>
+        </p:spPr>
+        <p:style>
+          <a:lnRef idx="1">
+            <a:schemeClr val="accent1"/>
+          </a:lnRef>
+          <a:fillRef idx="3">
+            <a:schemeClr val="accent1"/>
+          </a:fillRef>
+          <a:effectRef idx="2">
+            <a:schemeClr val="accent1"/>
+          </a:effectRef>
+          <a:fontRef idx="minor">
+            <a:schemeClr val="lt1"/>
+          </a:fontRef>
+        </p:style>
+        <p:txBody>
+          <a:bodyPr lIns="0" tIns="0" rIns="0" bIns="45720" rtlCol="0" anchor="ctr"/>
+          <a:lstStyle/>
+          <a:p>
+            <a:pPr algn="ctr"/>
+            <a:r>
+              <a:rPr lang="en-US" sz="1200" dirty="0" smtClean="0"/>
+              <a:t>3b</a:t>
+            </a:r>
+            <a:endParaRPr lang="en-US" sz="1200" dirty="0"/>
+          </a:p>
+        </p:txBody>
+      </p:sp>
+      <p:cxnSp>
+        <p:nvCxnSpPr>
+          <p:cNvPr id="133" name="Straight Connector 132"/>
+          <p:cNvCxnSpPr>
+            <a:endCxn id="38" idx="0"/>
+          </p:cNvCxnSpPr>
+          <p:nvPr/>
+        </p:nvCxnSpPr>
+        <p:spPr>
+          <a:xfrm>
+            <a:off x="7237848" y="3812399"/>
+            <a:ext cx="757073" cy="990649"/>
+          </a:xfrm>
+          <a:prstGeom prst="line">
+            <a:avLst/>
+          </a:prstGeom>
+          <a:ln>
+            <a:solidFill>
+              <a:srgbClr val="FF0000"/>
+            </a:solidFill>
+          </a:ln>
+        </p:spPr>
+        <p:style>
+          <a:lnRef idx="2">
+            <a:schemeClr val="accent1"/>
+          </a:lnRef>
+          <a:fillRef idx="0">
+            <a:schemeClr val="accent1"/>
+          </a:fillRef>
+          <a:effectRef idx="1">
+            <a:schemeClr val="accent1"/>
+          </a:effectRef>
+          <a:fontRef idx="minor">
+            <a:schemeClr val="tx1"/>
+          </a:fontRef>
+        </p:style>
+      </p:cxnSp>
+      <p:sp>
+        <p:nvSpPr>
+          <p:cNvPr id="38" name="Oval 37"/>
+          <p:cNvSpPr>
+            <a:spLocks noChangeAspect="1"/>
+          </p:cNvSpPr>
+          <p:nvPr/>
+        </p:nvSpPr>
+        <p:spPr>
+          <a:xfrm>
+            <a:off x="7867079" y="4803048"/>
+            <a:ext cx="255684" cy="255684"/>
+          </a:xfrm>
+          <a:prstGeom prst="ellipse">
+            <a:avLst/>
+          </a:prstGeom>
+          <a:solidFill>
+            <a:srgbClr val="FF0000"/>
+          </a:solidFill>
+          <a:ln>
+            <a:solidFill>
+              <a:srgbClr val="000000"/>
+            </a:solidFill>
+          </a:ln>
+        </p:spPr>
+        <p:style>
+          <a:lnRef idx="1">
+            <a:schemeClr val="accent1"/>
+          </a:lnRef>
+          <a:fillRef idx="3">
+            <a:schemeClr val="accent1"/>
+          </a:fillRef>
+          <a:effectRef idx="2">
+            <a:schemeClr val="accent1"/>
+          </a:effectRef>
+          <a:fontRef idx="minor">
+            <a:schemeClr val="lt1"/>
+          </a:fontRef>
+        </p:style>
+        <p:txBody>
+          <a:bodyPr lIns="0" tIns="0" rIns="0" bIns="45720" rtlCol="0" anchor="ctr"/>
+          <a:lstStyle/>
+          <a:p>
+            <a:pPr algn="ctr"/>
+            <a:r>
+              <a:rPr lang="en-US" sz="1200" dirty="0" smtClean="0"/>
+              <a:t>3b</a:t>
+            </a:r>
+            <a:endParaRPr lang="en-US" sz="1200" dirty="0"/>
+          </a:p>
+        </p:txBody>
+      </p:sp>
+      <p:sp>
+        <p:nvSpPr>
+          <p:cNvPr id="2" name="TextBox 1"/>
+          <p:cNvSpPr txBox="1"/>
+          <p:nvPr/>
+        </p:nvSpPr>
+        <p:spPr>
+          <a:xfrm>
+            <a:off x="3901008" y="454881"/>
+            <a:ext cx="1341984" cy="369332"/>
+          </a:xfrm>
+          <a:prstGeom prst="rect">
+            <a:avLst/>
+          </a:prstGeom>
+          <a:noFill/>
+        </p:spPr>
+        <p:txBody>
+          <a:bodyPr wrap="none" rtlCol="0">
+            <a:spAutoFit/>
+          </a:bodyPr>
+          <a:lstStyle/>
+          <a:p>
+            <a:r>
+              <a:rPr lang="en-US" dirty="0" smtClean="0"/>
+              <a:t>All Relations</a:t>
+            </a:r>
+            <a:endParaRPr lang="en-US" dirty="0"/>
+          </a:p>
+        </p:txBody>
+      </p:sp>
+      <p:cxnSp>
+        <p:nvCxnSpPr>
+          <p:cNvPr id="55" name="Straight Connector 54"/>
+          <p:cNvCxnSpPr>
+            <a:stCxn id="34" idx="7"/>
+            <a:endCxn id="43" idx="3"/>
+          </p:cNvCxnSpPr>
+          <p:nvPr/>
+        </p:nvCxnSpPr>
+        <p:spPr>
+          <a:xfrm flipV="1">
+            <a:off x="7367427" y="2211040"/>
+            <a:ext cx="162208" cy="74888"/>
+          </a:xfrm>
+          <a:prstGeom prst="line">
+            <a:avLst/>
+          </a:prstGeom>
+          <a:ln>
+            <a:solidFill>
+              <a:srgbClr val="008000"/>
+            </a:solidFill>
+          </a:ln>
+        </p:spPr>
+        <p:style>
+          <a:lnRef idx="2">
+            <a:schemeClr val="accent1"/>
+          </a:lnRef>
+          <a:fillRef idx="0">
+            <a:schemeClr val="accent1"/>
+          </a:fillRef>
+          <a:effectRef idx="1">
+            <a:schemeClr val="accent1"/>
+          </a:effectRef>
+          <a:fontRef idx="minor">
+            <a:schemeClr val="tx1"/>
+          </a:fontRef>
+        </p:style>
+      </p:cxnSp>
+      <p:cxnSp>
+        <p:nvCxnSpPr>
+          <p:cNvPr id="58" name="Straight Connector 57"/>
+          <p:cNvCxnSpPr>
+            <a:stCxn id="36" idx="0"/>
+            <a:endCxn id="43" idx="5"/>
+          </p:cNvCxnSpPr>
+          <p:nvPr/>
+        </p:nvCxnSpPr>
+        <p:spPr>
+          <a:xfrm flipH="1" flipV="1">
+            <a:off x="7710431" y="2211040"/>
+            <a:ext cx="284490" cy="663994"/>
+          </a:xfrm>
+          <a:prstGeom prst="line">
+            <a:avLst/>
+          </a:prstGeom>
+          <a:ln>
+            <a:solidFill>
+              <a:srgbClr val="008000"/>
+            </a:solidFill>
+          </a:ln>
+        </p:spPr>
+        <p:style>
+          <a:lnRef idx="2">
+            <a:schemeClr val="accent1"/>
+          </a:lnRef>
+          <a:fillRef idx="0">
+            <a:schemeClr val="accent1"/>
+          </a:fillRef>
+          <a:effectRef idx="1">
+            <a:schemeClr val="accent1"/>
+          </a:effectRef>
+          <a:fontRef idx="minor">
+            <a:schemeClr val="tx1"/>
+          </a:fontRef>
+        </p:style>
+      </p:cxnSp>
+      <p:cxnSp>
+        <p:nvCxnSpPr>
+          <p:cNvPr id="69" name="Straight Connector 68"/>
+          <p:cNvCxnSpPr/>
+          <p:nvPr/>
+        </p:nvCxnSpPr>
+        <p:spPr>
+          <a:xfrm flipV="1">
+            <a:off x="7283864" y="3586014"/>
+            <a:ext cx="254908" cy="105394"/>
+          </a:xfrm>
+          <a:prstGeom prst="line">
+            <a:avLst/>
+          </a:prstGeom>
+          <a:ln>
+            <a:solidFill>
+              <a:srgbClr val="008000"/>
+            </a:solidFill>
+          </a:ln>
+        </p:spPr>
+        <p:style>
+          <a:lnRef idx="2">
+            <a:schemeClr val="accent1"/>
+          </a:lnRef>
+          <a:fillRef idx="0">
+            <a:schemeClr val="accent1"/>
+          </a:fillRef>
+          <a:effectRef idx="1">
+            <a:schemeClr val="accent1"/>
+          </a:effectRef>
+          <a:fontRef idx="minor">
+            <a:schemeClr val="tx1"/>
+          </a:fontRef>
+        </p:style>
+      </p:cxnSp>
       <p:sp>
         <p:nvSpPr>
           <p:cNvPr id="44" name="Oval 43"/>
@@ -5535,29 +8058,80 @@
               <a:rPr lang="en-US" sz="1200" dirty="0"/>
               <a:t>2</a:t>
             </a:r>
+          </a:p>
+        </p:txBody>
+      </p:sp>
+      <p:sp>
+        <p:nvSpPr>
+          <p:cNvPr id="37" name="Oval 36"/>
+          <p:cNvSpPr>
+            <a:spLocks noChangeAspect="1"/>
+          </p:cNvSpPr>
+          <p:nvPr/>
+        </p:nvSpPr>
+        <p:spPr>
+          <a:xfrm>
+            <a:off x="7056487" y="3599148"/>
+            <a:ext cx="255684" cy="255684"/>
+          </a:xfrm>
+          <a:prstGeom prst="ellipse">
+            <a:avLst/>
+          </a:prstGeom>
+          <a:solidFill>
+            <a:srgbClr val="FF0000"/>
+          </a:solidFill>
+          <a:ln>
+            <a:solidFill>
+              <a:srgbClr val="000000"/>
+            </a:solidFill>
+          </a:ln>
+        </p:spPr>
+        <p:style>
+          <a:lnRef idx="1">
+            <a:schemeClr val="accent1"/>
+          </a:lnRef>
+          <a:fillRef idx="3">
+            <a:schemeClr val="accent1"/>
+          </a:fillRef>
+          <a:effectRef idx="2">
+            <a:schemeClr val="accent1"/>
+          </a:effectRef>
+          <a:fontRef idx="minor">
+            <a:schemeClr val="lt1"/>
+          </a:fontRef>
+        </p:style>
+        <p:txBody>
+          <a:bodyPr lIns="0" tIns="0" rIns="0" bIns="45720" rtlCol="0" anchor="ctr"/>
+          <a:lstStyle/>
+          <a:p>
+            <a:pPr algn="ctr"/>
+            <a:r>
+              <a:rPr lang="en-US" sz="1200" dirty="0" smtClean="0"/>
+              <a:t>3a</a:t>
+            </a:r>
             <a:endParaRPr lang="en-US" sz="1200" dirty="0"/>
           </a:p>
         </p:txBody>
       </p:sp>
       <p:cxnSp>
         <p:nvCxnSpPr>
-          <p:cNvPr id="115" name="Straight Connector 114"/>
+          <p:cNvPr id="72" name="Straight Connector 71"/>
           <p:cNvCxnSpPr>
-            <a:endCxn id="37" idx="1"/>
+            <a:stCxn id="38" idx="0"/>
           </p:cNvCxnSpPr>
           <p:nvPr/>
         </p:nvCxnSpPr>
         <p:spPr>
-          <a:xfrm>
-            <a:off x="3755196" y="1093075"/>
-            <a:ext cx="3338735" cy="2543517"/>
+          <a:xfrm flipH="1" flipV="1">
+            <a:off x="7614719" y="3639118"/>
+            <a:ext cx="380202" cy="1163930"/>
           </a:xfrm>
           <a:prstGeom prst="line">
             <a:avLst/>
           </a:prstGeom>
           <a:ln>
             <a:solidFill>
-              <a:srgbClr val="660066"/>
+              <a:srgbClr val="008000"/>
             </a:solidFill>
           </a:ln>
         </p:spPr>
@@ -5576,6 +8150,1692 @@
           </a:fontRef>
         </p:style>
       </p:cxnSp>
+    </p:spTree>
+    <p:extLst>
+      <p:ext uri="{BB962C8B-B14F-4D97-AF65-F5344CB8AC3E}">
+        <p14:creationId xmlns:p14="http://schemas.microsoft.com/office/powerpoint/2010/main" val="2359309156"/>
+      </p:ext>
+    </p:extLst>
+  </p:cSld>
+  <p:clrMapOvr>
+    <a:masterClrMapping/>
+  </p:clrMapOvr>
+  <p:timing>
+    <p:tnLst>
+      <p:par>
+        <p:cTn xmlns:p14="http://schemas.microsoft.com/office/powerpoint/2010/main" id="1" dur="indefinite" restart="never" nodeType="tmRoot">
+          <p:childTnLst>
+            <p:seq concurrent="1" nextAc="seek">
+              <p:cTn id="2" dur="indefinite" nodeType="mainSeq">
+                <p:childTnLst>
+                  <p:par>
+                    <p:cTn id="3" fill="hold">
+                      <p:stCondLst>
+                        <p:cond delay="indefinite"/>
+                      </p:stCondLst>
+                      <p:childTnLst>
+                        <p:par>
+                          <p:cTn id="4" fill="hold">
+                            <p:stCondLst>
+                              <p:cond delay="0"/>
+                            </p:stCondLst>
+                            <p:childTnLst>
+                              <p:par>
+                                <p:cTn id="5" presetID="1" presetClass="entr" presetSubtype="0" fill="hold" grpId="0" nodeType="clickEffect">
+                                  <p:stCondLst>
+                                    <p:cond delay="0"/>
+                                  </p:stCondLst>
+                                  <p:childTnLst>
+                                    <p:set>
+                                      <p:cBhvr>
+                                        <p:cTn id="6" dur="1" fill="hold">
+                                          <p:stCondLst>
+                                            <p:cond delay="0"/>
+                                          </p:stCondLst>
+                                        </p:cTn>
+                                        <p:tgtEl>
+                                          <p:spTgt spid="20"/>
+                                        </p:tgtEl>
+                                        <p:attrNameLst>
+                                          <p:attrName>style.visibility</p:attrName>
+                                        </p:attrNameLst>
+                                      </p:cBhvr>
+                                      <p:to>
+                                        <p:strVal val="visible"/>
+                                      </p:to>
+                                    </p:set>
+                                  </p:childTnLst>
+                                </p:cTn>
+                              </p:par>
+                              <p:par>
+                                <p:cTn id="7" presetID="1" presetClass="entr" presetSubtype="0" fill="hold" grpId="0" nodeType="withEffect">
+                                  <p:stCondLst>
+                                    <p:cond delay="0"/>
+                                  </p:stCondLst>
+                                  <p:childTnLst>
+                                    <p:set>
+                                      <p:cBhvr>
+                                        <p:cTn id="8" dur="1" fill="hold">
+                                          <p:stCondLst>
+                                            <p:cond delay="0"/>
+                                          </p:stCondLst>
+                                        </p:cTn>
+                                        <p:tgtEl>
+                                          <p:spTgt spid="21"/>
+                                        </p:tgtEl>
+                                        <p:attrNameLst>
+                                          <p:attrName>style.visibility</p:attrName>
+                                        </p:attrNameLst>
+                                      </p:cBhvr>
+                                      <p:to>
+                                        <p:strVal val="visible"/>
+                                      </p:to>
+                                    </p:set>
+                                  </p:childTnLst>
+                                </p:cTn>
+                              </p:par>
+                            </p:childTnLst>
+                          </p:cTn>
+                        </p:par>
+                      </p:childTnLst>
+                    </p:cTn>
+                  </p:par>
+                  <p:par>
+                    <p:cTn id="9" fill="hold">
+                      <p:stCondLst>
+                        <p:cond delay="indefinite"/>
+                      </p:stCondLst>
+                      <p:childTnLst>
+                        <p:par>
+                          <p:cTn id="10" fill="hold">
+                            <p:stCondLst>
+                              <p:cond delay="0"/>
+                            </p:stCondLst>
+                            <p:childTnLst>
+                              <p:par>
+                                <p:cTn id="11" presetID="1" presetClass="entr" presetSubtype="0" fill="hold" grpId="0" nodeType="clickEffect">
+                                  <p:stCondLst>
+                                    <p:cond delay="0"/>
+                                  </p:stCondLst>
+                                  <p:childTnLst>
+                                    <p:set>
+                                      <p:cBhvr>
+                                        <p:cTn id="12" dur="1" fill="hold">
+                                          <p:stCondLst>
+                                            <p:cond delay="0"/>
+                                          </p:stCondLst>
+                                        </p:cTn>
+                                        <p:tgtEl>
+                                          <p:spTgt spid="25"/>
+                                        </p:tgtEl>
+                                        <p:attrNameLst>
+                                          <p:attrName>style.visibility</p:attrName>
+                                        </p:attrNameLst>
+                                      </p:cBhvr>
+                                      <p:to>
+                                        <p:strVal val="visible"/>
+                                      </p:to>
+                                    </p:set>
+                                  </p:childTnLst>
+                                </p:cTn>
+                              </p:par>
+                              <p:par>
+                                <p:cTn id="13" presetID="1" presetClass="entr" presetSubtype="0" fill="hold" grpId="0" nodeType="withEffect">
+                                  <p:stCondLst>
+                                    <p:cond delay="0"/>
+                                  </p:stCondLst>
+                                  <p:childTnLst>
+                                    <p:set>
+                                      <p:cBhvr>
+                                        <p:cTn id="14" dur="1" fill="hold">
+                                          <p:stCondLst>
+                                            <p:cond delay="0"/>
+                                          </p:stCondLst>
+                                        </p:cTn>
+                                        <p:tgtEl>
+                                          <p:spTgt spid="24"/>
+                                        </p:tgtEl>
+                                        <p:attrNameLst>
+                                          <p:attrName>style.visibility</p:attrName>
+                                        </p:attrNameLst>
+                                      </p:cBhvr>
+                                      <p:to>
+                                        <p:strVal val="visible"/>
+                                      </p:to>
+                                    </p:set>
+                                  </p:childTnLst>
+                                </p:cTn>
+                              </p:par>
+                              <p:par>
+                                <p:cTn id="15" presetID="1" presetClass="entr" presetSubtype="0" fill="hold" grpId="0" nodeType="withEffect">
+                                  <p:stCondLst>
+                                    <p:cond delay="0"/>
+                                  </p:stCondLst>
+                                  <p:childTnLst>
+                                    <p:set>
+                                      <p:cBhvr>
+                                        <p:cTn id="16" dur="1" fill="hold">
+                                          <p:stCondLst>
+                                            <p:cond delay="0"/>
+                                          </p:stCondLst>
+                                        </p:cTn>
+                                        <p:tgtEl>
+                                          <p:spTgt spid="22"/>
+                                        </p:tgtEl>
+                                        <p:attrNameLst>
+                                          <p:attrName>style.visibility</p:attrName>
+                                        </p:attrNameLst>
+                                      </p:cBhvr>
+                                      <p:to>
+                                        <p:strVal val="visible"/>
+                                      </p:to>
+                                    </p:set>
+                                  </p:childTnLst>
+                                </p:cTn>
+                              </p:par>
+                              <p:par>
+                                <p:cTn id="17" presetID="1" presetClass="entr" presetSubtype="0" fill="hold" grpId="0" nodeType="withEffect">
+                                  <p:stCondLst>
+                                    <p:cond delay="0"/>
+                                  </p:stCondLst>
+                                  <p:childTnLst>
+                                    <p:set>
+                                      <p:cBhvr>
+                                        <p:cTn id="18" dur="1" fill="hold">
+                                          <p:stCondLst>
+                                            <p:cond delay="0"/>
+                                          </p:stCondLst>
+                                        </p:cTn>
+                                        <p:tgtEl>
+                                          <p:spTgt spid="23"/>
+                                        </p:tgtEl>
+                                        <p:attrNameLst>
+                                          <p:attrName>style.visibility</p:attrName>
+                                        </p:attrNameLst>
+                                      </p:cBhvr>
+                                      <p:to>
+                                        <p:strVal val="visible"/>
+                                      </p:to>
+                                    </p:set>
+                                  </p:childTnLst>
+                                </p:cTn>
+                              </p:par>
+                            </p:childTnLst>
+                          </p:cTn>
+                        </p:par>
+                      </p:childTnLst>
+                    </p:cTn>
+                  </p:par>
+                </p:childTnLst>
+              </p:cTn>
+              <p:prevCondLst>
+                <p:cond evt="onPrev" delay="0">
+                  <p:tgtEl>
+                    <p:sldTgt/>
+                  </p:tgtEl>
+                </p:cond>
+              </p:prevCondLst>
+              <p:nextCondLst>
+                <p:cond evt="onNext" delay="0">
+                  <p:tgtEl>
+                    <p:sldTgt/>
+                  </p:tgtEl>
+                </p:cond>
+              </p:nextCondLst>
+            </p:seq>
+          </p:childTnLst>
+        </p:cTn>
+      </p:par>
+    </p:tnLst>
+    <p:bldLst>
+      <p:bldP spid="20" grpId="0" animBg="1"/>
+      <p:bldP spid="21" grpId="0" animBg="1"/>
+      <p:bldP spid="22" grpId="0" animBg="1"/>
+      <p:bldP spid="23" grpId="0" animBg="1"/>
+      <p:bldP spid="24" grpId="0" animBg="1"/>
+      <p:bldP spid="25" grpId="0" animBg="1"/>
+    </p:bldLst>
+  </p:timing>
+</p:sld>
+</file>
+
+<file path=ppt/slides/slide3.xml><?xml version="1.0" encoding="utf-8"?>
+<p:sld xmlns:a="http://schemas.openxmlformats.org/drawingml/2006/main" xmlns:r="http://schemas.openxmlformats.org/officeDocument/2006/relationships" xmlns:p="http://schemas.openxmlformats.org/presentationml/2006/main">
+  <p:cSld>
+    <p:spTree>
+      <p:nvGrpSpPr>
+        <p:cNvPr id="1" name=""/>
+        <p:cNvGrpSpPr/>
+        <p:nvPr/>
+      </p:nvGrpSpPr>
+      <p:grpSpPr>
+        <a:xfrm>
+          <a:off x="0" y="0"/>
+          <a:ext cx="0" cy="0"/>
+          <a:chOff x="0" y="0"/>
+          <a:chExt cx="0" cy="0"/>
+        </a:xfrm>
+      </p:grpSpPr>
+      <p:pic>
+        <p:nvPicPr>
+          <p:cNvPr id="4" name="Picture 5" descr="C:\Users\ferschke\Desktop\article.png"/>
+          <p:cNvPicPr>
+            <a:picLocks noChangeAspect="1" noChangeArrowheads="1"/>
+          </p:cNvPicPr>
+          <p:nvPr/>
+        </p:nvPicPr>
+        <p:blipFill>
+          <a:blip r:embed="rId3" cstate="print">
+            <a:extLst>
+              <a:ext uri="{28A0092B-C50C-407E-A947-70E740481C1C}">
+                <a14:useLocalDpi xmlns:a14="http://schemas.microsoft.com/office/drawing/2010/main" val="0"/>
+              </a:ext>
+            </a:extLst>
+          </a:blip>
+          <a:srcRect/>
+          <a:stretch>
+            <a:fillRect/>
+          </a:stretch>
+        </p:blipFill>
+        <p:spPr bwMode="auto">
+          <a:xfrm>
+            <a:off x="721725" y="1053539"/>
+            <a:ext cx="3362735" cy="4604720"/>
+          </a:xfrm>
+          <a:prstGeom prst="rect">
+            <a:avLst/>
+          </a:prstGeom>
+          <a:noFill/>
+          <a:extLst>
+            <a:ext uri="{909E8E84-426E-40dd-AFC4-6F175D3DCCD1}">
+              <a14:hiddenFill xmlns:a14="http://schemas.microsoft.com/office/drawing/2010/main">
+                <a:solidFill>
+                  <a:srgbClr val="FFFFFF"/>
+                </a:solidFill>
+              </a14:hiddenFill>
+            </a:ext>
+          </a:extLst>
+        </p:spPr>
+      </p:pic>
+      <p:sp>
+        <p:nvSpPr>
+          <p:cNvPr id="9" name="Rechteck 8"/>
+          <p:cNvSpPr/>
+          <p:nvPr/>
+        </p:nvSpPr>
+        <p:spPr>
+          <a:xfrm>
+            <a:off x="697885" y="1072485"/>
+            <a:ext cx="3454670" cy="4604720"/>
+          </a:xfrm>
+          <a:prstGeom prst="rect">
+            <a:avLst/>
+          </a:prstGeom>
+          <a:noFill/>
+          <a:ln>
+            <a:solidFill>
+              <a:srgbClr val="660066"/>
+            </a:solidFill>
+          </a:ln>
+        </p:spPr>
+        <p:style>
+          <a:lnRef idx="2">
+            <a:schemeClr val="accent1">
+              <a:shade val="50000"/>
+            </a:schemeClr>
+          </a:lnRef>
+          <a:fillRef idx="1">
+            <a:schemeClr val="accent1"/>
+          </a:fillRef>
+          <a:effectRef idx="0">
+            <a:schemeClr val="accent1"/>
+          </a:effectRef>
+          <a:fontRef idx="minor">
+            <a:schemeClr val="lt1"/>
+          </a:fontRef>
+        </p:style>
+        <p:txBody>
+          <a:bodyPr anchor="ctr"/>
+          <a:lstStyle/>
+          <a:p>
+            <a:pPr algn="ctr">
+              <a:defRPr/>
+            </a:pPr>
+            <a:endParaRPr lang="de-DE"/>
+          </a:p>
+        </p:txBody>
+      </p:sp>
+      <p:grpSp>
+        <p:nvGrpSpPr>
+          <p:cNvPr id="16" name="Gruppieren 3"/>
+          <p:cNvGrpSpPr/>
+          <p:nvPr/>
+        </p:nvGrpSpPr>
+        <p:grpSpPr>
+          <a:xfrm>
+            <a:off x="5121825" y="1075762"/>
+            <a:ext cx="3448050" cy="4579723"/>
+            <a:chOff x="2095500" y="1774208"/>
+            <a:chExt cx="3327494" cy="4419600"/>
+          </a:xfrm>
+        </p:grpSpPr>
+        <p:pic>
+          <p:nvPicPr>
+            <p:cNvPr id="17" name="Picture 6" descr="C:\Users\ferschke\Desktop\tp1.png"/>
+            <p:cNvPicPr>
+              <a:picLocks noChangeAspect="1" noChangeArrowheads="1"/>
+            </p:cNvPicPr>
+            <p:nvPr/>
+          </p:nvPicPr>
+          <p:blipFill rotWithShape="1">
+            <a:blip r:embed="rId4" cstate="print">
+              <a:extLst>
+                <a:ext uri="{28A0092B-C50C-407E-A947-70E740481C1C}">
+                  <a14:useLocalDpi xmlns:a14="http://schemas.microsoft.com/office/drawing/2010/main" val="0"/>
+                </a:ext>
+              </a:extLst>
+            </a:blip>
+            <a:srcRect l="2771"/>
+            <a:stretch/>
+          </p:blipFill>
+          <p:spPr bwMode="auto">
+            <a:xfrm>
+              <a:off x="2095500" y="1774209"/>
+              <a:ext cx="3315784" cy="1076312"/>
+            </a:xfrm>
+            <a:prstGeom prst="rect">
+              <a:avLst/>
+            </a:prstGeom>
+            <a:noFill/>
+            <a:ln>
+              <a:noFill/>
+            </a:ln>
+            <a:extLst>
+              <a:ext uri="{909E8E84-426E-40dd-AFC4-6F175D3DCCD1}">
+                <a14:hiddenFill xmlns:a14="http://schemas.microsoft.com/office/drawing/2010/main">
+                  <a:solidFill>
+                    <a:srgbClr val="FFFFFF"/>
+                  </a:solidFill>
+                </a14:hiddenFill>
+              </a:ext>
+            </a:extLst>
+          </p:spPr>
+        </p:pic>
+        <p:pic>
+          <p:nvPicPr>
+            <p:cNvPr id="18" name="Picture 7" descr="C:\Users\ferschke\Desktop\tp2.png"/>
+            <p:cNvPicPr>
+              <a:picLocks noChangeAspect="1" noChangeArrowheads="1"/>
+            </p:cNvPicPr>
+            <p:nvPr/>
+          </p:nvPicPr>
+          <p:blipFill rotWithShape="1">
+            <a:blip r:embed="rId5" cstate="print">
+              <a:extLst>
+                <a:ext uri="{28A0092B-C50C-407E-A947-70E740481C1C}">
+                  <a14:useLocalDpi xmlns:a14="http://schemas.microsoft.com/office/drawing/2010/main" val="0"/>
+                </a:ext>
+              </a:extLst>
+            </a:blip>
+            <a:srcRect b="22857"/>
+            <a:stretch/>
+          </p:blipFill>
+          <p:spPr bwMode="auto">
+            <a:xfrm>
+              <a:off x="2095500" y="2795929"/>
+              <a:ext cx="3327494" cy="3343287"/>
+            </a:xfrm>
+            <a:prstGeom prst="rect">
+              <a:avLst/>
+            </a:prstGeom>
+            <a:noFill/>
+            <a:ln>
+              <a:noFill/>
+            </a:ln>
+            <a:extLst>
+              <a:ext uri="{909E8E84-426E-40dd-AFC4-6F175D3DCCD1}">
+                <a14:hiddenFill xmlns:a14="http://schemas.microsoft.com/office/drawing/2010/main">
+                  <a:solidFill>
+                    <a:srgbClr val="FFFFFF"/>
+                  </a:solidFill>
+                </a14:hiddenFill>
+              </a:ext>
+            </a:extLst>
+          </p:spPr>
+        </p:pic>
+        <p:sp>
+          <p:nvSpPr>
+            <p:cNvPr id="19" name="Rechteck 6"/>
+            <p:cNvSpPr/>
+            <p:nvPr/>
+          </p:nvSpPr>
+          <p:spPr>
+            <a:xfrm>
+              <a:off x="2095500" y="1774208"/>
+              <a:ext cx="3315784" cy="4419600"/>
+            </a:xfrm>
+            <a:prstGeom prst="rect">
+              <a:avLst/>
+            </a:prstGeom>
+            <a:noFill/>
+            <a:ln>
+              <a:noFill/>
+            </a:ln>
+          </p:spPr>
+          <p:style>
+            <a:lnRef idx="2">
+              <a:schemeClr val="accent1">
+                <a:shade val="50000"/>
+              </a:schemeClr>
+            </a:lnRef>
+            <a:fillRef idx="1">
+              <a:schemeClr val="accent1"/>
+            </a:fillRef>
+            <a:effectRef idx="0">
+              <a:schemeClr val="accent1"/>
+            </a:effectRef>
+            <a:fontRef idx="minor">
+              <a:schemeClr val="lt1"/>
+            </a:fontRef>
+          </p:style>
+          <p:txBody>
+            <a:bodyPr anchor="ctr"/>
+            <a:lstStyle/>
+            <a:p>
+              <a:pPr algn="ctr">
+                <a:defRPr/>
+              </a:pPr>
+              <a:endParaRPr lang="de-DE"/>
+            </a:p>
+          </p:txBody>
+        </p:sp>
+      </p:grpSp>
+      <p:sp>
+        <p:nvSpPr>
+          <p:cNvPr id="20" name="Rechteck 7"/>
+          <p:cNvSpPr/>
+          <p:nvPr/>
+        </p:nvSpPr>
+        <p:spPr>
+          <a:xfrm>
+            <a:off x="5121825" y="2134500"/>
+            <a:ext cx="3435916" cy="1337201"/>
+          </a:xfrm>
+          <a:prstGeom prst="rect">
+            <a:avLst/>
+          </a:prstGeom>
+          <a:noFill/>
+          <a:ln>
+            <a:solidFill>
+              <a:srgbClr val="008000"/>
+            </a:solidFill>
+          </a:ln>
+        </p:spPr>
+        <p:style>
+          <a:lnRef idx="2">
+            <a:schemeClr val="accent1">
+              <a:shade val="50000"/>
+            </a:schemeClr>
+          </a:lnRef>
+          <a:fillRef idx="1">
+            <a:schemeClr val="accent1"/>
+          </a:fillRef>
+          <a:effectRef idx="0">
+            <a:schemeClr val="accent1"/>
+          </a:effectRef>
+          <a:fontRef idx="minor">
+            <a:schemeClr val="lt1"/>
+          </a:fontRef>
+        </p:style>
+        <p:txBody>
+          <a:bodyPr rtlCol="0" anchor="ctr"/>
+          <a:lstStyle/>
+          <a:p>
+            <a:pPr algn="ctr"/>
+            <a:endParaRPr lang="de-DE"/>
+          </a:p>
+        </p:txBody>
+      </p:sp>
+      <p:sp>
+        <p:nvSpPr>
+          <p:cNvPr id="21" name="Rechteck 8"/>
+          <p:cNvSpPr/>
+          <p:nvPr/>
+        </p:nvSpPr>
+        <p:spPr>
+          <a:xfrm>
+            <a:off x="5121825" y="3538376"/>
+            <a:ext cx="3435916" cy="2060539"/>
+          </a:xfrm>
+          <a:prstGeom prst="rect">
+            <a:avLst/>
+          </a:prstGeom>
+          <a:noFill/>
+          <a:ln>
+            <a:solidFill>
+              <a:srgbClr val="008000"/>
+            </a:solidFill>
+          </a:ln>
+        </p:spPr>
+        <p:style>
+          <a:lnRef idx="2">
+            <a:schemeClr val="accent1">
+              <a:shade val="50000"/>
+            </a:schemeClr>
+          </a:lnRef>
+          <a:fillRef idx="1">
+            <a:schemeClr val="accent1"/>
+          </a:fillRef>
+          <a:effectRef idx="0">
+            <a:schemeClr val="accent1"/>
+          </a:effectRef>
+          <a:fontRef idx="minor">
+            <a:schemeClr val="lt1"/>
+          </a:fontRef>
+        </p:style>
+        <p:txBody>
+          <a:bodyPr rtlCol="0" anchor="ctr"/>
+          <a:lstStyle/>
+          <a:p>
+            <a:pPr algn="ctr"/>
+            <a:endParaRPr lang="de-DE"/>
+          </a:p>
+        </p:txBody>
+      </p:sp>
+      <p:sp>
+        <p:nvSpPr>
+          <p:cNvPr id="22" name="Rechteck 9"/>
+          <p:cNvSpPr/>
+          <p:nvPr/>
+        </p:nvSpPr>
+        <p:spPr>
+          <a:xfrm>
+            <a:off x="5152800" y="3002876"/>
+            <a:ext cx="3348000" cy="432000"/>
+          </a:xfrm>
+          <a:prstGeom prst="rect">
+            <a:avLst/>
+          </a:prstGeom>
+          <a:noFill/>
+          <a:ln>
+            <a:solidFill>
+              <a:srgbClr val="FF0000"/>
+            </a:solidFill>
+          </a:ln>
+        </p:spPr>
+        <p:style>
+          <a:lnRef idx="2">
+            <a:schemeClr val="accent1">
+              <a:shade val="50000"/>
+            </a:schemeClr>
+          </a:lnRef>
+          <a:fillRef idx="1">
+            <a:schemeClr val="accent1"/>
+          </a:fillRef>
+          <a:effectRef idx="0">
+            <a:schemeClr val="accent1"/>
+          </a:effectRef>
+          <a:fontRef idx="minor">
+            <a:schemeClr val="lt1"/>
+          </a:fontRef>
+        </p:style>
+        <p:txBody>
+          <a:bodyPr rtlCol="0" anchor="ctr"/>
+          <a:lstStyle/>
+          <a:p>
+            <a:pPr algn="ctr"/>
+            <a:endParaRPr lang="de-DE"/>
+          </a:p>
+        </p:txBody>
+      </p:sp>
+      <p:sp>
+        <p:nvSpPr>
+          <p:cNvPr id="23" name="Rechteck 10"/>
+          <p:cNvSpPr/>
+          <p:nvPr/>
+        </p:nvSpPr>
+        <p:spPr>
+          <a:xfrm>
+            <a:off x="5162325" y="2376326"/>
+            <a:ext cx="3348000" cy="582300"/>
+          </a:xfrm>
+          <a:prstGeom prst="rect">
+            <a:avLst/>
+          </a:prstGeom>
+          <a:noFill/>
+          <a:ln>
+            <a:solidFill>
+              <a:srgbClr val="FF0000"/>
+            </a:solidFill>
+          </a:ln>
+        </p:spPr>
+        <p:style>
+          <a:lnRef idx="2">
+            <a:schemeClr val="accent1">
+              <a:shade val="50000"/>
+            </a:schemeClr>
+          </a:lnRef>
+          <a:fillRef idx="1">
+            <a:schemeClr val="accent1"/>
+          </a:fillRef>
+          <a:effectRef idx="0">
+            <a:schemeClr val="accent1"/>
+          </a:effectRef>
+          <a:fontRef idx="minor">
+            <a:schemeClr val="lt1"/>
+          </a:fontRef>
+        </p:style>
+        <p:txBody>
+          <a:bodyPr rtlCol="0" anchor="ctr"/>
+          <a:lstStyle/>
+          <a:p>
+            <a:pPr algn="ctr"/>
+            <a:endParaRPr lang="de-DE"/>
+          </a:p>
+        </p:txBody>
+      </p:sp>
+      <p:sp>
+        <p:nvSpPr>
+          <p:cNvPr id="24" name="Rechteck 11"/>
+          <p:cNvSpPr/>
+          <p:nvPr/>
+        </p:nvSpPr>
+        <p:spPr>
+          <a:xfrm>
+            <a:off x="5162325" y="3728876"/>
+            <a:ext cx="3348000" cy="1152000"/>
+          </a:xfrm>
+          <a:prstGeom prst="rect">
+            <a:avLst/>
+          </a:prstGeom>
+          <a:noFill/>
+          <a:ln>
+            <a:solidFill>
+              <a:srgbClr val="FF0000"/>
+            </a:solidFill>
+          </a:ln>
+        </p:spPr>
+        <p:style>
+          <a:lnRef idx="2">
+            <a:schemeClr val="accent1">
+              <a:shade val="50000"/>
+            </a:schemeClr>
+          </a:lnRef>
+          <a:fillRef idx="1">
+            <a:schemeClr val="accent1"/>
+          </a:fillRef>
+          <a:effectRef idx="0">
+            <a:schemeClr val="accent1"/>
+          </a:effectRef>
+          <a:fontRef idx="minor">
+            <a:schemeClr val="lt1"/>
+          </a:fontRef>
+        </p:style>
+        <p:txBody>
+          <a:bodyPr rtlCol="0" anchor="ctr"/>
+          <a:lstStyle/>
+          <a:p>
+            <a:pPr algn="ctr"/>
+            <a:endParaRPr lang="de-DE"/>
+          </a:p>
+        </p:txBody>
+      </p:sp>
+      <p:sp>
+        <p:nvSpPr>
+          <p:cNvPr id="25" name="Rechteck 12"/>
+          <p:cNvSpPr/>
+          <p:nvPr/>
+        </p:nvSpPr>
+        <p:spPr>
+          <a:xfrm>
+            <a:off x="5162325" y="4930890"/>
+            <a:ext cx="3348000" cy="504000"/>
+          </a:xfrm>
+          <a:prstGeom prst="rect">
+            <a:avLst/>
+          </a:prstGeom>
+          <a:noFill/>
+          <a:ln>
+            <a:solidFill>
+              <a:srgbClr val="FF0000"/>
+            </a:solidFill>
+          </a:ln>
+        </p:spPr>
+        <p:style>
+          <a:lnRef idx="2">
+            <a:schemeClr val="accent1">
+              <a:shade val="50000"/>
+            </a:schemeClr>
+          </a:lnRef>
+          <a:fillRef idx="1">
+            <a:schemeClr val="accent1"/>
+          </a:fillRef>
+          <a:effectRef idx="0">
+            <a:schemeClr val="accent1"/>
+          </a:effectRef>
+          <a:fontRef idx="minor">
+            <a:schemeClr val="lt1"/>
+          </a:fontRef>
+        </p:style>
+        <p:txBody>
+          <a:bodyPr rtlCol="0" anchor="ctr"/>
+          <a:lstStyle/>
+          <a:p>
+            <a:pPr algn="ctr"/>
+            <a:endParaRPr lang="de-DE"/>
+          </a:p>
+        </p:txBody>
+      </p:sp>
+      <p:sp>
+        <p:nvSpPr>
+          <p:cNvPr id="28" name="Rechteck 8"/>
+          <p:cNvSpPr/>
+          <p:nvPr/>
+        </p:nvSpPr>
+        <p:spPr>
+          <a:xfrm>
+            <a:off x="5044931" y="1061397"/>
+            <a:ext cx="3615697" cy="4594088"/>
+          </a:xfrm>
+          <a:prstGeom prst="rect">
+            <a:avLst/>
+          </a:prstGeom>
+          <a:noFill/>
+          <a:ln>
+            <a:solidFill>
+              <a:srgbClr val="008000"/>
+            </a:solidFill>
+          </a:ln>
+        </p:spPr>
+        <p:style>
+          <a:lnRef idx="2">
+            <a:schemeClr val="accent1">
+              <a:shade val="50000"/>
+            </a:schemeClr>
+          </a:lnRef>
+          <a:fillRef idx="1">
+            <a:schemeClr val="accent1"/>
+          </a:fillRef>
+          <a:effectRef idx="0">
+            <a:schemeClr val="accent1"/>
+          </a:effectRef>
+          <a:fontRef idx="minor">
+            <a:schemeClr val="lt1"/>
+          </a:fontRef>
+        </p:style>
+        <p:txBody>
+          <a:bodyPr anchor="ctr"/>
+          <a:lstStyle/>
+          <a:p>
+            <a:pPr algn="ctr">
+              <a:defRPr/>
+            </a:pPr>
+            <a:endParaRPr lang="de-DE"/>
+          </a:p>
+        </p:txBody>
+      </p:sp>
+      <p:sp>
+        <p:nvSpPr>
+          <p:cNvPr id="45" name="Oval 44"/>
+          <p:cNvSpPr>
+            <a:spLocks noChangeAspect="1"/>
+          </p:cNvSpPr>
+          <p:nvPr/>
+        </p:nvSpPr>
+        <p:spPr>
+          <a:xfrm>
+            <a:off x="877309" y="1865027"/>
+            <a:ext cx="255684" cy="255684"/>
+          </a:xfrm>
+          <a:prstGeom prst="ellipse">
+            <a:avLst/>
+          </a:prstGeom>
+          <a:solidFill>
+            <a:schemeClr val="tx2">
+              <a:lumMod val="60000"/>
+              <a:lumOff val="40000"/>
+            </a:schemeClr>
+          </a:solidFill>
+          <a:ln>
+            <a:solidFill>
+              <a:schemeClr val="tx1"/>
+            </a:solidFill>
+          </a:ln>
+        </p:spPr>
+        <p:style>
+          <a:lnRef idx="1">
+            <a:schemeClr val="accent1"/>
+          </a:lnRef>
+          <a:fillRef idx="3">
+            <a:schemeClr val="accent1"/>
+          </a:fillRef>
+          <a:effectRef idx="2">
+            <a:schemeClr val="accent1"/>
+          </a:effectRef>
+          <a:fontRef idx="minor">
+            <a:schemeClr val="lt1"/>
+          </a:fontRef>
+        </p:style>
+        <p:txBody>
+          <a:bodyPr lIns="0" tIns="0" rIns="0" bIns="45720" rtlCol="0" anchor="ctr"/>
+          <a:lstStyle/>
+          <a:p>
+            <a:pPr algn="ctr"/>
+            <a:r>
+              <a:rPr lang="en-US" sz="1200" dirty="0" smtClean="0"/>
+              <a:t>4b</a:t>
+            </a:r>
+            <a:endParaRPr lang="en-US" sz="1200" dirty="0"/>
+          </a:p>
+        </p:txBody>
+      </p:sp>
+      <p:sp>
+        <p:nvSpPr>
+          <p:cNvPr id="47" name="Oval 46"/>
+          <p:cNvSpPr>
+            <a:spLocks noChangeAspect="1"/>
+          </p:cNvSpPr>
+          <p:nvPr/>
+        </p:nvSpPr>
+        <p:spPr>
+          <a:xfrm>
+            <a:off x="877309" y="2533107"/>
+            <a:ext cx="255684" cy="255684"/>
+          </a:xfrm>
+          <a:prstGeom prst="ellipse">
+            <a:avLst/>
+          </a:prstGeom>
+          <a:solidFill>
+            <a:schemeClr val="tx2">
+              <a:lumMod val="60000"/>
+              <a:lumOff val="40000"/>
+            </a:schemeClr>
+          </a:solidFill>
+          <a:ln>
+            <a:solidFill>
+              <a:schemeClr val="tx1"/>
+            </a:solidFill>
+          </a:ln>
+        </p:spPr>
+        <p:style>
+          <a:lnRef idx="1">
+            <a:schemeClr val="accent1"/>
+          </a:lnRef>
+          <a:fillRef idx="3">
+            <a:schemeClr val="accent1"/>
+          </a:fillRef>
+          <a:effectRef idx="2">
+            <a:schemeClr val="accent1"/>
+          </a:effectRef>
+          <a:fontRef idx="minor">
+            <a:schemeClr val="lt1"/>
+          </a:fontRef>
+        </p:style>
+        <p:txBody>
+          <a:bodyPr lIns="0" tIns="0" rIns="0" bIns="45720" rtlCol="0" anchor="ctr"/>
+          <a:lstStyle/>
+          <a:p>
+            <a:pPr algn="ctr"/>
+            <a:r>
+              <a:rPr lang="en-US" sz="1200" dirty="0" smtClean="0"/>
+              <a:t>4b</a:t>
+            </a:r>
+            <a:endParaRPr lang="en-US" sz="1200" dirty="0"/>
+          </a:p>
+        </p:txBody>
+      </p:sp>
+      <p:grpSp>
+        <p:nvGrpSpPr>
+          <p:cNvPr id="59" name="Group 58"/>
+          <p:cNvGrpSpPr/>
+          <p:nvPr/>
+        </p:nvGrpSpPr>
+        <p:grpSpPr>
+          <a:xfrm>
+            <a:off x="956857" y="2162277"/>
+            <a:ext cx="100854" cy="343015"/>
+            <a:chOff x="1334924" y="166873"/>
+            <a:chExt cx="100854" cy="343015"/>
+          </a:xfrm>
+        </p:grpSpPr>
+        <p:cxnSp>
+          <p:nvCxnSpPr>
+            <p:cNvPr id="52" name="Straight Arrow Connector 51"/>
+            <p:cNvCxnSpPr/>
+            <p:nvPr/>
+          </p:nvCxnSpPr>
+          <p:spPr>
+            <a:xfrm flipV="1">
+              <a:off x="1334924" y="166873"/>
+              <a:ext cx="0" cy="343015"/>
+            </a:xfrm>
+            <a:prstGeom prst="straightConnector1">
+              <a:avLst/>
+            </a:prstGeom>
+            <a:ln>
+              <a:tailEnd type="arrow"/>
+            </a:ln>
+          </p:spPr>
+          <p:style>
+            <a:lnRef idx="2">
+              <a:schemeClr val="accent1"/>
+            </a:lnRef>
+            <a:fillRef idx="0">
+              <a:schemeClr val="accent1"/>
+            </a:fillRef>
+            <a:effectRef idx="1">
+              <a:schemeClr val="accent1"/>
+            </a:effectRef>
+            <a:fontRef idx="minor">
+              <a:schemeClr val="tx1"/>
+            </a:fontRef>
+          </p:style>
+        </p:cxnSp>
+        <p:cxnSp>
+          <p:nvCxnSpPr>
+            <p:cNvPr id="53" name="Straight Arrow Connector 52"/>
+            <p:cNvCxnSpPr/>
+            <p:nvPr/>
+          </p:nvCxnSpPr>
+          <p:spPr>
+            <a:xfrm>
+              <a:off x="1435778" y="166873"/>
+              <a:ext cx="0" cy="343015"/>
+            </a:xfrm>
+            <a:prstGeom prst="straightConnector1">
+              <a:avLst/>
+            </a:prstGeom>
+            <a:ln>
+              <a:tailEnd type="arrow"/>
+            </a:ln>
+          </p:spPr>
+          <p:style>
+            <a:lnRef idx="2">
+              <a:schemeClr val="accent1"/>
+            </a:lnRef>
+            <a:fillRef idx="0">
+              <a:schemeClr val="accent1"/>
+            </a:fillRef>
+            <a:effectRef idx="1">
+              <a:schemeClr val="accent1"/>
+            </a:effectRef>
+            <a:fontRef idx="minor">
+              <a:schemeClr val="tx1"/>
+            </a:fontRef>
+          </p:style>
+        </p:cxnSp>
+      </p:grpSp>
+      <p:sp>
+        <p:nvSpPr>
+          <p:cNvPr id="61" name="Oval 60"/>
+          <p:cNvSpPr>
+            <a:spLocks noChangeAspect="1"/>
+          </p:cNvSpPr>
+          <p:nvPr/>
+        </p:nvSpPr>
+        <p:spPr>
+          <a:xfrm>
+            <a:off x="881575" y="3237836"/>
+            <a:ext cx="255684" cy="255684"/>
+          </a:xfrm>
+          <a:prstGeom prst="ellipse">
+            <a:avLst/>
+          </a:prstGeom>
+          <a:solidFill>
+            <a:schemeClr val="tx2">
+              <a:lumMod val="60000"/>
+              <a:lumOff val="40000"/>
+            </a:schemeClr>
+          </a:solidFill>
+          <a:ln>
+            <a:solidFill>
+              <a:schemeClr val="tx1"/>
+            </a:solidFill>
+          </a:ln>
+        </p:spPr>
+        <p:style>
+          <a:lnRef idx="1">
+            <a:schemeClr val="accent1"/>
+          </a:lnRef>
+          <a:fillRef idx="3">
+            <a:schemeClr val="accent1"/>
+          </a:fillRef>
+          <a:effectRef idx="2">
+            <a:schemeClr val="accent1"/>
+          </a:effectRef>
+          <a:fontRef idx="minor">
+            <a:schemeClr val="lt1"/>
+          </a:fontRef>
+        </p:style>
+        <p:txBody>
+          <a:bodyPr lIns="0" tIns="0" rIns="0" bIns="45720" rtlCol="0" anchor="ctr"/>
+          <a:lstStyle/>
+          <a:p>
+            <a:pPr algn="ctr"/>
+            <a:r>
+              <a:rPr lang="en-US" sz="1200" dirty="0" smtClean="0"/>
+              <a:t>4b</a:t>
+            </a:r>
+            <a:endParaRPr lang="en-US" sz="1200" dirty="0"/>
+          </a:p>
+        </p:txBody>
+      </p:sp>
+      <p:sp>
+        <p:nvSpPr>
+          <p:cNvPr id="62" name="Oval 61"/>
+          <p:cNvSpPr>
+            <a:spLocks noChangeAspect="1"/>
+          </p:cNvSpPr>
+          <p:nvPr/>
+        </p:nvSpPr>
+        <p:spPr>
+          <a:xfrm>
+            <a:off x="877309" y="3894467"/>
+            <a:ext cx="255684" cy="255684"/>
+          </a:xfrm>
+          <a:prstGeom prst="ellipse">
+            <a:avLst/>
+          </a:prstGeom>
+          <a:solidFill>
+            <a:schemeClr val="tx2">
+              <a:lumMod val="60000"/>
+              <a:lumOff val="40000"/>
+            </a:schemeClr>
+          </a:solidFill>
+          <a:ln>
+            <a:solidFill>
+              <a:schemeClr val="tx1"/>
+            </a:solidFill>
+          </a:ln>
+        </p:spPr>
+        <p:style>
+          <a:lnRef idx="1">
+            <a:schemeClr val="accent1"/>
+          </a:lnRef>
+          <a:fillRef idx="3">
+            <a:schemeClr val="accent1"/>
+          </a:fillRef>
+          <a:effectRef idx="2">
+            <a:schemeClr val="accent1"/>
+          </a:effectRef>
+          <a:fontRef idx="minor">
+            <a:schemeClr val="lt1"/>
+          </a:fontRef>
+        </p:style>
+        <p:txBody>
+          <a:bodyPr lIns="0" tIns="0" rIns="0" bIns="45720" rtlCol="0" anchor="ctr"/>
+          <a:lstStyle/>
+          <a:p>
+            <a:pPr algn="ctr"/>
+            <a:r>
+              <a:rPr lang="en-US" sz="1200" dirty="0" smtClean="0"/>
+              <a:t>4b</a:t>
+            </a:r>
+            <a:endParaRPr lang="en-US" sz="1200" dirty="0"/>
+          </a:p>
+        </p:txBody>
+      </p:sp>
+      <p:grpSp>
+        <p:nvGrpSpPr>
+          <p:cNvPr id="63" name="Group 62"/>
+          <p:cNvGrpSpPr/>
+          <p:nvPr/>
+        </p:nvGrpSpPr>
+        <p:grpSpPr>
+          <a:xfrm>
+            <a:off x="956857" y="3523637"/>
+            <a:ext cx="100854" cy="343015"/>
+            <a:chOff x="1334924" y="166873"/>
+            <a:chExt cx="100854" cy="343015"/>
+          </a:xfrm>
+        </p:grpSpPr>
+        <p:cxnSp>
+          <p:nvCxnSpPr>
+            <p:cNvPr id="64" name="Straight Arrow Connector 63"/>
+            <p:cNvCxnSpPr/>
+            <p:nvPr/>
+          </p:nvCxnSpPr>
+          <p:spPr>
+            <a:xfrm flipV="1">
+              <a:off x="1334924" y="166873"/>
+              <a:ext cx="0" cy="343015"/>
+            </a:xfrm>
+            <a:prstGeom prst="straightConnector1">
+              <a:avLst/>
+            </a:prstGeom>
+            <a:ln>
+              <a:tailEnd type="arrow"/>
+            </a:ln>
+          </p:spPr>
+          <p:style>
+            <a:lnRef idx="2">
+              <a:schemeClr val="accent1"/>
+            </a:lnRef>
+            <a:fillRef idx="0">
+              <a:schemeClr val="accent1"/>
+            </a:fillRef>
+            <a:effectRef idx="1">
+              <a:schemeClr val="accent1"/>
+            </a:effectRef>
+            <a:fontRef idx="minor">
+              <a:schemeClr val="tx1"/>
+            </a:fontRef>
+          </p:style>
+        </p:cxnSp>
+        <p:cxnSp>
+          <p:nvCxnSpPr>
+            <p:cNvPr id="65" name="Straight Arrow Connector 64"/>
+            <p:cNvCxnSpPr/>
+            <p:nvPr/>
+          </p:nvCxnSpPr>
+          <p:spPr>
+            <a:xfrm>
+              <a:off x="1435778" y="166873"/>
+              <a:ext cx="0" cy="343015"/>
+            </a:xfrm>
+            <a:prstGeom prst="straightConnector1">
+              <a:avLst/>
+            </a:prstGeom>
+            <a:ln>
+              <a:tailEnd type="arrow"/>
+            </a:ln>
+          </p:spPr>
+          <p:style>
+            <a:lnRef idx="2">
+              <a:schemeClr val="accent1"/>
+            </a:lnRef>
+            <a:fillRef idx="0">
+              <a:schemeClr val="accent1"/>
+            </a:fillRef>
+            <a:effectRef idx="1">
+              <a:schemeClr val="accent1"/>
+            </a:effectRef>
+            <a:fontRef idx="minor">
+              <a:schemeClr val="tx1"/>
+            </a:fontRef>
+          </p:style>
+        </p:cxnSp>
+      </p:grpSp>
+      <p:grpSp>
+        <p:nvGrpSpPr>
+          <p:cNvPr id="66" name="Group 65"/>
+          <p:cNvGrpSpPr/>
+          <p:nvPr/>
+        </p:nvGrpSpPr>
+        <p:grpSpPr>
+          <a:xfrm>
+            <a:off x="956857" y="2817599"/>
+            <a:ext cx="100854" cy="343015"/>
+            <a:chOff x="1334924" y="166873"/>
+            <a:chExt cx="100854" cy="343015"/>
+          </a:xfrm>
+        </p:grpSpPr>
+        <p:cxnSp>
+          <p:nvCxnSpPr>
+            <p:cNvPr id="67" name="Straight Arrow Connector 66"/>
+            <p:cNvCxnSpPr/>
+            <p:nvPr/>
+          </p:nvCxnSpPr>
+          <p:spPr>
+            <a:xfrm flipV="1">
+              <a:off x="1334924" y="166873"/>
+              <a:ext cx="0" cy="343015"/>
+            </a:xfrm>
+            <a:prstGeom prst="straightConnector1">
+              <a:avLst/>
+            </a:prstGeom>
+            <a:ln>
+              <a:tailEnd type="arrow"/>
+            </a:ln>
+          </p:spPr>
+          <p:style>
+            <a:lnRef idx="2">
+              <a:schemeClr val="accent1"/>
+            </a:lnRef>
+            <a:fillRef idx="0">
+              <a:schemeClr val="accent1"/>
+            </a:fillRef>
+            <a:effectRef idx="1">
+              <a:schemeClr val="accent1"/>
+            </a:effectRef>
+            <a:fontRef idx="minor">
+              <a:schemeClr val="tx1"/>
+            </a:fontRef>
+          </p:style>
+        </p:cxnSp>
+        <p:cxnSp>
+          <p:nvCxnSpPr>
+            <p:cNvPr id="68" name="Straight Arrow Connector 67"/>
+            <p:cNvCxnSpPr/>
+            <p:nvPr/>
+          </p:nvCxnSpPr>
+          <p:spPr>
+            <a:xfrm>
+              <a:off x="1435778" y="166873"/>
+              <a:ext cx="0" cy="343015"/>
+            </a:xfrm>
+            <a:prstGeom prst="straightConnector1">
+              <a:avLst/>
+            </a:prstGeom>
+            <a:ln>
+              <a:tailEnd type="arrow"/>
+            </a:ln>
+          </p:spPr>
+          <p:style>
+            <a:lnRef idx="2">
+              <a:schemeClr val="accent1"/>
+            </a:lnRef>
+            <a:fillRef idx="0">
+              <a:schemeClr val="accent1"/>
+            </a:fillRef>
+            <a:effectRef idx="1">
+              <a:schemeClr val="accent1"/>
+            </a:effectRef>
+            <a:fontRef idx="minor">
+              <a:schemeClr val="tx1"/>
+            </a:fontRef>
+          </p:style>
+        </p:cxnSp>
+      </p:grpSp>
+      <p:cxnSp>
+        <p:nvCxnSpPr>
+          <p:cNvPr id="108" name="Straight Connector 107"/>
+          <p:cNvCxnSpPr>
+            <a:stCxn id="32" idx="5"/>
+            <a:endCxn id="43" idx="1"/>
+          </p:cNvCxnSpPr>
+          <p:nvPr/>
+        </p:nvCxnSpPr>
+        <p:spPr>
+          <a:xfrm>
+            <a:off x="5314616" y="1130519"/>
+            <a:ext cx="2215019" cy="899725"/>
+          </a:xfrm>
+          <a:prstGeom prst="line">
+            <a:avLst/>
+          </a:prstGeom>
+          <a:ln>
+            <a:solidFill>
+              <a:srgbClr val="008000"/>
+            </a:solidFill>
+          </a:ln>
+        </p:spPr>
+        <p:style>
+          <a:lnRef idx="2">
+            <a:schemeClr val="accent1"/>
+          </a:lnRef>
+          <a:fillRef idx="0">
+            <a:schemeClr val="accent1"/>
+          </a:fillRef>
+          <a:effectRef idx="1">
+            <a:schemeClr val="accent1"/>
+          </a:effectRef>
+          <a:fontRef idx="minor">
+            <a:schemeClr val="tx1"/>
+          </a:fontRef>
+        </p:style>
+      </p:cxnSp>
+      <p:cxnSp>
+        <p:nvCxnSpPr>
+          <p:cNvPr id="109" name="Straight Connector 108"/>
+          <p:cNvCxnSpPr>
+            <a:stCxn id="32" idx="5"/>
+            <a:endCxn id="44" idx="1"/>
+          </p:cNvCxnSpPr>
+          <p:nvPr/>
+        </p:nvCxnSpPr>
+        <p:spPr>
+          <a:xfrm>
+            <a:off x="5314616" y="1130519"/>
+            <a:ext cx="2215019" cy="2317459"/>
+          </a:xfrm>
+          <a:prstGeom prst="line">
+            <a:avLst/>
+          </a:prstGeom>
+          <a:ln>
+            <a:solidFill>
+              <a:srgbClr val="008000"/>
+            </a:solidFill>
+          </a:ln>
+        </p:spPr>
+        <p:style>
+          <a:lnRef idx="2">
+            <a:schemeClr val="accent1"/>
+          </a:lnRef>
+          <a:fillRef idx="0">
+            <a:schemeClr val="accent1"/>
+          </a:fillRef>
+          <a:effectRef idx="1">
+            <a:schemeClr val="accent1"/>
+          </a:effectRef>
+          <a:fontRef idx="minor">
+            <a:schemeClr val="tx1"/>
+          </a:fontRef>
+        </p:style>
+      </p:cxnSp>
+      <p:sp>
+        <p:nvSpPr>
+          <p:cNvPr id="32" name="Oval 31"/>
+          <p:cNvSpPr>
+            <a:spLocks noChangeAspect="1"/>
+          </p:cNvSpPr>
+          <p:nvPr/>
+        </p:nvSpPr>
+        <p:spPr>
+          <a:xfrm>
+            <a:off x="5096376" y="912279"/>
+            <a:ext cx="255684" cy="255684"/>
+          </a:xfrm>
+          <a:prstGeom prst="ellipse">
+            <a:avLst/>
+          </a:prstGeom>
+          <a:solidFill>
+            <a:srgbClr val="008000"/>
+          </a:solidFill>
+          <a:ln>
+            <a:solidFill>
+              <a:srgbClr val="000000"/>
+            </a:solidFill>
+          </a:ln>
+        </p:spPr>
+        <p:style>
+          <a:lnRef idx="1">
+            <a:schemeClr val="accent1"/>
+          </a:lnRef>
+          <a:fillRef idx="3">
+            <a:schemeClr val="accent1"/>
+          </a:fillRef>
+          <a:effectRef idx="2">
+            <a:schemeClr val="accent1"/>
+          </a:effectRef>
+          <a:fontRef idx="minor">
+            <a:schemeClr val="lt1"/>
+          </a:fontRef>
+        </p:style>
+        <p:txBody>
+          <a:bodyPr lIns="0" tIns="0" rIns="0" bIns="45720" rtlCol="0" anchor="ctr"/>
+          <a:lstStyle/>
+          <a:p>
+            <a:pPr algn="ctr"/>
+            <a:r>
+              <a:rPr lang="en-US" sz="1200" dirty="0" smtClean="0"/>
+              <a:t>1</a:t>
+            </a:r>
+            <a:endParaRPr lang="en-US" sz="1200" dirty="0"/>
+          </a:p>
+        </p:txBody>
+      </p:sp>
+      <p:sp>
+        <p:nvSpPr>
+          <p:cNvPr id="39" name="Oval 38"/>
+          <p:cNvSpPr>
+            <a:spLocks noChangeAspect="1"/>
+          </p:cNvSpPr>
+          <p:nvPr/>
+        </p:nvSpPr>
+        <p:spPr>
+          <a:xfrm>
+            <a:off x="5224218" y="2620567"/>
+            <a:ext cx="255684" cy="255684"/>
+          </a:xfrm>
+          <a:prstGeom prst="ellipse">
+            <a:avLst/>
+          </a:prstGeom>
+          <a:solidFill>
+            <a:schemeClr val="tx2">
+              <a:lumMod val="60000"/>
+              <a:lumOff val="40000"/>
+            </a:schemeClr>
+          </a:solidFill>
+          <a:ln>
+            <a:solidFill>
+              <a:srgbClr val="000000"/>
+            </a:solidFill>
+          </a:ln>
+        </p:spPr>
+        <p:style>
+          <a:lnRef idx="1">
+            <a:schemeClr val="accent1"/>
+          </a:lnRef>
+          <a:fillRef idx="3">
+            <a:schemeClr val="accent1"/>
+          </a:fillRef>
+          <a:effectRef idx="2">
+            <a:schemeClr val="accent1"/>
+          </a:effectRef>
+          <a:fontRef idx="minor">
+            <a:schemeClr val="lt1"/>
+          </a:fontRef>
+        </p:style>
+        <p:txBody>
+          <a:bodyPr lIns="0" tIns="0" rIns="0" bIns="45720" rtlCol="0" anchor="ctr"/>
+          <a:lstStyle/>
+          <a:p>
+            <a:pPr algn="ctr"/>
+            <a:r>
+              <a:rPr lang="en-US" sz="1200" dirty="0" smtClean="0"/>
+              <a:t>3c</a:t>
+            </a:r>
+            <a:endParaRPr lang="en-US" sz="1200" dirty="0"/>
+          </a:p>
+        </p:txBody>
+      </p:sp>
+      <p:sp>
+        <p:nvSpPr>
+          <p:cNvPr id="40" name="Oval 39"/>
+          <p:cNvSpPr>
+            <a:spLocks noChangeAspect="1"/>
+          </p:cNvSpPr>
+          <p:nvPr/>
+        </p:nvSpPr>
+        <p:spPr>
+          <a:xfrm>
+            <a:off x="5248776" y="3113294"/>
+            <a:ext cx="255684" cy="255684"/>
+          </a:xfrm>
+          <a:prstGeom prst="ellipse">
+            <a:avLst/>
+          </a:prstGeom>
+          <a:solidFill>
+            <a:schemeClr val="tx2">
+              <a:lumMod val="60000"/>
+              <a:lumOff val="40000"/>
+            </a:schemeClr>
+          </a:solidFill>
+          <a:ln>
+            <a:solidFill>
+              <a:srgbClr val="000000"/>
+            </a:solidFill>
+          </a:ln>
+        </p:spPr>
+        <p:style>
+          <a:lnRef idx="1">
+            <a:schemeClr val="accent1"/>
+          </a:lnRef>
+          <a:fillRef idx="3">
+            <a:schemeClr val="accent1"/>
+          </a:fillRef>
+          <a:effectRef idx="2">
+            <a:schemeClr val="accent1"/>
+          </a:effectRef>
+          <a:fontRef idx="minor">
+            <a:schemeClr val="lt1"/>
+          </a:fontRef>
+        </p:style>
+        <p:txBody>
+          <a:bodyPr lIns="0" tIns="0" rIns="0" bIns="45720" rtlCol="0" anchor="ctr"/>
+          <a:lstStyle/>
+          <a:p>
+            <a:pPr algn="ctr"/>
+            <a:r>
+              <a:rPr lang="en-US" sz="1200" dirty="0" smtClean="0"/>
+              <a:t>3c</a:t>
+            </a:r>
+            <a:endParaRPr lang="en-US" sz="1200" dirty="0"/>
+          </a:p>
+        </p:txBody>
+      </p:sp>
+      <p:sp>
+        <p:nvSpPr>
+          <p:cNvPr id="41" name="Oval 40"/>
+          <p:cNvSpPr>
+            <a:spLocks noChangeAspect="1"/>
+          </p:cNvSpPr>
+          <p:nvPr/>
+        </p:nvSpPr>
+        <p:spPr>
+          <a:xfrm>
+            <a:off x="5248776" y="4163570"/>
+            <a:ext cx="255684" cy="255684"/>
+          </a:xfrm>
+          <a:prstGeom prst="ellipse">
+            <a:avLst/>
+          </a:prstGeom>
+          <a:solidFill>
+            <a:schemeClr val="tx2">
+              <a:lumMod val="60000"/>
+              <a:lumOff val="40000"/>
+            </a:schemeClr>
+          </a:solidFill>
+          <a:ln>
+            <a:solidFill>
+              <a:srgbClr val="000000"/>
+            </a:solidFill>
+          </a:ln>
+        </p:spPr>
+        <p:style>
+          <a:lnRef idx="1">
+            <a:schemeClr val="accent1"/>
+          </a:lnRef>
+          <a:fillRef idx="3">
+            <a:schemeClr val="accent1"/>
+          </a:fillRef>
+          <a:effectRef idx="2">
+            <a:schemeClr val="accent1"/>
+          </a:effectRef>
+          <a:fontRef idx="minor">
+            <a:schemeClr val="lt1"/>
+          </a:fontRef>
+        </p:style>
+        <p:txBody>
+          <a:bodyPr lIns="0" tIns="0" rIns="0" bIns="45720" rtlCol="0" anchor="ctr"/>
+          <a:lstStyle/>
+          <a:p>
+            <a:pPr algn="ctr"/>
+            <a:r>
+              <a:rPr lang="en-US" sz="1200" dirty="0" smtClean="0"/>
+              <a:t>3c</a:t>
+            </a:r>
+            <a:endParaRPr lang="en-US" sz="1200" dirty="0"/>
+          </a:p>
+        </p:txBody>
+      </p:sp>
+      <p:sp>
+        <p:nvSpPr>
+          <p:cNvPr id="42" name="Oval 41"/>
+          <p:cNvSpPr>
+            <a:spLocks noChangeAspect="1"/>
+          </p:cNvSpPr>
+          <p:nvPr/>
+        </p:nvSpPr>
+        <p:spPr>
+          <a:xfrm>
+            <a:off x="5248776" y="5058732"/>
+            <a:ext cx="255684" cy="255684"/>
+          </a:xfrm>
+          <a:prstGeom prst="ellipse">
+            <a:avLst/>
+          </a:prstGeom>
+          <a:solidFill>
+            <a:schemeClr val="tx2">
+              <a:lumMod val="60000"/>
+              <a:lumOff val="40000"/>
+            </a:schemeClr>
+          </a:solidFill>
+          <a:ln>
+            <a:solidFill>
+              <a:srgbClr val="000000"/>
+            </a:solidFill>
+          </a:ln>
+        </p:spPr>
+        <p:style>
+          <a:lnRef idx="1">
+            <a:schemeClr val="accent1"/>
+          </a:lnRef>
+          <a:fillRef idx="3">
+            <a:schemeClr val="accent1"/>
+          </a:fillRef>
+          <a:effectRef idx="2">
+            <a:schemeClr val="accent1"/>
+          </a:effectRef>
+          <a:fontRef idx="minor">
+            <a:schemeClr val="lt1"/>
+          </a:fontRef>
+        </p:style>
+        <p:txBody>
+          <a:bodyPr lIns="0" tIns="0" rIns="0" bIns="45720" rtlCol="0" anchor="ctr"/>
+          <a:lstStyle/>
+          <a:p>
+            <a:pPr algn="ctr"/>
+            <a:r>
+              <a:rPr lang="en-US" sz="1200" dirty="0" smtClean="0"/>
+              <a:t>3c</a:t>
+            </a:r>
+            <a:endParaRPr lang="en-US" sz="1200" dirty="0"/>
+          </a:p>
+        </p:txBody>
+      </p:sp>
+      <p:sp>
+        <p:nvSpPr>
+          <p:cNvPr id="43" name="Oval 42"/>
+          <p:cNvSpPr>
+            <a:spLocks noChangeAspect="1"/>
+          </p:cNvSpPr>
+          <p:nvPr/>
+        </p:nvSpPr>
+        <p:spPr>
+          <a:xfrm>
+            <a:off x="7492191" y="1992800"/>
+            <a:ext cx="255684" cy="255684"/>
+          </a:xfrm>
+          <a:prstGeom prst="ellipse">
+            <a:avLst/>
+          </a:prstGeom>
+          <a:solidFill>
+            <a:srgbClr val="008000"/>
+          </a:solidFill>
+          <a:ln>
+            <a:solidFill>
+              <a:srgbClr val="000000"/>
+            </a:solidFill>
+          </a:ln>
+        </p:spPr>
+        <p:style>
+          <a:lnRef idx="1">
+            <a:schemeClr val="accent1"/>
+          </a:lnRef>
+          <a:fillRef idx="3">
+            <a:schemeClr val="accent1"/>
+          </a:fillRef>
+          <a:effectRef idx="2">
+            <a:schemeClr val="accent1"/>
+          </a:effectRef>
+          <a:fontRef idx="minor">
+            <a:schemeClr val="lt1"/>
+          </a:fontRef>
+        </p:style>
+        <p:txBody>
+          <a:bodyPr lIns="0" tIns="0" rIns="0" bIns="45720" rtlCol="0" anchor="ctr"/>
+          <a:lstStyle/>
+          <a:p>
+            <a:pPr algn="ctr"/>
+            <a:r>
+              <a:rPr lang="en-US" sz="1200" dirty="0"/>
+              <a:t>2</a:t>
+            </a:r>
+          </a:p>
+        </p:txBody>
+      </p:sp>
       <p:sp>
         <p:nvSpPr>
           <p:cNvPr id="33" name="Oval 32"/>
@@ -5632,14 +9892,14 @@
         <p:nvCxnSpPr>
           <p:cNvPr id="120" name="Straight Connector 119"/>
           <p:cNvCxnSpPr>
-            <a:endCxn id="36" idx="0"/>
+            <a:endCxn id="36" idx="1"/>
           </p:cNvCxnSpPr>
           <p:nvPr/>
         </p:nvCxnSpPr>
         <p:spPr>
           <a:xfrm>
             <a:off x="7312171" y="2417834"/>
-            <a:ext cx="682750" cy="457200"/>
+            <a:ext cx="592352" cy="494644"/>
           </a:xfrm>
           <a:prstGeom prst="line">
             <a:avLst/>
@@ -5858,6 +10118,235 @@
           </a:p>
         </p:txBody>
       </p:sp>
+      <p:cxnSp>
+        <p:nvCxnSpPr>
+          <p:cNvPr id="54" name="Straight Connector 53"/>
+          <p:cNvCxnSpPr/>
+          <p:nvPr/>
+        </p:nvCxnSpPr>
+        <p:spPr>
+          <a:xfrm flipV="1">
+            <a:off x="7367427" y="2211040"/>
+            <a:ext cx="162208" cy="74888"/>
+          </a:xfrm>
+          <a:prstGeom prst="line">
+            <a:avLst/>
+          </a:prstGeom>
+          <a:ln>
+            <a:solidFill>
+              <a:srgbClr val="008000"/>
+            </a:solidFill>
+          </a:ln>
+        </p:spPr>
+        <p:style>
+          <a:lnRef idx="2">
+            <a:schemeClr val="accent1"/>
+          </a:lnRef>
+          <a:fillRef idx="0">
+            <a:schemeClr val="accent1"/>
+          </a:fillRef>
+          <a:effectRef idx="1">
+            <a:schemeClr val="accent1"/>
+          </a:effectRef>
+          <a:fontRef idx="minor">
+            <a:schemeClr val="tx1"/>
+          </a:fontRef>
+        </p:style>
+      </p:cxnSp>
+      <p:cxnSp>
+        <p:nvCxnSpPr>
+          <p:cNvPr id="55" name="Straight Connector 54"/>
+          <p:cNvCxnSpPr/>
+          <p:nvPr/>
+        </p:nvCxnSpPr>
+        <p:spPr>
+          <a:xfrm flipH="1" flipV="1">
+            <a:off x="7710431" y="2211040"/>
+            <a:ext cx="284490" cy="663994"/>
+          </a:xfrm>
+          <a:prstGeom prst="line">
+            <a:avLst/>
+          </a:prstGeom>
+          <a:ln>
+            <a:solidFill>
+              <a:srgbClr val="008000"/>
+            </a:solidFill>
+          </a:ln>
+        </p:spPr>
+        <p:style>
+          <a:lnRef idx="2">
+            <a:schemeClr val="accent1"/>
+          </a:lnRef>
+          <a:fillRef idx="0">
+            <a:schemeClr val="accent1"/>
+          </a:fillRef>
+          <a:effectRef idx="1">
+            <a:schemeClr val="accent1"/>
+          </a:effectRef>
+          <a:fontRef idx="minor">
+            <a:schemeClr val="tx1"/>
+          </a:fontRef>
+        </p:style>
+      </p:cxnSp>
+      <p:cxnSp>
+        <p:nvCxnSpPr>
+          <p:cNvPr id="56" name="Straight Connector 55"/>
+          <p:cNvCxnSpPr/>
+          <p:nvPr/>
+        </p:nvCxnSpPr>
+        <p:spPr>
+          <a:xfrm flipV="1">
+            <a:off x="7283864" y="3586014"/>
+            <a:ext cx="254908" cy="105394"/>
+          </a:xfrm>
+          <a:prstGeom prst="line">
+            <a:avLst/>
+          </a:prstGeom>
+          <a:ln>
+            <a:solidFill>
+              <a:srgbClr val="008000"/>
+            </a:solidFill>
+          </a:ln>
+        </p:spPr>
+        <p:style>
+          <a:lnRef idx="2">
+            <a:schemeClr val="accent1"/>
+          </a:lnRef>
+          <a:fillRef idx="0">
+            <a:schemeClr val="accent1"/>
+          </a:fillRef>
+          <a:effectRef idx="1">
+            <a:schemeClr val="accent1"/>
+          </a:effectRef>
+          <a:fontRef idx="minor">
+            <a:schemeClr val="tx1"/>
+          </a:fontRef>
+        </p:style>
+      </p:cxnSp>
+      <p:cxnSp>
+        <p:nvCxnSpPr>
+          <p:cNvPr id="57" name="Straight Connector 56"/>
+          <p:cNvCxnSpPr/>
+          <p:nvPr/>
+        </p:nvCxnSpPr>
+        <p:spPr>
+          <a:xfrm flipH="1" flipV="1">
+            <a:off x="7614719" y="3639118"/>
+            <a:ext cx="380202" cy="1163930"/>
+          </a:xfrm>
+          <a:prstGeom prst="line">
+            <a:avLst/>
+          </a:prstGeom>
+          <a:ln>
+            <a:solidFill>
+              <a:srgbClr val="008000"/>
+            </a:solidFill>
+          </a:ln>
+        </p:spPr>
+        <p:style>
+          <a:lnRef idx="2">
+            <a:schemeClr val="accent1"/>
+          </a:lnRef>
+          <a:fillRef idx="0">
+            <a:schemeClr val="accent1"/>
+          </a:fillRef>
+          <a:effectRef idx="1">
+            <a:schemeClr val="accent1"/>
+          </a:effectRef>
+          <a:fontRef idx="minor">
+            <a:schemeClr val="tx1"/>
+          </a:fontRef>
+        </p:style>
+      </p:cxnSp>
+      <p:sp>
+        <p:nvSpPr>
+          <p:cNvPr id="58" name="TextBox 57"/>
+          <p:cNvSpPr txBox="1"/>
+          <p:nvPr/>
+        </p:nvSpPr>
+        <p:spPr>
+          <a:xfrm>
+            <a:off x="1780210" y="454881"/>
+            <a:ext cx="5583580" cy="369332"/>
+          </a:xfrm>
+          <a:prstGeom prst="rect">
+            <a:avLst/>
+          </a:prstGeom>
+          <a:noFill/>
+        </p:spPr>
+        <p:txBody>
+          <a:bodyPr wrap="none" rtlCol="0">
+            <a:spAutoFit/>
+          </a:bodyPr>
+          <a:lstStyle/>
+          <a:p>
+            <a:r>
+              <a:rPr lang="en-US" dirty="0" smtClean="0"/>
+              <a:t>Relations with </a:t>
+            </a:r>
+            <a:r>
+              <a:rPr lang="en-US" dirty="0" err="1" smtClean="0"/>
+              <a:t>DiscourseParts</a:t>
+            </a:r>
+            <a:r>
+              <a:rPr lang="en-US" dirty="0" smtClean="0"/>
+              <a:t> and between Contributions</a:t>
+            </a:r>
+            <a:endParaRPr lang="en-US" dirty="0"/>
+          </a:p>
+        </p:txBody>
+      </p:sp>
+      <p:sp>
+        <p:nvSpPr>
+          <p:cNvPr id="44" name="Oval 43"/>
+          <p:cNvSpPr>
+            <a:spLocks noChangeAspect="1"/>
+          </p:cNvSpPr>
+          <p:nvPr/>
+        </p:nvSpPr>
+        <p:spPr>
+          <a:xfrm>
+            <a:off x="7492191" y="3410534"/>
+            <a:ext cx="255684" cy="255684"/>
+          </a:xfrm>
+          <a:prstGeom prst="ellipse">
+            <a:avLst/>
+          </a:prstGeom>
+          <a:solidFill>
+            <a:srgbClr val="008000"/>
+          </a:solidFill>
+          <a:ln>
+            <a:solidFill>
+              <a:srgbClr val="000000"/>
+            </a:solidFill>
+          </a:ln>
+        </p:spPr>
+        <p:style>
+          <a:lnRef idx="1">
+            <a:schemeClr val="accent1"/>
+          </a:lnRef>
+          <a:fillRef idx="3">
+            <a:schemeClr val="accent1"/>
+          </a:fillRef>
+          <a:effectRef idx="2">
+            <a:schemeClr val="accent1"/>
+          </a:effectRef>
+          <a:fontRef idx="minor">
+            <a:schemeClr val="lt1"/>
+          </a:fontRef>
+        </p:style>
+        <p:txBody>
+          <a:bodyPr lIns="0" tIns="0" rIns="0" bIns="45720" rtlCol="0" anchor="ctr"/>
+          <a:lstStyle/>
+          <a:p>
+            <a:pPr algn="ctr"/>
+            <a:r>
+              <a:rPr lang="en-US" sz="1200" dirty="0"/>
+              <a:t>2</a:t>
+            </a:r>
+          </a:p>
+        </p:txBody>
+      </p:sp>
       <p:sp>
         <p:nvSpPr>
           <p:cNvPr id="37" name="Oval 36"/>
@@ -5913,7 +10402,4253 @@
     </p:spTree>
     <p:extLst>
       <p:ext uri="{BB962C8B-B14F-4D97-AF65-F5344CB8AC3E}">
-        <p14:creationId xmlns:p14="http://schemas.microsoft.com/office/powerpoint/2010/main" val="4202061864"/>
+        <p14:creationId xmlns:p14="http://schemas.microsoft.com/office/powerpoint/2010/main" val="3529596766"/>
+      </p:ext>
+    </p:extLst>
+  </p:cSld>
+  <p:clrMapOvr>
+    <a:masterClrMapping/>
+  </p:clrMapOvr>
+  <p:timing>
+    <p:tnLst>
+      <p:par>
+        <p:cTn xmlns:p14="http://schemas.microsoft.com/office/powerpoint/2010/main" id="1" dur="indefinite" restart="never" nodeType="tmRoot">
+          <p:childTnLst>
+            <p:seq concurrent="1" nextAc="seek">
+              <p:cTn id="2" dur="indefinite" nodeType="mainSeq">
+                <p:childTnLst>
+                  <p:par>
+                    <p:cTn id="3" fill="hold">
+                      <p:stCondLst>
+                        <p:cond delay="indefinite"/>
+                      </p:stCondLst>
+                      <p:childTnLst>
+                        <p:par>
+                          <p:cTn id="4" fill="hold">
+                            <p:stCondLst>
+                              <p:cond delay="0"/>
+                            </p:stCondLst>
+                            <p:childTnLst>
+                              <p:par>
+                                <p:cTn id="5" presetID="1" presetClass="entr" presetSubtype="0" fill="hold" grpId="0" nodeType="clickEffect">
+                                  <p:stCondLst>
+                                    <p:cond delay="0"/>
+                                  </p:stCondLst>
+                                  <p:childTnLst>
+                                    <p:set>
+                                      <p:cBhvr>
+                                        <p:cTn id="6" dur="1" fill="hold">
+                                          <p:stCondLst>
+                                            <p:cond delay="0"/>
+                                          </p:stCondLst>
+                                        </p:cTn>
+                                        <p:tgtEl>
+                                          <p:spTgt spid="20"/>
+                                        </p:tgtEl>
+                                        <p:attrNameLst>
+                                          <p:attrName>style.visibility</p:attrName>
+                                        </p:attrNameLst>
+                                      </p:cBhvr>
+                                      <p:to>
+                                        <p:strVal val="visible"/>
+                                      </p:to>
+                                    </p:set>
+                                  </p:childTnLst>
+                                </p:cTn>
+                              </p:par>
+                              <p:par>
+                                <p:cTn id="7" presetID="1" presetClass="entr" presetSubtype="0" fill="hold" grpId="0" nodeType="withEffect">
+                                  <p:stCondLst>
+                                    <p:cond delay="0"/>
+                                  </p:stCondLst>
+                                  <p:childTnLst>
+                                    <p:set>
+                                      <p:cBhvr>
+                                        <p:cTn id="8" dur="1" fill="hold">
+                                          <p:stCondLst>
+                                            <p:cond delay="0"/>
+                                          </p:stCondLst>
+                                        </p:cTn>
+                                        <p:tgtEl>
+                                          <p:spTgt spid="21"/>
+                                        </p:tgtEl>
+                                        <p:attrNameLst>
+                                          <p:attrName>style.visibility</p:attrName>
+                                        </p:attrNameLst>
+                                      </p:cBhvr>
+                                      <p:to>
+                                        <p:strVal val="visible"/>
+                                      </p:to>
+                                    </p:set>
+                                  </p:childTnLst>
+                                </p:cTn>
+                              </p:par>
+                            </p:childTnLst>
+                          </p:cTn>
+                        </p:par>
+                      </p:childTnLst>
+                    </p:cTn>
+                  </p:par>
+                  <p:par>
+                    <p:cTn id="9" fill="hold">
+                      <p:stCondLst>
+                        <p:cond delay="indefinite"/>
+                      </p:stCondLst>
+                      <p:childTnLst>
+                        <p:par>
+                          <p:cTn id="10" fill="hold">
+                            <p:stCondLst>
+                              <p:cond delay="0"/>
+                            </p:stCondLst>
+                            <p:childTnLst>
+                              <p:par>
+                                <p:cTn id="11" presetID="1" presetClass="entr" presetSubtype="0" fill="hold" grpId="0" nodeType="clickEffect">
+                                  <p:stCondLst>
+                                    <p:cond delay="0"/>
+                                  </p:stCondLst>
+                                  <p:childTnLst>
+                                    <p:set>
+                                      <p:cBhvr>
+                                        <p:cTn id="12" dur="1" fill="hold">
+                                          <p:stCondLst>
+                                            <p:cond delay="0"/>
+                                          </p:stCondLst>
+                                        </p:cTn>
+                                        <p:tgtEl>
+                                          <p:spTgt spid="25"/>
+                                        </p:tgtEl>
+                                        <p:attrNameLst>
+                                          <p:attrName>style.visibility</p:attrName>
+                                        </p:attrNameLst>
+                                      </p:cBhvr>
+                                      <p:to>
+                                        <p:strVal val="visible"/>
+                                      </p:to>
+                                    </p:set>
+                                  </p:childTnLst>
+                                </p:cTn>
+                              </p:par>
+                              <p:par>
+                                <p:cTn id="13" presetID="1" presetClass="entr" presetSubtype="0" fill="hold" grpId="0" nodeType="withEffect">
+                                  <p:stCondLst>
+                                    <p:cond delay="0"/>
+                                  </p:stCondLst>
+                                  <p:childTnLst>
+                                    <p:set>
+                                      <p:cBhvr>
+                                        <p:cTn id="14" dur="1" fill="hold">
+                                          <p:stCondLst>
+                                            <p:cond delay="0"/>
+                                          </p:stCondLst>
+                                        </p:cTn>
+                                        <p:tgtEl>
+                                          <p:spTgt spid="24"/>
+                                        </p:tgtEl>
+                                        <p:attrNameLst>
+                                          <p:attrName>style.visibility</p:attrName>
+                                        </p:attrNameLst>
+                                      </p:cBhvr>
+                                      <p:to>
+                                        <p:strVal val="visible"/>
+                                      </p:to>
+                                    </p:set>
+                                  </p:childTnLst>
+                                </p:cTn>
+                              </p:par>
+                              <p:par>
+                                <p:cTn id="15" presetID="1" presetClass="entr" presetSubtype="0" fill="hold" grpId="0" nodeType="withEffect">
+                                  <p:stCondLst>
+                                    <p:cond delay="0"/>
+                                  </p:stCondLst>
+                                  <p:childTnLst>
+                                    <p:set>
+                                      <p:cBhvr>
+                                        <p:cTn id="16" dur="1" fill="hold">
+                                          <p:stCondLst>
+                                            <p:cond delay="0"/>
+                                          </p:stCondLst>
+                                        </p:cTn>
+                                        <p:tgtEl>
+                                          <p:spTgt spid="22"/>
+                                        </p:tgtEl>
+                                        <p:attrNameLst>
+                                          <p:attrName>style.visibility</p:attrName>
+                                        </p:attrNameLst>
+                                      </p:cBhvr>
+                                      <p:to>
+                                        <p:strVal val="visible"/>
+                                      </p:to>
+                                    </p:set>
+                                  </p:childTnLst>
+                                </p:cTn>
+                              </p:par>
+                              <p:par>
+                                <p:cTn id="17" presetID="1" presetClass="entr" presetSubtype="0" fill="hold" grpId="0" nodeType="withEffect">
+                                  <p:stCondLst>
+                                    <p:cond delay="0"/>
+                                  </p:stCondLst>
+                                  <p:childTnLst>
+                                    <p:set>
+                                      <p:cBhvr>
+                                        <p:cTn id="18" dur="1" fill="hold">
+                                          <p:stCondLst>
+                                            <p:cond delay="0"/>
+                                          </p:stCondLst>
+                                        </p:cTn>
+                                        <p:tgtEl>
+                                          <p:spTgt spid="23"/>
+                                        </p:tgtEl>
+                                        <p:attrNameLst>
+                                          <p:attrName>style.visibility</p:attrName>
+                                        </p:attrNameLst>
+                                      </p:cBhvr>
+                                      <p:to>
+                                        <p:strVal val="visible"/>
+                                      </p:to>
+                                    </p:set>
+                                  </p:childTnLst>
+                                </p:cTn>
+                              </p:par>
+                            </p:childTnLst>
+                          </p:cTn>
+                        </p:par>
+                      </p:childTnLst>
+                    </p:cTn>
+                  </p:par>
+                </p:childTnLst>
+              </p:cTn>
+              <p:prevCondLst>
+                <p:cond evt="onPrev" delay="0">
+                  <p:tgtEl>
+                    <p:sldTgt/>
+                  </p:tgtEl>
+                </p:cond>
+              </p:prevCondLst>
+              <p:nextCondLst>
+                <p:cond evt="onNext" delay="0">
+                  <p:tgtEl>
+                    <p:sldTgt/>
+                  </p:tgtEl>
+                </p:cond>
+              </p:nextCondLst>
+            </p:seq>
+          </p:childTnLst>
+        </p:cTn>
+      </p:par>
+    </p:tnLst>
+    <p:bldLst>
+      <p:bldP spid="20" grpId="0" animBg="1"/>
+      <p:bldP spid="21" grpId="0" animBg="1"/>
+      <p:bldP spid="22" grpId="0" animBg="1"/>
+      <p:bldP spid="23" grpId="0" animBg="1"/>
+      <p:bldP spid="24" grpId="0" animBg="1"/>
+      <p:bldP spid="25" grpId="0" animBg="1"/>
+    </p:bldLst>
+  </p:timing>
+</p:sld>
+</file>
+
+<file path=ppt/slides/slide4.xml><?xml version="1.0" encoding="utf-8"?>
+<p:sld xmlns:a="http://schemas.openxmlformats.org/drawingml/2006/main" xmlns:r="http://schemas.openxmlformats.org/officeDocument/2006/relationships" xmlns:p="http://schemas.openxmlformats.org/presentationml/2006/main">
+  <p:cSld>
+    <p:spTree>
+      <p:nvGrpSpPr>
+        <p:cNvPr id="1" name=""/>
+        <p:cNvGrpSpPr/>
+        <p:nvPr/>
+      </p:nvGrpSpPr>
+      <p:grpSpPr>
+        <a:xfrm>
+          <a:off x="0" y="0"/>
+          <a:ext cx="0" cy="0"/>
+          <a:chOff x="0" y="0"/>
+          <a:chExt cx="0" cy="0"/>
+        </a:xfrm>
+      </p:grpSpPr>
+      <p:pic>
+        <p:nvPicPr>
+          <p:cNvPr id="4" name="Picture 5" descr="C:\Users\ferschke\Desktop\article.png"/>
+          <p:cNvPicPr>
+            <a:picLocks noChangeAspect="1" noChangeArrowheads="1"/>
+          </p:cNvPicPr>
+          <p:nvPr/>
+        </p:nvPicPr>
+        <p:blipFill>
+          <a:blip r:embed="rId3" cstate="print">
+            <a:extLst>
+              <a:ext uri="{28A0092B-C50C-407E-A947-70E740481C1C}">
+                <a14:useLocalDpi xmlns:a14="http://schemas.microsoft.com/office/drawing/2010/main" val="0"/>
+              </a:ext>
+            </a:extLst>
+          </a:blip>
+          <a:srcRect/>
+          <a:stretch>
+            <a:fillRect/>
+          </a:stretch>
+        </p:blipFill>
+        <p:spPr bwMode="auto">
+          <a:xfrm>
+            <a:off x="721725" y="1053539"/>
+            <a:ext cx="3362735" cy="4604720"/>
+          </a:xfrm>
+          <a:prstGeom prst="rect">
+            <a:avLst/>
+          </a:prstGeom>
+          <a:noFill/>
+          <a:extLst>
+            <a:ext uri="{909E8E84-426E-40dd-AFC4-6F175D3DCCD1}">
+              <a14:hiddenFill xmlns:a14="http://schemas.microsoft.com/office/drawing/2010/main">
+                <a:solidFill>
+                  <a:srgbClr val="FFFFFF"/>
+                </a:solidFill>
+              </a14:hiddenFill>
+            </a:ext>
+          </a:extLst>
+        </p:spPr>
+      </p:pic>
+      <p:sp>
+        <p:nvSpPr>
+          <p:cNvPr id="9" name="Rechteck 8"/>
+          <p:cNvSpPr/>
+          <p:nvPr/>
+        </p:nvSpPr>
+        <p:spPr>
+          <a:xfrm>
+            <a:off x="697885" y="1072485"/>
+            <a:ext cx="3454670" cy="4604720"/>
+          </a:xfrm>
+          <a:prstGeom prst="rect">
+            <a:avLst/>
+          </a:prstGeom>
+          <a:noFill/>
+          <a:ln>
+            <a:solidFill>
+              <a:srgbClr val="660066"/>
+            </a:solidFill>
+          </a:ln>
+        </p:spPr>
+        <p:style>
+          <a:lnRef idx="2">
+            <a:schemeClr val="accent1">
+              <a:shade val="50000"/>
+            </a:schemeClr>
+          </a:lnRef>
+          <a:fillRef idx="1">
+            <a:schemeClr val="accent1"/>
+          </a:fillRef>
+          <a:effectRef idx="0">
+            <a:schemeClr val="accent1"/>
+          </a:effectRef>
+          <a:fontRef idx="minor">
+            <a:schemeClr val="lt1"/>
+          </a:fontRef>
+        </p:style>
+        <p:txBody>
+          <a:bodyPr anchor="ctr"/>
+          <a:lstStyle/>
+          <a:p>
+            <a:pPr algn="ctr">
+              <a:defRPr/>
+            </a:pPr>
+            <a:endParaRPr lang="de-DE"/>
+          </a:p>
+        </p:txBody>
+      </p:sp>
+      <p:grpSp>
+        <p:nvGrpSpPr>
+          <p:cNvPr id="16" name="Gruppieren 3"/>
+          <p:cNvGrpSpPr/>
+          <p:nvPr/>
+        </p:nvGrpSpPr>
+        <p:grpSpPr>
+          <a:xfrm>
+            <a:off x="5121825" y="1075762"/>
+            <a:ext cx="3448050" cy="4579723"/>
+            <a:chOff x="2095500" y="1774208"/>
+            <a:chExt cx="3327494" cy="4419600"/>
+          </a:xfrm>
+        </p:grpSpPr>
+        <p:pic>
+          <p:nvPicPr>
+            <p:cNvPr id="17" name="Picture 6" descr="C:\Users\ferschke\Desktop\tp1.png"/>
+            <p:cNvPicPr>
+              <a:picLocks noChangeAspect="1" noChangeArrowheads="1"/>
+            </p:cNvPicPr>
+            <p:nvPr/>
+          </p:nvPicPr>
+          <p:blipFill rotWithShape="1">
+            <a:blip r:embed="rId4" cstate="print">
+              <a:extLst>
+                <a:ext uri="{28A0092B-C50C-407E-A947-70E740481C1C}">
+                  <a14:useLocalDpi xmlns:a14="http://schemas.microsoft.com/office/drawing/2010/main" val="0"/>
+                </a:ext>
+              </a:extLst>
+            </a:blip>
+            <a:srcRect l="2771"/>
+            <a:stretch/>
+          </p:blipFill>
+          <p:spPr bwMode="auto">
+            <a:xfrm>
+              <a:off x="2095500" y="1774209"/>
+              <a:ext cx="3315784" cy="1076312"/>
+            </a:xfrm>
+            <a:prstGeom prst="rect">
+              <a:avLst/>
+            </a:prstGeom>
+            <a:noFill/>
+            <a:ln>
+              <a:noFill/>
+            </a:ln>
+            <a:extLst>
+              <a:ext uri="{909E8E84-426E-40dd-AFC4-6F175D3DCCD1}">
+                <a14:hiddenFill xmlns:a14="http://schemas.microsoft.com/office/drawing/2010/main">
+                  <a:solidFill>
+                    <a:srgbClr val="FFFFFF"/>
+                  </a:solidFill>
+                </a14:hiddenFill>
+              </a:ext>
+            </a:extLst>
+          </p:spPr>
+        </p:pic>
+        <p:pic>
+          <p:nvPicPr>
+            <p:cNvPr id="18" name="Picture 7" descr="C:\Users\ferschke\Desktop\tp2.png"/>
+            <p:cNvPicPr>
+              <a:picLocks noChangeAspect="1" noChangeArrowheads="1"/>
+            </p:cNvPicPr>
+            <p:nvPr/>
+          </p:nvPicPr>
+          <p:blipFill rotWithShape="1">
+            <a:blip r:embed="rId5" cstate="print">
+              <a:extLst>
+                <a:ext uri="{28A0092B-C50C-407E-A947-70E740481C1C}">
+                  <a14:useLocalDpi xmlns:a14="http://schemas.microsoft.com/office/drawing/2010/main" val="0"/>
+                </a:ext>
+              </a:extLst>
+            </a:blip>
+            <a:srcRect b="22857"/>
+            <a:stretch/>
+          </p:blipFill>
+          <p:spPr bwMode="auto">
+            <a:xfrm>
+              <a:off x="2095500" y="2795929"/>
+              <a:ext cx="3327494" cy="3343287"/>
+            </a:xfrm>
+            <a:prstGeom prst="rect">
+              <a:avLst/>
+            </a:prstGeom>
+            <a:noFill/>
+            <a:ln>
+              <a:noFill/>
+            </a:ln>
+            <a:extLst>
+              <a:ext uri="{909E8E84-426E-40dd-AFC4-6F175D3DCCD1}">
+                <a14:hiddenFill xmlns:a14="http://schemas.microsoft.com/office/drawing/2010/main">
+                  <a:solidFill>
+                    <a:srgbClr val="FFFFFF"/>
+                  </a:solidFill>
+                </a14:hiddenFill>
+              </a:ext>
+            </a:extLst>
+          </p:spPr>
+        </p:pic>
+        <p:sp>
+          <p:nvSpPr>
+            <p:cNvPr id="19" name="Rechteck 6"/>
+            <p:cNvSpPr/>
+            <p:nvPr/>
+          </p:nvSpPr>
+          <p:spPr>
+            <a:xfrm>
+              <a:off x="2095500" y="1774208"/>
+              <a:ext cx="3315784" cy="4419600"/>
+            </a:xfrm>
+            <a:prstGeom prst="rect">
+              <a:avLst/>
+            </a:prstGeom>
+            <a:noFill/>
+            <a:ln>
+              <a:noFill/>
+            </a:ln>
+          </p:spPr>
+          <p:style>
+            <a:lnRef idx="2">
+              <a:schemeClr val="accent1">
+                <a:shade val="50000"/>
+              </a:schemeClr>
+            </a:lnRef>
+            <a:fillRef idx="1">
+              <a:schemeClr val="accent1"/>
+            </a:fillRef>
+            <a:effectRef idx="0">
+              <a:schemeClr val="accent1"/>
+            </a:effectRef>
+            <a:fontRef idx="minor">
+              <a:schemeClr val="lt1"/>
+            </a:fontRef>
+          </p:style>
+          <p:txBody>
+            <a:bodyPr anchor="ctr"/>
+            <a:lstStyle/>
+            <a:p>
+              <a:pPr algn="ctr">
+                <a:defRPr/>
+              </a:pPr>
+              <a:endParaRPr lang="de-DE"/>
+            </a:p>
+          </p:txBody>
+        </p:sp>
+      </p:grpSp>
+      <p:sp>
+        <p:nvSpPr>
+          <p:cNvPr id="20" name="Rechteck 7"/>
+          <p:cNvSpPr/>
+          <p:nvPr/>
+        </p:nvSpPr>
+        <p:spPr>
+          <a:xfrm>
+            <a:off x="5121825" y="2134500"/>
+            <a:ext cx="3435916" cy="1337201"/>
+          </a:xfrm>
+          <a:prstGeom prst="rect">
+            <a:avLst/>
+          </a:prstGeom>
+          <a:noFill/>
+          <a:ln>
+            <a:solidFill>
+              <a:srgbClr val="008000"/>
+            </a:solidFill>
+          </a:ln>
+        </p:spPr>
+        <p:style>
+          <a:lnRef idx="2">
+            <a:schemeClr val="accent1">
+              <a:shade val="50000"/>
+            </a:schemeClr>
+          </a:lnRef>
+          <a:fillRef idx="1">
+            <a:schemeClr val="accent1"/>
+          </a:fillRef>
+          <a:effectRef idx="0">
+            <a:schemeClr val="accent1"/>
+          </a:effectRef>
+          <a:fontRef idx="minor">
+            <a:schemeClr val="lt1"/>
+          </a:fontRef>
+        </p:style>
+        <p:txBody>
+          <a:bodyPr rtlCol="0" anchor="ctr"/>
+          <a:lstStyle/>
+          <a:p>
+            <a:pPr algn="ctr"/>
+            <a:endParaRPr lang="de-DE"/>
+          </a:p>
+        </p:txBody>
+      </p:sp>
+      <p:sp>
+        <p:nvSpPr>
+          <p:cNvPr id="21" name="Rechteck 8"/>
+          <p:cNvSpPr/>
+          <p:nvPr/>
+        </p:nvSpPr>
+        <p:spPr>
+          <a:xfrm>
+            <a:off x="5121825" y="3538376"/>
+            <a:ext cx="3435916" cy="2060539"/>
+          </a:xfrm>
+          <a:prstGeom prst="rect">
+            <a:avLst/>
+          </a:prstGeom>
+          <a:noFill/>
+          <a:ln>
+            <a:solidFill>
+              <a:srgbClr val="008000"/>
+            </a:solidFill>
+          </a:ln>
+        </p:spPr>
+        <p:style>
+          <a:lnRef idx="2">
+            <a:schemeClr val="accent1">
+              <a:shade val="50000"/>
+            </a:schemeClr>
+          </a:lnRef>
+          <a:fillRef idx="1">
+            <a:schemeClr val="accent1"/>
+          </a:fillRef>
+          <a:effectRef idx="0">
+            <a:schemeClr val="accent1"/>
+          </a:effectRef>
+          <a:fontRef idx="minor">
+            <a:schemeClr val="lt1"/>
+          </a:fontRef>
+        </p:style>
+        <p:txBody>
+          <a:bodyPr rtlCol="0" anchor="ctr"/>
+          <a:lstStyle/>
+          <a:p>
+            <a:pPr algn="ctr"/>
+            <a:endParaRPr lang="de-DE"/>
+          </a:p>
+        </p:txBody>
+      </p:sp>
+      <p:sp>
+        <p:nvSpPr>
+          <p:cNvPr id="22" name="Rechteck 9"/>
+          <p:cNvSpPr/>
+          <p:nvPr/>
+        </p:nvSpPr>
+        <p:spPr>
+          <a:xfrm>
+            <a:off x="5152800" y="3002876"/>
+            <a:ext cx="3348000" cy="432000"/>
+          </a:xfrm>
+          <a:prstGeom prst="rect">
+            <a:avLst/>
+          </a:prstGeom>
+          <a:noFill/>
+          <a:ln>
+            <a:solidFill>
+              <a:srgbClr val="FF0000"/>
+            </a:solidFill>
+          </a:ln>
+        </p:spPr>
+        <p:style>
+          <a:lnRef idx="2">
+            <a:schemeClr val="accent1">
+              <a:shade val="50000"/>
+            </a:schemeClr>
+          </a:lnRef>
+          <a:fillRef idx="1">
+            <a:schemeClr val="accent1"/>
+          </a:fillRef>
+          <a:effectRef idx="0">
+            <a:schemeClr val="accent1"/>
+          </a:effectRef>
+          <a:fontRef idx="minor">
+            <a:schemeClr val="lt1"/>
+          </a:fontRef>
+        </p:style>
+        <p:txBody>
+          <a:bodyPr rtlCol="0" anchor="ctr"/>
+          <a:lstStyle/>
+          <a:p>
+            <a:pPr algn="ctr"/>
+            <a:endParaRPr lang="de-DE"/>
+          </a:p>
+        </p:txBody>
+      </p:sp>
+      <p:sp>
+        <p:nvSpPr>
+          <p:cNvPr id="23" name="Rechteck 10"/>
+          <p:cNvSpPr/>
+          <p:nvPr/>
+        </p:nvSpPr>
+        <p:spPr>
+          <a:xfrm>
+            <a:off x="5162325" y="2376326"/>
+            <a:ext cx="3348000" cy="582300"/>
+          </a:xfrm>
+          <a:prstGeom prst="rect">
+            <a:avLst/>
+          </a:prstGeom>
+          <a:noFill/>
+          <a:ln>
+            <a:solidFill>
+              <a:srgbClr val="FF0000"/>
+            </a:solidFill>
+          </a:ln>
+        </p:spPr>
+        <p:style>
+          <a:lnRef idx="2">
+            <a:schemeClr val="accent1">
+              <a:shade val="50000"/>
+            </a:schemeClr>
+          </a:lnRef>
+          <a:fillRef idx="1">
+            <a:schemeClr val="accent1"/>
+          </a:fillRef>
+          <a:effectRef idx="0">
+            <a:schemeClr val="accent1"/>
+          </a:effectRef>
+          <a:fontRef idx="minor">
+            <a:schemeClr val="lt1"/>
+          </a:fontRef>
+        </p:style>
+        <p:txBody>
+          <a:bodyPr rtlCol="0" anchor="ctr"/>
+          <a:lstStyle/>
+          <a:p>
+            <a:pPr algn="ctr"/>
+            <a:endParaRPr lang="de-DE"/>
+          </a:p>
+        </p:txBody>
+      </p:sp>
+      <p:sp>
+        <p:nvSpPr>
+          <p:cNvPr id="24" name="Rechteck 11"/>
+          <p:cNvSpPr/>
+          <p:nvPr/>
+        </p:nvSpPr>
+        <p:spPr>
+          <a:xfrm>
+            <a:off x="5162325" y="3728876"/>
+            <a:ext cx="3348000" cy="1152000"/>
+          </a:xfrm>
+          <a:prstGeom prst="rect">
+            <a:avLst/>
+          </a:prstGeom>
+          <a:noFill/>
+          <a:ln>
+            <a:solidFill>
+              <a:srgbClr val="FF0000"/>
+            </a:solidFill>
+          </a:ln>
+        </p:spPr>
+        <p:style>
+          <a:lnRef idx="2">
+            <a:schemeClr val="accent1">
+              <a:shade val="50000"/>
+            </a:schemeClr>
+          </a:lnRef>
+          <a:fillRef idx="1">
+            <a:schemeClr val="accent1"/>
+          </a:fillRef>
+          <a:effectRef idx="0">
+            <a:schemeClr val="accent1"/>
+          </a:effectRef>
+          <a:fontRef idx="minor">
+            <a:schemeClr val="lt1"/>
+          </a:fontRef>
+        </p:style>
+        <p:txBody>
+          <a:bodyPr rtlCol="0" anchor="ctr"/>
+          <a:lstStyle/>
+          <a:p>
+            <a:pPr algn="ctr"/>
+            <a:endParaRPr lang="de-DE"/>
+          </a:p>
+        </p:txBody>
+      </p:sp>
+      <p:sp>
+        <p:nvSpPr>
+          <p:cNvPr id="25" name="Rechteck 12"/>
+          <p:cNvSpPr/>
+          <p:nvPr/>
+        </p:nvSpPr>
+        <p:spPr>
+          <a:xfrm>
+            <a:off x="5162325" y="4930890"/>
+            <a:ext cx="3348000" cy="504000"/>
+          </a:xfrm>
+          <a:prstGeom prst="rect">
+            <a:avLst/>
+          </a:prstGeom>
+          <a:noFill/>
+          <a:ln>
+            <a:solidFill>
+              <a:srgbClr val="FF0000"/>
+            </a:solidFill>
+          </a:ln>
+        </p:spPr>
+        <p:style>
+          <a:lnRef idx="2">
+            <a:schemeClr val="accent1">
+              <a:shade val="50000"/>
+            </a:schemeClr>
+          </a:lnRef>
+          <a:fillRef idx="1">
+            <a:schemeClr val="accent1"/>
+          </a:fillRef>
+          <a:effectRef idx="0">
+            <a:schemeClr val="accent1"/>
+          </a:effectRef>
+          <a:fontRef idx="minor">
+            <a:schemeClr val="lt1"/>
+          </a:fontRef>
+        </p:style>
+        <p:txBody>
+          <a:bodyPr rtlCol="0" anchor="ctr"/>
+          <a:lstStyle/>
+          <a:p>
+            <a:pPr algn="ctr"/>
+            <a:endParaRPr lang="de-DE"/>
+          </a:p>
+        </p:txBody>
+      </p:sp>
+      <p:sp>
+        <p:nvSpPr>
+          <p:cNvPr id="28" name="Rechteck 8"/>
+          <p:cNvSpPr/>
+          <p:nvPr/>
+        </p:nvSpPr>
+        <p:spPr>
+          <a:xfrm>
+            <a:off x="5044931" y="1061397"/>
+            <a:ext cx="3615697" cy="4594088"/>
+          </a:xfrm>
+          <a:prstGeom prst="rect">
+            <a:avLst/>
+          </a:prstGeom>
+          <a:noFill/>
+          <a:ln>
+            <a:solidFill>
+              <a:srgbClr val="008000"/>
+            </a:solidFill>
+          </a:ln>
+        </p:spPr>
+        <p:style>
+          <a:lnRef idx="2">
+            <a:schemeClr val="accent1">
+              <a:shade val="50000"/>
+            </a:schemeClr>
+          </a:lnRef>
+          <a:fillRef idx="1">
+            <a:schemeClr val="accent1"/>
+          </a:fillRef>
+          <a:effectRef idx="0">
+            <a:schemeClr val="accent1"/>
+          </a:effectRef>
+          <a:fontRef idx="minor">
+            <a:schemeClr val="lt1"/>
+          </a:fontRef>
+        </p:style>
+        <p:txBody>
+          <a:bodyPr anchor="ctr"/>
+          <a:lstStyle/>
+          <a:p>
+            <a:pPr algn="ctr">
+              <a:defRPr/>
+            </a:pPr>
+            <a:endParaRPr lang="de-DE"/>
+          </a:p>
+        </p:txBody>
+      </p:sp>
+      <p:sp>
+        <p:nvSpPr>
+          <p:cNvPr id="45" name="Oval 44"/>
+          <p:cNvSpPr>
+            <a:spLocks noChangeAspect="1"/>
+          </p:cNvSpPr>
+          <p:nvPr/>
+        </p:nvSpPr>
+        <p:spPr>
+          <a:xfrm>
+            <a:off x="877309" y="1865027"/>
+            <a:ext cx="255684" cy="255684"/>
+          </a:xfrm>
+          <a:prstGeom prst="ellipse">
+            <a:avLst/>
+          </a:prstGeom>
+          <a:solidFill>
+            <a:schemeClr val="tx2">
+              <a:lumMod val="60000"/>
+              <a:lumOff val="40000"/>
+            </a:schemeClr>
+          </a:solidFill>
+          <a:ln>
+            <a:solidFill>
+              <a:schemeClr val="tx1"/>
+            </a:solidFill>
+          </a:ln>
+        </p:spPr>
+        <p:style>
+          <a:lnRef idx="1">
+            <a:schemeClr val="accent1"/>
+          </a:lnRef>
+          <a:fillRef idx="3">
+            <a:schemeClr val="accent1"/>
+          </a:fillRef>
+          <a:effectRef idx="2">
+            <a:schemeClr val="accent1"/>
+          </a:effectRef>
+          <a:fontRef idx="minor">
+            <a:schemeClr val="lt1"/>
+          </a:fontRef>
+        </p:style>
+        <p:txBody>
+          <a:bodyPr lIns="0" tIns="0" rIns="0" bIns="45720" rtlCol="0" anchor="ctr"/>
+          <a:lstStyle/>
+          <a:p>
+            <a:pPr algn="ctr"/>
+            <a:r>
+              <a:rPr lang="en-US" sz="1200" dirty="0" smtClean="0"/>
+              <a:t>4b</a:t>
+            </a:r>
+            <a:endParaRPr lang="en-US" sz="1200" dirty="0"/>
+          </a:p>
+        </p:txBody>
+      </p:sp>
+      <p:sp>
+        <p:nvSpPr>
+          <p:cNvPr id="47" name="Oval 46"/>
+          <p:cNvSpPr>
+            <a:spLocks noChangeAspect="1"/>
+          </p:cNvSpPr>
+          <p:nvPr/>
+        </p:nvSpPr>
+        <p:spPr>
+          <a:xfrm>
+            <a:off x="877309" y="2533107"/>
+            <a:ext cx="255684" cy="255684"/>
+          </a:xfrm>
+          <a:prstGeom prst="ellipse">
+            <a:avLst/>
+          </a:prstGeom>
+          <a:solidFill>
+            <a:schemeClr val="tx2">
+              <a:lumMod val="60000"/>
+              <a:lumOff val="40000"/>
+            </a:schemeClr>
+          </a:solidFill>
+          <a:ln>
+            <a:solidFill>
+              <a:schemeClr val="tx1"/>
+            </a:solidFill>
+          </a:ln>
+        </p:spPr>
+        <p:style>
+          <a:lnRef idx="1">
+            <a:schemeClr val="accent1"/>
+          </a:lnRef>
+          <a:fillRef idx="3">
+            <a:schemeClr val="accent1"/>
+          </a:fillRef>
+          <a:effectRef idx="2">
+            <a:schemeClr val="accent1"/>
+          </a:effectRef>
+          <a:fontRef idx="minor">
+            <a:schemeClr val="lt1"/>
+          </a:fontRef>
+        </p:style>
+        <p:txBody>
+          <a:bodyPr lIns="0" tIns="0" rIns="0" bIns="45720" rtlCol="0" anchor="ctr"/>
+          <a:lstStyle/>
+          <a:p>
+            <a:pPr algn="ctr"/>
+            <a:r>
+              <a:rPr lang="en-US" sz="1200" dirty="0" smtClean="0"/>
+              <a:t>4b</a:t>
+            </a:r>
+            <a:endParaRPr lang="en-US" sz="1200" dirty="0"/>
+          </a:p>
+        </p:txBody>
+      </p:sp>
+      <p:grpSp>
+        <p:nvGrpSpPr>
+          <p:cNvPr id="59" name="Group 58"/>
+          <p:cNvGrpSpPr/>
+          <p:nvPr/>
+        </p:nvGrpSpPr>
+        <p:grpSpPr>
+          <a:xfrm>
+            <a:off x="956857" y="2162277"/>
+            <a:ext cx="100854" cy="343015"/>
+            <a:chOff x="1334924" y="166873"/>
+            <a:chExt cx="100854" cy="343015"/>
+          </a:xfrm>
+        </p:grpSpPr>
+        <p:cxnSp>
+          <p:nvCxnSpPr>
+            <p:cNvPr id="52" name="Straight Arrow Connector 51"/>
+            <p:cNvCxnSpPr/>
+            <p:nvPr/>
+          </p:nvCxnSpPr>
+          <p:spPr>
+            <a:xfrm flipV="1">
+              <a:off x="1334924" y="166873"/>
+              <a:ext cx="0" cy="343015"/>
+            </a:xfrm>
+            <a:prstGeom prst="straightConnector1">
+              <a:avLst/>
+            </a:prstGeom>
+            <a:ln>
+              <a:tailEnd type="arrow"/>
+            </a:ln>
+          </p:spPr>
+          <p:style>
+            <a:lnRef idx="2">
+              <a:schemeClr val="accent1"/>
+            </a:lnRef>
+            <a:fillRef idx="0">
+              <a:schemeClr val="accent1"/>
+            </a:fillRef>
+            <a:effectRef idx="1">
+              <a:schemeClr val="accent1"/>
+            </a:effectRef>
+            <a:fontRef idx="minor">
+              <a:schemeClr val="tx1"/>
+            </a:fontRef>
+          </p:style>
+        </p:cxnSp>
+        <p:cxnSp>
+          <p:nvCxnSpPr>
+            <p:cNvPr id="53" name="Straight Arrow Connector 52"/>
+            <p:cNvCxnSpPr/>
+            <p:nvPr/>
+          </p:nvCxnSpPr>
+          <p:spPr>
+            <a:xfrm>
+              <a:off x="1435778" y="166873"/>
+              <a:ext cx="0" cy="343015"/>
+            </a:xfrm>
+            <a:prstGeom prst="straightConnector1">
+              <a:avLst/>
+            </a:prstGeom>
+            <a:ln>
+              <a:tailEnd type="arrow"/>
+            </a:ln>
+          </p:spPr>
+          <p:style>
+            <a:lnRef idx="2">
+              <a:schemeClr val="accent1"/>
+            </a:lnRef>
+            <a:fillRef idx="0">
+              <a:schemeClr val="accent1"/>
+            </a:fillRef>
+            <a:effectRef idx="1">
+              <a:schemeClr val="accent1"/>
+            </a:effectRef>
+            <a:fontRef idx="minor">
+              <a:schemeClr val="tx1"/>
+            </a:fontRef>
+          </p:style>
+        </p:cxnSp>
+      </p:grpSp>
+      <p:sp>
+        <p:nvSpPr>
+          <p:cNvPr id="61" name="Oval 60"/>
+          <p:cNvSpPr>
+            <a:spLocks noChangeAspect="1"/>
+          </p:cNvSpPr>
+          <p:nvPr/>
+        </p:nvSpPr>
+        <p:spPr>
+          <a:xfrm>
+            <a:off x="881575" y="3237836"/>
+            <a:ext cx="255684" cy="255684"/>
+          </a:xfrm>
+          <a:prstGeom prst="ellipse">
+            <a:avLst/>
+          </a:prstGeom>
+          <a:solidFill>
+            <a:schemeClr val="tx2">
+              <a:lumMod val="60000"/>
+              <a:lumOff val="40000"/>
+            </a:schemeClr>
+          </a:solidFill>
+          <a:ln>
+            <a:solidFill>
+              <a:schemeClr val="tx1"/>
+            </a:solidFill>
+          </a:ln>
+        </p:spPr>
+        <p:style>
+          <a:lnRef idx="1">
+            <a:schemeClr val="accent1"/>
+          </a:lnRef>
+          <a:fillRef idx="3">
+            <a:schemeClr val="accent1"/>
+          </a:fillRef>
+          <a:effectRef idx="2">
+            <a:schemeClr val="accent1"/>
+          </a:effectRef>
+          <a:fontRef idx="minor">
+            <a:schemeClr val="lt1"/>
+          </a:fontRef>
+        </p:style>
+        <p:txBody>
+          <a:bodyPr lIns="0" tIns="0" rIns="0" bIns="45720" rtlCol="0" anchor="ctr"/>
+          <a:lstStyle/>
+          <a:p>
+            <a:pPr algn="ctr"/>
+            <a:r>
+              <a:rPr lang="en-US" sz="1200" dirty="0" smtClean="0"/>
+              <a:t>4b</a:t>
+            </a:r>
+            <a:endParaRPr lang="en-US" sz="1200" dirty="0"/>
+          </a:p>
+        </p:txBody>
+      </p:sp>
+      <p:sp>
+        <p:nvSpPr>
+          <p:cNvPr id="62" name="Oval 61"/>
+          <p:cNvSpPr>
+            <a:spLocks noChangeAspect="1"/>
+          </p:cNvSpPr>
+          <p:nvPr/>
+        </p:nvSpPr>
+        <p:spPr>
+          <a:xfrm>
+            <a:off x="877309" y="3894467"/>
+            <a:ext cx="255684" cy="255684"/>
+          </a:xfrm>
+          <a:prstGeom prst="ellipse">
+            <a:avLst/>
+          </a:prstGeom>
+          <a:solidFill>
+            <a:schemeClr val="tx2">
+              <a:lumMod val="60000"/>
+              <a:lumOff val="40000"/>
+            </a:schemeClr>
+          </a:solidFill>
+          <a:ln>
+            <a:solidFill>
+              <a:schemeClr val="tx1"/>
+            </a:solidFill>
+          </a:ln>
+        </p:spPr>
+        <p:style>
+          <a:lnRef idx="1">
+            <a:schemeClr val="accent1"/>
+          </a:lnRef>
+          <a:fillRef idx="3">
+            <a:schemeClr val="accent1"/>
+          </a:fillRef>
+          <a:effectRef idx="2">
+            <a:schemeClr val="accent1"/>
+          </a:effectRef>
+          <a:fontRef idx="minor">
+            <a:schemeClr val="lt1"/>
+          </a:fontRef>
+        </p:style>
+        <p:txBody>
+          <a:bodyPr lIns="0" tIns="0" rIns="0" bIns="45720" rtlCol="0" anchor="ctr"/>
+          <a:lstStyle/>
+          <a:p>
+            <a:pPr algn="ctr"/>
+            <a:r>
+              <a:rPr lang="en-US" sz="1200" dirty="0" smtClean="0"/>
+              <a:t>4b</a:t>
+            </a:r>
+            <a:endParaRPr lang="en-US" sz="1200" dirty="0"/>
+          </a:p>
+        </p:txBody>
+      </p:sp>
+      <p:grpSp>
+        <p:nvGrpSpPr>
+          <p:cNvPr id="63" name="Group 62"/>
+          <p:cNvGrpSpPr/>
+          <p:nvPr/>
+        </p:nvGrpSpPr>
+        <p:grpSpPr>
+          <a:xfrm>
+            <a:off x="956857" y="3523637"/>
+            <a:ext cx="100854" cy="343015"/>
+            <a:chOff x="1334924" y="166873"/>
+            <a:chExt cx="100854" cy="343015"/>
+          </a:xfrm>
+        </p:grpSpPr>
+        <p:cxnSp>
+          <p:nvCxnSpPr>
+            <p:cNvPr id="64" name="Straight Arrow Connector 63"/>
+            <p:cNvCxnSpPr/>
+            <p:nvPr/>
+          </p:nvCxnSpPr>
+          <p:spPr>
+            <a:xfrm flipV="1">
+              <a:off x="1334924" y="166873"/>
+              <a:ext cx="0" cy="343015"/>
+            </a:xfrm>
+            <a:prstGeom prst="straightConnector1">
+              <a:avLst/>
+            </a:prstGeom>
+            <a:ln>
+              <a:tailEnd type="arrow"/>
+            </a:ln>
+          </p:spPr>
+          <p:style>
+            <a:lnRef idx="2">
+              <a:schemeClr val="accent1"/>
+            </a:lnRef>
+            <a:fillRef idx="0">
+              <a:schemeClr val="accent1"/>
+            </a:fillRef>
+            <a:effectRef idx="1">
+              <a:schemeClr val="accent1"/>
+            </a:effectRef>
+            <a:fontRef idx="minor">
+              <a:schemeClr val="tx1"/>
+            </a:fontRef>
+          </p:style>
+        </p:cxnSp>
+        <p:cxnSp>
+          <p:nvCxnSpPr>
+            <p:cNvPr id="65" name="Straight Arrow Connector 64"/>
+            <p:cNvCxnSpPr/>
+            <p:nvPr/>
+          </p:nvCxnSpPr>
+          <p:spPr>
+            <a:xfrm>
+              <a:off x="1435778" y="166873"/>
+              <a:ext cx="0" cy="343015"/>
+            </a:xfrm>
+            <a:prstGeom prst="straightConnector1">
+              <a:avLst/>
+            </a:prstGeom>
+            <a:ln>
+              <a:tailEnd type="arrow"/>
+            </a:ln>
+          </p:spPr>
+          <p:style>
+            <a:lnRef idx="2">
+              <a:schemeClr val="accent1"/>
+            </a:lnRef>
+            <a:fillRef idx="0">
+              <a:schemeClr val="accent1"/>
+            </a:fillRef>
+            <a:effectRef idx="1">
+              <a:schemeClr val="accent1"/>
+            </a:effectRef>
+            <a:fontRef idx="minor">
+              <a:schemeClr val="tx1"/>
+            </a:fontRef>
+          </p:style>
+        </p:cxnSp>
+      </p:grpSp>
+      <p:grpSp>
+        <p:nvGrpSpPr>
+          <p:cNvPr id="66" name="Group 65"/>
+          <p:cNvGrpSpPr/>
+          <p:nvPr/>
+        </p:nvGrpSpPr>
+        <p:grpSpPr>
+          <a:xfrm>
+            <a:off x="956857" y="2817599"/>
+            <a:ext cx="100854" cy="343015"/>
+            <a:chOff x="1334924" y="166873"/>
+            <a:chExt cx="100854" cy="343015"/>
+          </a:xfrm>
+        </p:grpSpPr>
+        <p:cxnSp>
+          <p:nvCxnSpPr>
+            <p:cNvPr id="67" name="Straight Arrow Connector 66"/>
+            <p:cNvCxnSpPr/>
+            <p:nvPr/>
+          </p:nvCxnSpPr>
+          <p:spPr>
+            <a:xfrm flipV="1">
+              <a:off x="1334924" y="166873"/>
+              <a:ext cx="0" cy="343015"/>
+            </a:xfrm>
+            <a:prstGeom prst="straightConnector1">
+              <a:avLst/>
+            </a:prstGeom>
+            <a:ln>
+              <a:tailEnd type="arrow"/>
+            </a:ln>
+          </p:spPr>
+          <p:style>
+            <a:lnRef idx="2">
+              <a:schemeClr val="accent1"/>
+            </a:lnRef>
+            <a:fillRef idx="0">
+              <a:schemeClr val="accent1"/>
+            </a:fillRef>
+            <a:effectRef idx="1">
+              <a:schemeClr val="accent1"/>
+            </a:effectRef>
+            <a:fontRef idx="minor">
+              <a:schemeClr val="tx1"/>
+            </a:fontRef>
+          </p:style>
+        </p:cxnSp>
+        <p:cxnSp>
+          <p:nvCxnSpPr>
+            <p:cNvPr id="68" name="Straight Arrow Connector 67"/>
+            <p:cNvCxnSpPr/>
+            <p:nvPr/>
+          </p:nvCxnSpPr>
+          <p:spPr>
+            <a:xfrm>
+              <a:off x="1435778" y="166873"/>
+              <a:ext cx="0" cy="343015"/>
+            </a:xfrm>
+            <a:prstGeom prst="straightConnector1">
+              <a:avLst/>
+            </a:prstGeom>
+            <a:ln>
+              <a:tailEnd type="arrow"/>
+            </a:ln>
+          </p:spPr>
+          <p:style>
+            <a:lnRef idx="2">
+              <a:schemeClr val="accent1"/>
+            </a:lnRef>
+            <a:fillRef idx="0">
+              <a:schemeClr val="accent1"/>
+            </a:fillRef>
+            <a:effectRef idx="1">
+              <a:schemeClr val="accent1"/>
+            </a:effectRef>
+            <a:fontRef idx="minor">
+              <a:schemeClr val="tx1"/>
+            </a:fontRef>
+          </p:style>
+        </p:cxnSp>
+      </p:grpSp>
+      <p:cxnSp>
+        <p:nvCxnSpPr>
+          <p:cNvPr id="112" name="Straight Connector 111"/>
+          <p:cNvCxnSpPr>
+            <a:stCxn id="33" idx="6"/>
+            <a:endCxn id="34" idx="1"/>
+          </p:cNvCxnSpPr>
+          <p:nvPr/>
+        </p:nvCxnSpPr>
+        <p:spPr>
+          <a:xfrm>
+            <a:off x="3835804" y="1062958"/>
+            <a:ext cx="3350827" cy="1222970"/>
+          </a:xfrm>
+          <a:prstGeom prst="line">
+            <a:avLst/>
+          </a:prstGeom>
+          <a:ln>
+            <a:solidFill>
+              <a:srgbClr val="660066"/>
+            </a:solidFill>
+          </a:ln>
+        </p:spPr>
+        <p:style>
+          <a:lnRef idx="2">
+            <a:schemeClr val="accent1"/>
+          </a:lnRef>
+          <a:fillRef idx="0">
+            <a:schemeClr val="accent1"/>
+          </a:fillRef>
+          <a:effectRef idx="1">
+            <a:schemeClr val="accent1"/>
+          </a:effectRef>
+          <a:fontRef idx="minor">
+            <a:schemeClr val="tx1"/>
+          </a:fontRef>
+        </p:style>
+      </p:cxnSp>
+      <p:cxnSp>
+        <p:nvCxnSpPr>
+          <p:cNvPr id="113" name="Straight Connector 112"/>
+          <p:cNvCxnSpPr>
+            <a:endCxn id="36" idx="1"/>
+          </p:cNvCxnSpPr>
+          <p:nvPr/>
+        </p:nvCxnSpPr>
+        <p:spPr>
+          <a:xfrm>
+            <a:off x="3755196" y="1061397"/>
+            <a:ext cx="4149327" cy="1851081"/>
+          </a:xfrm>
+          <a:prstGeom prst="line">
+            <a:avLst/>
+          </a:prstGeom>
+          <a:ln>
+            <a:solidFill>
+              <a:srgbClr val="660066"/>
+            </a:solidFill>
+          </a:ln>
+        </p:spPr>
+        <p:style>
+          <a:lnRef idx="2">
+            <a:schemeClr val="accent1"/>
+          </a:lnRef>
+          <a:fillRef idx="0">
+            <a:schemeClr val="accent1"/>
+          </a:fillRef>
+          <a:effectRef idx="1">
+            <a:schemeClr val="accent1"/>
+          </a:effectRef>
+          <a:fontRef idx="minor">
+            <a:schemeClr val="tx1"/>
+          </a:fontRef>
+        </p:style>
+      </p:cxnSp>
+      <p:cxnSp>
+        <p:nvCxnSpPr>
+          <p:cNvPr id="117" name="Straight Connector 116"/>
+          <p:cNvCxnSpPr>
+            <a:endCxn id="38" idx="1"/>
+          </p:cNvCxnSpPr>
+          <p:nvPr/>
+        </p:nvCxnSpPr>
+        <p:spPr>
+          <a:xfrm>
+            <a:off x="3755196" y="1075763"/>
+            <a:ext cx="4149327" cy="3764729"/>
+          </a:xfrm>
+          <a:prstGeom prst="line">
+            <a:avLst/>
+          </a:prstGeom>
+          <a:ln>
+            <a:solidFill>
+              <a:srgbClr val="660066"/>
+            </a:solidFill>
+          </a:ln>
+        </p:spPr>
+        <p:style>
+          <a:lnRef idx="2">
+            <a:schemeClr val="accent1"/>
+          </a:lnRef>
+          <a:fillRef idx="0">
+            <a:schemeClr val="accent1"/>
+          </a:fillRef>
+          <a:effectRef idx="1">
+            <a:schemeClr val="accent1"/>
+          </a:effectRef>
+          <a:fontRef idx="minor">
+            <a:schemeClr val="tx1"/>
+          </a:fontRef>
+        </p:style>
+      </p:cxnSp>
+      <p:sp>
+        <p:nvSpPr>
+          <p:cNvPr id="32" name="Oval 31"/>
+          <p:cNvSpPr>
+            <a:spLocks noChangeAspect="1"/>
+          </p:cNvSpPr>
+          <p:nvPr/>
+        </p:nvSpPr>
+        <p:spPr>
+          <a:xfrm>
+            <a:off x="5096376" y="912279"/>
+            <a:ext cx="255684" cy="255684"/>
+          </a:xfrm>
+          <a:prstGeom prst="ellipse">
+            <a:avLst/>
+          </a:prstGeom>
+          <a:solidFill>
+            <a:srgbClr val="008000"/>
+          </a:solidFill>
+          <a:ln>
+            <a:solidFill>
+              <a:srgbClr val="000000"/>
+            </a:solidFill>
+          </a:ln>
+        </p:spPr>
+        <p:style>
+          <a:lnRef idx="1">
+            <a:schemeClr val="accent1"/>
+          </a:lnRef>
+          <a:fillRef idx="3">
+            <a:schemeClr val="accent1"/>
+          </a:fillRef>
+          <a:effectRef idx="2">
+            <a:schemeClr val="accent1"/>
+          </a:effectRef>
+          <a:fontRef idx="minor">
+            <a:schemeClr val="lt1"/>
+          </a:fontRef>
+        </p:style>
+        <p:txBody>
+          <a:bodyPr lIns="0" tIns="0" rIns="0" bIns="45720" rtlCol="0" anchor="ctr"/>
+          <a:lstStyle/>
+          <a:p>
+            <a:pPr algn="ctr"/>
+            <a:r>
+              <a:rPr lang="en-US" sz="1200" dirty="0" smtClean="0"/>
+              <a:t>1</a:t>
+            </a:r>
+            <a:endParaRPr lang="en-US" sz="1200" dirty="0"/>
+          </a:p>
+        </p:txBody>
+      </p:sp>
+      <p:sp>
+        <p:nvSpPr>
+          <p:cNvPr id="39" name="Oval 38"/>
+          <p:cNvSpPr>
+            <a:spLocks noChangeAspect="1"/>
+          </p:cNvSpPr>
+          <p:nvPr/>
+        </p:nvSpPr>
+        <p:spPr>
+          <a:xfrm>
+            <a:off x="5224218" y="2620567"/>
+            <a:ext cx="255684" cy="255684"/>
+          </a:xfrm>
+          <a:prstGeom prst="ellipse">
+            <a:avLst/>
+          </a:prstGeom>
+          <a:solidFill>
+            <a:schemeClr val="tx2">
+              <a:lumMod val="60000"/>
+              <a:lumOff val="40000"/>
+            </a:schemeClr>
+          </a:solidFill>
+          <a:ln>
+            <a:solidFill>
+              <a:srgbClr val="000000"/>
+            </a:solidFill>
+          </a:ln>
+        </p:spPr>
+        <p:style>
+          <a:lnRef idx="1">
+            <a:schemeClr val="accent1"/>
+          </a:lnRef>
+          <a:fillRef idx="3">
+            <a:schemeClr val="accent1"/>
+          </a:fillRef>
+          <a:effectRef idx="2">
+            <a:schemeClr val="accent1"/>
+          </a:effectRef>
+          <a:fontRef idx="minor">
+            <a:schemeClr val="lt1"/>
+          </a:fontRef>
+        </p:style>
+        <p:txBody>
+          <a:bodyPr lIns="0" tIns="0" rIns="0" bIns="45720" rtlCol="0" anchor="ctr"/>
+          <a:lstStyle/>
+          <a:p>
+            <a:pPr algn="ctr"/>
+            <a:r>
+              <a:rPr lang="en-US" sz="1200" dirty="0" smtClean="0"/>
+              <a:t>3c</a:t>
+            </a:r>
+            <a:endParaRPr lang="en-US" sz="1200" dirty="0"/>
+          </a:p>
+        </p:txBody>
+      </p:sp>
+      <p:sp>
+        <p:nvSpPr>
+          <p:cNvPr id="40" name="Oval 39"/>
+          <p:cNvSpPr>
+            <a:spLocks noChangeAspect="1"/>
+          </p:cNvSpPr>
+          <p:nvPr/>
+        </p:nvSpPr>
+        <p:spPr>
+          <a:xfrm>
+            <a:off x="5248776" y="3113294"/>
+            <a:ext cx="255684" cy="255684"/>
+          </a:xfrm>
+          <a:prstGeom prst="ellipse">
+            <a:avLst/>
+          </a:prstGeom>
+          <a:solidFill>
+            <a:schemeClr val="tx2">
+              <a:lumMod val="60000"/>
+              <a:lumOff val="40000"/>
+            </a:schemeClr>
+          </a:solidFill>
+          <a:ln>
+            <a:solidFill>
+              <a:srgbClr val="000000"/>
+            </a:solidFill>
+          </a:ln>
+        </p:spPr>
+        <p:style>
+          <a:lnRef idx="1">
+            <a:schemeClr val="accent1"/>
+          </a:lnRef>
+          <a:fillRef idx="3">
+            <a:schemeClr val="accent1"/>
+          </a:fillRef>
+          <a:effectRef idx="2">
+            <a:schemeClr val="accent1"/>
+          </a:effectRef>
+          <a:fontRef idx="minor">
+            <a:schemeClr val="lt1"/>
+          </a:fontRef>
+        </p:style>
+        <p:txBody>
+          <a:bodyPr lIns="0" tIns="0" rIns="0" bIns="45720" rtlCol="0" anchor="ctr"/>
+          <a:lstStyle/>
+          <a:p>
+            <a:pPr algn="ctr"/>
+            <a:r>
+              <a:rPr lang="en-US" sz="1200" dirty="0" smtClean="0"/>
+              <a:t>3c</a:t>
+            </a:r>
+            <a:endParaRPr lang="en-US" sz="1200" dirty="0"/>
+          </a:p>
+        </p:txBody>
+      </p:sp>
+      <p:sp>
+        <p:nvSpPr>
+          <p:cNvPr id="41" name="Oval 40"/>
+          <p:cNvSpPr>
+            <a:spLocks noChangeAspect="1"/>
+          </p:cNvSpPr>
+          <p:nvPr/>
+        </p:nvSpPr>
+        <p:spPr>
+          <a:xfrm>
+            <a:off x="5248776" y="4163570"/>
+            <a:ext cx="255684" cy="255684"/>
+          </a:xfrm>
+          <a:prstGeom prst="ellipse">
+            <a:avLst/>
+          </a:prstGeom>
+          <a:solidFill>
+            <a:schemeClr val="tx2">
+              <a:lumMod val="60000"/>
+              <a:lumOff val="40000"/>
+            </a:schemeClr>
+          </a:solidFill>
+          <a:ln>
+            <a:solidFill>
+              <a:srgbClr val="000000"/>
+            </a:solidFill>
+          </a:ln>
+        </p:spPr>
+        <p:style>
+          <a:lnRef idx="1">
+            <a:schemeClr val="accent1"/>
+          </a:lnRef>
+          <a:fillRef idx="3">
+            <a:schemeClr val="accent1"/>
+          </a:fillRef>
+          <a:effectRef idx="2">
+            <a:schemeClr val="accent1"/>
+          </a:effectRef>
+          <a:fontRef idx="minor">
+            <a:schemeClr val="lt1"/>
+          </a:fontRef>
+        </p:style>
+        <p:txBody>
+          <a:bodyPr lIns="0" tIns="0" rIns="0" bIns="45720" rtlCol="0" anchor="ctr"/>
+          <a:lstStyle/>
+          <a:p>
+            <a:pPr algn="ctr"/>
+            <a:r>
+              <a:rPr lang="en-US" sz="1200" dirty="0" smtClean="0"/>
+              <a:t>3c</a:t>
+            </a:r>
+            <a:endParaRPr lang="en-US" sz="1200" dirty="0"/>
+          </a:p>
+        </p:txBody>
+      </p:sp>
+      <p:sp>
+        <p:nvSpPr>
+          <p:cNvPr id="42" name="Oval 41"/>
+          <p:cNvSpPr>
+            <a:spLocks noChangeAspect="1"/>
+          </p:cNvSpPr>
+          <p:nvPr/>
+        </p:nvSpPr>
+        <p:spPr>
+          <a:xfrm>
+            <a:off x="5248776" y="5058732"/>
+            <a:ext cx="255684" cy="255684"/>
+          </a:xfrm>
+          <a:prstGeom prst="ellipse">
+            <a:avLst/>
+          </a:prstGeom>
+          <a:solidFill>
+            <a:schemeClr val="tx2">
+              <a:lumMod val="60000"/>
+              <a:lumOff val="40000"/>
+            </a:schemeClr>
+          </a:solidFill>
+          <a:ln>
+            <a:solidFill>
+              <a:srgbClr val="000000"/>
+            </a:solidFill>
+          </a:ln>
+        </p:spPr>
+        <p:style>
+          <a:lnRef idx="1">
+            <a:schemeClr val="accent1"/>
+          </a:lnRef>
+          <a:fillRef idx="3">
+            <a:schemeClr val="accent1"/>
+          </a:fillRef>
+          <a:effectRef idx="2">
+            <a:schemeClr val="accent1"/>
+          </a:effectRef>
+          <a:fontRef idx="minor">
+            <a:schemeClr val="lt1"/>
+          </a:fontRef>
+        </p:style>
+        <p:txBody>
+          <a:bodyPr lIns="0" tIns="0" rIns="0" bIns="45720" rtlCol="0" anchor="ctr"/>
+          <a:lstStyle/>
+          <a:p>
+            <a:pPr algn="ctr"/>
+            <a:r>
+              <a:rPr lang="en-US" sz="1200" dirty="0" smtClean="0"/>
+              <a:t>3c</a:t>
+            </a:r>
+            <a:endParaRPr lang="en-US" sz="1200" dirty="0"/>
+          </a:p>
+        </p:txBody>
+      </p:sp>
+      <p:sp>
+        <p:nvSpPr>
+          <p:cNvPr id="43" name="Oval 42"/>
+          <p:cNvSpPr>
+            <a:spLocks noChangeAspect="1"/>
+          </p:cNvSpPr>
+          <p:nvPr/>
+        </p:nvSpPr>
+        <p:spPr>
+          <a:xfrm>
+            <a:off x="7492191" y="1992800"/>
+            <a:ext cx="255684" cy="255684"/>
+          </a:xfrm>
+          <a:prstGeom prst="ellipse">
+            <a:avLst/>
+          </a:prstGeom>
+          <a:solidFill>
+            <a:srgbClr val="008000"/>
+          </a:solidFill>
+          <a:ln>
+            <a:solidFill>
+              <a:srgbClr val="000000"/>
+            </a:solidFill>
+          </a:ln>
+        </p:spPr>
+        <p:style>
+          <a:lnRef idx="1">
+            <a:schemeClr val="accent1"/>
+          </a:lnRef>
+          <a:fillRef idx="3">
+            <a:schemeClr val="accent1"/>
+          </a:fillRef>
+          <a:effectRef idx="2">
+            <a:schemeClr val="accent1"/>
+          </a:effectRef>
+          <a:fontRef idx="minor">
+            <a:schemeClr val="lt1"/>
+          </a:fontRef>
+        </p:style>
+        <p:txBody>
+          <a:bodyPr lIns="0" tIns="0" rIns="0" bIns="45720" rtlCol="0" anchor="ctr"/>
+          <a:lstStyle/>
+          <a:p>
+            <a:pPr algn="ctr"/>
+            <a:r>
+              <a:rPr lang="en-US" sz="1200" dirty="0"/>
+              <a:t>2</a:t>
+            </a:r>
+          </a:p>
+        </p:txBody>
+      </p:sp>
+      <p:sp>
+        <p:nvSpPr>
+          <p:cNvPr id="44" name="Oval 43"/>
+          <p:cNvSpPr>
+            <a:spLocks noChangeAspect="1"/>
+          </p:cNvSpPr>
+          <p:nvPr/>
+        </p:nvSpPr>
+        <p:spPr>
+          <a:xfrm>
+            <a:off x="7492191" y="3410534"/>
+            <a:ext cx="255684" cy="255684"/>
+          </a:xfrm>
+          <a:prstGeom prst="ellipse">
+            <a:avLst/>
+          </a:prstGeom>
+          <a:solidFill>
+            <a:srgbClr val="008000"/>
+          </a:solidFill>
+          <a:ln>
+            <a:solidFill>
+              <a:srgbClr val="000000"/>
+            </a:solidFill>
+          </a:ln>
+        </p:spPr>
+        <p:style>
+          <a:lnRef idx="1">
+            <a:schemeClr val="accent1"/>
+          </a:lnRef>
+          <a:fillRef idx="3">
+            <a:schemeClr val="accent1"/>
+          </a:fillRef>
+          <a:effectRef idx="2">
+            <a:schemeClr val="accent1"/>
+          </a:effectRef>
+          <a:fontRef idx="minor">
+            <a:schemeClr val="lt1"/>
+          </a:fontRef>
+        </p:style>
+        <p:txBody>
+          <a:bodyPr lIns="0" tIns="0" rIns="0" bIns="45720" rtlCol="0" anchor="ctr"/>
+          <a:lstStyle/>
+          <a:p>
+            <a:pPr algn="ctr"/>
+            <a:r>
+              <a:rPr lang="en-US" sz="1200" dirty="0"/>
+              <a:t>2</a:t>
+            </a:r>
+          </a:p>
+        </p:txBody>
+      </p:sp>
+      <p:cxnSp>
+        <p:nvCxnSpPr>
+          <p:cNvPr id="115" name="Straight Connector 114"/>
+          <p:cNvCxnSpPr>
+            <a:endCxn id="37" idx="1"/>
+          </p:cNvCxnSpPr>
+          <p:nvPr/>
+        </p:nvCxnSpPr>
+        <p:spPr>
+          <a:xfrm>
+            <a:off x="3755196" y="1093075"/>
+            <a:ext cx="3338735" cy="2543517"/>
+          </a:xfrm>
+          <a:prstGeom prst="line">
+            <a:avLst/>
+          </a:prstGeom>
+          <a:ln>
+            <a:solidFill>
+              <a:srgbClr val="660066"/>
+            </a:solidFill>
+          </a:ln>
+        </p:spPr>
+        <p:style>
+          <a:lnRef idx="2">
+            <a:schemeClr val="accent1"/>
+          </a:lnRef>
+          <a:fillRef idx="0">
+            <a:schemeClr val="accent1"/>
+          </a:fillRef>
+          <a:effectRef idx="1">
+            <a:schemeClr val="accent1"/>
+          </a:effectRef>
+          <a:fontRef idx="minor">
+            <a:schemeClr val="tx1"/>
+          </a:fontRef>
+        </p:style>
+      </p:cxnSp>
+      <p:sp>
+        <p:nvSpPr>
+          <p:cNvPr id="33" name="Oval 32"/>
+          <p:cNvSpPr>
+            <a:spLocks noChangeAspect="1"/>
+          </p:cNvSpPr>
+          <p:nvPr/>
+        </p:nvSpPr>
+        <p:spPr>
+          <a:xfrm>
+            <a:off x="3580120" y="935116"/>
+            <a:ext cx="255684" cy="255684"/>
+          </a:xfrm>
+          <a:prstGeom prst="ellipse">
+            <a:avLst/>
+          </a:prstGeom>
+          <a:solidFill>
+            <a:srgbClr val="660066"/>
+          </a:solidFill>
+          <a:ln>
+            <a:solidFill>
+              <a:srgbClr val="000000"/>
+            </a:solidFill>
+          </a:ln>
+        </p:spPr>
+        <p:style>
+          <a:lnRef idx="1">
+            <a:schemeClr val="accent1"/>
+          </a:lnRef>
+          <a:fillRef idx="3">
+            <a:schemeClr val="accent1"/>
+          </a:fillRef>
+          <a:effectRef idx="2">
+            <a:schemeClr val="accent1"/>
+          </a:effectRef>
+          <a:fontRef idx="minor">
+            <a:schemeClr val="lt1"/>
+          </a:fontRef>
+        </p:style>
+        <p:txBody>
+          <a:bodyPr lIns="0" tIns="0" rIns="0" bIns="45720" rtlCol="0" anchor="ctr"/>
+          <a:lstStyle/>
+          <a:p>
+            <a:pPr algn="ctr"/>
+            <a:r>
+              <a:rPr lang="en-US" sz="1200" dirty="0" smtClean="0"/>
+              <a:t>4a</a:t>
+            </a:r>
+            <a:endParaRPr lang="en-US" sz="1200" dirty="0"/>
+          </a:p>
+        </p:txBody>
+      </p:sp>
+      <p:sp>
+        <p:nvSpPr>
+          <p:cNvPr id="34" name="Oval 33"/>
+          <p:cNvSpPr>
+            <a:spLocks noChangeAspect="1"/>
+          </p:cNvSpPr>
+          <p:nvPr/>
+        </p:nvSpPr>
+        <p:spPr>
+          <a:xfrm>
+            <a:off x="7149187" y="2248484"/>
+            <a:ext cx="255684" cy="255684"/>
+          </a:xfrm>
+          <a:prstGeom prst="ellipse">
+            <a:avLst/>
+          </a:prstGeom>
+          <a:solidFill>
+            <a:srgbClr val="FF0000"/>
+          </a:solidFill>
+          <a:ln>
+            <a:solidFill>
+              <a:srgbClr val="000000"/>
+            </a:solidFill>
+          </a:ln>
+        </p:spPr>
+        <p:style>
+          <a:lnRef idx="1">
+            <a:schemeClr val="accent1"/>
+          </a:lnRef>
+          <a:fillRef idx="3">
+            <a:schemeClr val="accent1"/>
+          </a:fillRef>
+          <a:effectRef idx="2">
+            <a:schemeClr val="accent1"/>
+          </a:effectRef>
+          <a:fontRef idx="minor">
+            <a:schemeClr val="lt1"/>
+          </a:fontRef>
+        </p:style>
+        <p:txBody>
+          <a:bodyPr lIns="0" tIns="0" rIns="0" bIns="45720" rtlCol="0" anchor="ctr"/>
+          <a:lstStyle/>
+          <a:p>
+            <a:pPr algn="ctr"/>
+            <a:r>
+              <a:rPr lang="en-US" sz="1200" dirty="0" smtClean="0"/>
+              <a:t>3a</a:t>
+            </a:r>
+            <a:endParaRPr lang="en-US" sz="1200" dirty="0"/>
+          </a:p>
+        </p:txBody>
+      </p:sp>
+      <p:sp>
+        <p:nvSpPr>
+          <p:cNvPr id="36" name="Oval 35"/>
+          <p:cNvSpPr>
+            <a:spLocks noChangeAspect="1"/>
+          </p:cNvSpPr>
+          <p:nvPr/>
+        </p:nvSpPr>
+        <p:spPr>
+          <a:xfrm>
+            <a:off x="7867079" y="2875034"/>
+            <a:ext cx="255684" cy="255684"/>
+          </a:xfrm>
+          <a:prstGeom prst="ellipse">
+            <a:avLst/>
+          </a:prstGeom>
+          <a:solidFill>
+            <a:srgbClr val="FF0000"/>
+          </a:solidFill>
+          <a:ln>
+            <a:solidFill>
+              <a:srgbClr val="000000"/>
+            </a:solidFill>
+          </a:ln>
+        </p:spPr>
+        <p:style>
+          <a:lnRef idx="1">
+            <a:schemeClr val="accent1"/>
+          </a:lnRef>
+          <a:fillRef idx="3">
+            <a:schemeClr val="accent1"/>
+          </a:fillRef>
+          <a:effectRef idx="2">
+            <a:schemeClr val="accent1"/>
+          </a:effectRef>
+          <a:fontRef idx="minor">
+            <a:schemeClr val="lt1"/>
+          </a:fontRef>
+        </p:style>
+        <p:txBody>
+          <a:bodyPr lIns="0" tIns="0" rIns="0" bIns="45720" rtlCol="0" anchor="ctr"/>
+          <a:lstStyle/>
+          <a:p>
+            <a:pPr algn="ctr"/>
+            <a:r>
+              <a:rPr lang="en-US" sz="1200" dirty="0" smtClean="0"/>
+              <a:t>3b</a:t>
+            </a:r>
+            <a:endParaRPr lang="en-US" sz="1200" dirty="0"/>
+          </a:p>
+        </p:txBody>
+      </p:sp>
+      <p:sp>
+        <p:nvSpPr>
+          <p:cNvPr id="38" name="Oval 37"/>
+          <p:cNvSpPr>
+            <a:spLocks noChangeAspect="1"/>
+          </p:cNvSpPr>
+          <p:nvPr/>
+        </p:nvSpPr>
+        <p:spPr>
+          <a:xfrm>
+            <a:off x="7867079" y="4803048"/>
+            <a:ext cx="255684" cy="255684"/>
+          </a:xfrm>
+          <a:prstGeom prst="ellipse">
+            <a:avLst/>
+          </a:prstGeom>
+          <a:solidFill>
+            <a:srgbClr val="FF0000"/>
+          </a:solidFill>
+          <a:ln>
+            <a:solidFill>
+              <a:srgbClr val="000000"/>
+            </a:solidFill>
+          </a:ln>
+        </p:spPr>
+        <p:style>
+          <a:lnRef idx="1">
+            <a:schemeClr val="accent1"/>
+          </a:lnRef>
+          <a:fillRef idx="3">
+            <a:schemeClr val="accent1"/>
+          </a:fillRef>
+          <a:effectRef idx="2">
+            <a:schemeClr val="accent1"/>
+          </a:effectRef>
+          <a:fontRef idx="minor">
+            <a:schemeClr val="lt1"/>
+          </a:fontRef>
+        </p:style>
+        <p:txBody>
+          <a:bodyPr lIns="0" tIns="0" rIns="0" bIns="45720" rtlCol="0" anchor="ctr"/>
+          <a:lstStyle/>
+          <a:p>
+            <a:pPr algn="ctr"/>
+            <a:r>
+              <a:rPr lang="en-US" sz="1200" dirty="0" smtClean="0"/>
+              <a:t>3b</a:t>
+            </a:r>
+            <a:endParaRPr lang="en-US" sz="1200" dirty="0"/>
+          </a:p>
+        </p:txBody>
+      </p:sp>
+      <p:sp>
+        <p:nvSpPr>
+          <p:cNvPr id="37" name="Oval 36"/>
+          <p:cNvSpPr>
+            <a:spLocks noChangeAspect="1"/>
+          </p:cNvSpPr>
+          <p:nvPr/>
+        </p:nvSpPr>
+        <p:spPr>
+          <a:xfrm>
+            <a:off x="7056487" y="3599148"/>
+            <a:ext cx="255684" cy="255684"/>
+          </a:xfrm>
+          <a:prstGeom prst="ellipse">
+            <a:avLst/>
+          </a:prstGeom>
+          <a:solidFill>
+            <a:srgbClr val="FF0000"/>
+          </a:solidFill>
+          <a:ln>
+            <a:solidFill>
+              <a:srgbClr val="000000"/>
+            </a:solidFill>
+          </a:ln>
+        </p:spPr>
+        <p:style>
+          <a:lnRef idx="1">
+            <a:schemeClr val="accent1"/>
+          </a:lnRef>
+          <a:fillRef idx="3">
+            <a:schemeClr val="accent1"/>
+          </a:fillRef>
+          <a:effectRef idx="2">
+            <a:schemeClr val="accent1"/>
+          </a:effectRef>
+          <a:fontRef idx="minor">
+            <a:schemeClr val="lt1"/>
+          </a:fontRef>
+        </p:style>
+        <p:txBody>
+          <a:bodyPr lIns="0" tIns="0" rIns="0" bIns="45720" rtlCol="0" anchor="ctr"/>
+          <a:lstStyle/>
+          <a:p>
+            <a:pPr algn="ctr"/>
+            <a:r>
+              <a:rPr lang="en-US" sz="1200" dirty="0" smtClean="0"/>
+              <a:t>3a</a:t>
+            </a:r>
+            <a:endParaRPr lang="en-US" sz="1200" dirty="0"/>
+          </a:p>
+        </p:txBody>
+      </p:sp>
+      <p:sp>
+        <p:nvSpPr>
+          <p:cNvPr id="55" name="TextBox 54"/>
+          <p:cNvSpPr txBox="1"/>
+          <p:nvPr/>
+        </p:nvSpPr>
+        <p:spPr>
+          <a:xfrm>
+            <a:off x="3373464" y="454881"/>
+            <a:ext cx="2397073" cy="369332"/>
+          </a:xfrm>
+          <a:prstGeom prst="rect">
+            <a:avLst/>
+          </a:prstGeom>
+          <a:noFill/>
+        </p:spPr>
+        <p:txBody>
+          <a:bodyPr wrap="none" rtlCol="0">
+            <a:spAutoFit/>
+          </a:bodyPr>
+          <a:lstStyle/>
+          <a:p>
+            <a:r>
+              <a:rPr lang="en-US" dirty="0" smtClean="0"/>
+              <a:t>Relations with Context</a:t>
+            </a:r>
+            <a:endParaRPr lang="en-US" dirty="0"/>
+          </a:p>
+        </p:txBody>
+      </p:sp>
+    </p:spTree>
+    <p:extLst>
+      <p:ext uri="{BB962C8B-B14F-4D97-AF65-F5344CB8AC3E}">
+        <p14:creationId xmlns:p14="http://schemas.microsoft.com/office/powerpoint/2010/main" val="1697628345"/>
+      </p:ext>
+    </p:extLst>
+  </p:cSld>
+  <p:clrMapOvr>
+    <a:masterClrMapping/>
+  </p:clrMapOvr>
+  <p:timing>
+    <p:tnLst>
+      <p:par>
+        <p:cTn xmlns:p14="http://schemas.microsoft.com/office/powerpoint/2010/main" id="1" dur="indefinite" restart="never" nodeType="tmRoot">
+          <p:childTnLst>
+            <p:seq concurrent="1" nextAc="seek">
+              <p:cTn id="2" dur="indefinite" nodeType="mainSeq">
+                <p:childTnLst>
+                  <p:par>
+                    <p:cTn id="3" fill="hold">
+                      <p:stCondLst>
+                        <p:cond delay="indefinite"/>
+                      </p:stCondLst>
+                      <p:childTnLst>
+                        <p:par>
+                          <p:cTn id="4" fill="hold">
+                            <p:stCondLst>
+                              <p:cond delay="0"/>
+                            </p:stCondLst>
+                            <p:childTnLst>
+                              <p:par>
+                                <p:cTn id="5" presetID="1" presetClass="entr" presetSubtype="0" fill="hold" grpId="0" nodeType="clickEffect">
+                                  <p:stCondLst>
+                                    <p:cond delay="0"/>
+                                  </p:stCondLst>
+                                  <p:childTnLst>
+                                    <p:set>
+                                      <p:cBhvr>
+                                        <p:cTn id="6" dur="1" fill="hold">
+                                          <p:stCondLst>
+                                            <p:cond delay="0"/>
+                                          </p:stCondLst>
+                                        </p:cTn>
+                                        <p:tgtEl>
+                                          <p:spTgt spid="20"/>
+                                        </p:tgtEl>
+                                        <p:attrNameLst>
+                                          <p:attrName>style.visibility</p:attrName>
+                                        </p:attrNameLst>
+                                      </p:cBhvr>
+                                      <p:to>
+                                        <p:strVal val="visible"/>
+                                      </p:to>
+                                    </p:set>
+                                  </p:childTnLst>
+                                </p:cTn>
+                              </p:par>
+                              <p:par>
+                                <p:cTn id="7" presetID="1" presetClass="entr" presetSubtype="0" fill="hold" grpId="0" nodeType="withEffect">
+                                  <p:stCondLst>
+                                    <p:cond delay="0"/>
+                                  </p:stCondLst>
+                                  <p:childTnLst>
+                                    <p:set>
+                                      <p:cBhvr>
+                                        <p:cTn id="8" dur="1" fill="hold">
+                                          <p:stCondLst>
+                                            <p:cond delay="0"/>
+                                          </p:stCondLst>
+                                        </p:cTn>
+                                        <p:tgtEl>
+                                          <p:spTgt spid="21"/>
+                                        </p:tgtEl>
+                                        <p:attrNameLst>
+                                          <p:attrName>style.visibility</p:attrName>
+                                        </p:attrNameLst>
+                                      </p:cBhvr>
+                                      <p:to>
+                                        <p:strVal val="visible"/>
+                                      </p:to>
+                                    </p:set>
+                                  </p:childTnLst>
+                                </p:cTn>
+                              </p:par>
+                            </p:childTnLst>
+                          </p:cTn>
+                        </p:par>
+                      </p:childTnLst>
+                    </p:cTn>
+                  </p:par>
+                  <p:par>
+                    <p:cTn id="9" fill="hold">
+                      <p:stCondLst>
+                        <p:cond delay="indefinite"/>
+                      </p:stCondLst>
+                      <p:childTnLst>
+                        <p:par>
+                          <p:cTn id="10" fill="hold">
+                            <p:stCondLst>
+                              <p:cond delay="0"/>
+                            </p:stCondLst>
+                            <p:childTnLst>
+                              <p:par>
+                                <p:cTn id="11" presetID="1" presetClass="entr" presetSubtype="0" fill="hold" grpId="0" nodeType="clickEffect">
+                                  <p:stCondLst>
+                                    <p:cond delay="0"/>
+                                  </p:stCondLst>
+                                  <p:childTnLst>
+                                    <p:set>
+                                      <p:cBhvr>
+                                        <p:cTn id="12" dur="1" fill="hold">
+                                          <p:stCondLst>
+                                            <p:cond delay="0"/>
+                                          </p:stCondLst>
+                                        </p:cTn>
+                                        <p:tgtEl>
+                                          <p:spTgt spid="25"/>
+                                        </p:tgtEl>
+                                        <p:attrNameLst>
+                                          <p:attrName>style.visibility</p:attrName>
+                                        </p:attrNameLst>
+                                      </p:cBhvr>
+                                      <p:to>
+                                        <p:strVal val="visible"/>
+                                      </p:to>
+                                    </p:set>
+                                  </p:childTnLst>
+                                </p:cTn>
+                              </p:par>
+                              <p:par>
+                                <p:cTn id="13" presetID="1" presetClass="entr" presetSubtype="0" fill="hold" grpId="0" nodeType="withEffect">
+                                  <p:stCondLst>
+                                    <p:cond delay="0"/>
+                                  </p:stCondLst>
+                                  <p:childTnLst>
+                                    <p:set>
+                                      <p:cBhvr>
+                                        <p:cTn id="14" dur="1" fill="hold">
+                                          <p:stCondLst>
+                                            <p:cond delay="0"/>
+                                          </p:stCondLst>
+                                        </p:cTn>
+                                        <p:tgtEl>
+                                          <p:spTgt spid="24"/>
+                                        </p:tgtEl>
+                                        <p:attrNameLst>
+                                          <p:attrName>style.visibility</p:attrName>
+                                        </p:attrNameLst>
+                                      </p:cBhvr>
+                                      <p:to>
+                                        <p:strVal val="visible"/>
+                                      </p:to>
+                                    </p:set>
+                                  </p:childTnLst>
+                                </p:cTn>
+                              </p:par>
+                              <p:par>
+                                <p:cTn id="15" presetID="1" presetClass="entr" presetSubtype="0" fill="hold" grpId="0" nodeType="withEffect">
+                                  <p:stCondLst>
+                                    <p:cond delay="0"/>
+                                  </p:stCondLst>
+                                  <p:childTnLst>
+                                    <p:set>
+                                      <p:cBhvr>
+                                        <p:cTn id="16" dur="1" fill="hold">
+                                          <p:stCondLst>
+                                            <p:cond delay="0"/>
+                                          </p:stCondLst>
+                                        </p:cTn>
+                                        <p:tgtEl>
+                                          <p:spTgt spid="22"/>
+                                        </p:tgtEl>
+                                        <p:attrNameLst>
+                                          <p:attrName>style.visibility</p:attrName>
+                                        </p:attrNameLst>
+                                      </p:cBhvr>
+                                      <p:to>
+                                        <p:strVal val="visible"/>
+                                      </p:to>
+                                    </p:set>
+                                  </p:childTnLst>
+                                </p:cTn>
+                              </p:par>
+                              <p:par>
+                                <p:cTn id="17" presetID="1" presetClass="entr" presetSubtype="0" fill="hold" grpId="0" nodeType="withEffect">
+                                  <p:stCondLst>
+                                    <p:cond delay="0"/>
+                                  </p:stCondLst>
+                                  <p:childTnLst>
+                                    <p:set>
+                                      <p:cBhvr>
+                                        <p:cTn id="18" dur="1" fill="hold">
+                                          <p:stCondLst>
+                                            <p:cond delay="0"/>
+                                          </p:stCondLst>
+                                        </p:cTn>
+                                        <p:tgtEl>
+                                          <p:spTgt spid="23"/>
+                                        </p:tgtEl>
+                                        <p:attrNameLst>
+                                          <p:attrName>style.visibility</p:attrName>
+                                        </p:attrNameLst>
+                                      </p:cBhvr>
+                                      <p:to>
+                                        <p:strVal val="visible"/>
+                                      </p:to>
+                                    </p:set>
+                                  </p:childTnLst>
+                                </p:cTn>
+                              </p:par>
+                            </p:childTnLst>
+                          </p:cTn>
+                        </p:par>
+                      </p:childTnLst>
+                    </p:cTn>
+                  </p:par>
+                </p:childTnLst>
+              </p:cTn>
+              <p:prevCondLst>
+                <p:cond evt="onPrev" delay="0">
+                  <p:tgtEl>
+                    <p:sldTgt/>
+                  </p:tgtEl>
+                </p:cond>
+              </p:prevCondLst>
+              <p:nextCondLst>
+                <p:cond evt="onNext" delay="0">
+                  <p:tgtEl>
+                    <p:sldTgt/>
+                  </p:tgtEl>
+                </p:cond>
+              </p:nextCondLst>
+            </p:seq>
+          </p:childTnLst>
+        </p:cTn>
+      </p:par>
+    </p:tnLst>
+    <p:bldLst>
+      <p:bldP spid="20" grpId="0" animBg="1"/>
+      <p:bldP spid="21" grpId="0" animBg="1"/>
+      <p:bldP spid="22" grpId="0" animBg="1"/>
+      <p:bldP spid="23" grpId="0" animBg="1"/>
+      <p:bldP spid="24" grpId="0" animBg="1"/>
+      <p:bldP spid="25" grpId="0" animBg="1"/>
+    </p:bldLst>
+  </p:timing>
+</p:sld>
+</file>
+
+<file path=ppt/slides/slide5.xml><?xml version="1.0" encoding="utf-8"?>
+<p:sld xmlns:a="http://schemas.openxmlformats.org/drawingml/2006/main" xmlns:r="http://schemas.openxmlformats.org/officeDocument/2006/relationships" xmlns:p="http://schemas.openxmlformats.org/presentationml/2006/main">
+  <p:cSld>
+    <p:spTree>
+      <p:nvGrpSpPr>
+        <p:cNvPr id="1" name=""/>
+        <p:cNvGrpSpPr/>
+        <p:nvPr/>
+      </p:nvGrpSpPr>
+      <p:grpSpPr>
+        <a:xfrm>
+          <a:off x="0" y="0"/>
+          <a:ext cx="0" cy="0"/>
+          <a:chOff x="0" y="0"/>
+          <a:chExt cx="0" cy="0"/>
+        </a:xfrm>
+      </p:grpSpPr>
+      <p:pic>
+        <p:nvPicPr>
+          <p:cNvPr id="4" name="Picture 5" descr="C:\Users\ferschke\Desktop\article.png"/>
+          <p:cNvPicPr>
+            <a:picLocks noChangeAspect="1" noChangeArrowheads="1"/>
+          </p:cNvPicPr>
+          <p:nvPr/>
+        </p:nvPicPr>
+        <p:blipFill>
+          <a:blip r:embed="rId3" cstate="print">
+            <a:extLst>
+              <a:ext uri="{28A0092B-C50C-407E-A947-70E740481C1C}">
+                <a14:useLocalDpi xmlns:a14="http://schemas.microsoft.com/office/drawing/2010/main" val="0"/>
+              </a:ext>
+            </a:extLst>
+          </a:blip>
+          <a:srcRect/>
+          <a:stretch>
+            <a:fillRect/>
+          </a:stretch>
+        </p:blipFill>
+        <p:spPr bwMode="auto">
+          <a:xfrm>
+            <a:off x="721725" y="1053539"/>
+            <a:ext cx="3362735" cy="4604720"/>
+          </a:xfrm>
+          <a:prstGeom prst="rect">
+            <a:avLst/>
+          </a:prstGeom>
+          <a:noFill/>
+          <a:extLst>
+            <a:ext uri="{909E8E84-426E-40dd-AFC4-6F175D3DCCD1}">
+              <a14:hiddenFill xmlns:a14="http://schemas.microsoft.com/office/drawing/2010/main">
+                <a:solidFill>
+                  <a:srgbClr val="FFFFFF"/>
+                </a:solidFill>
+              </a14:hiddenFill>
+            </a:ext>
+          </a:extLst>
+        </p:spPr>
+      </p:pic>
+      <p:sp>
+        <p:nvSpPr>
+          <p:cNvPr id="9" name="Rechteck 8"/>
+          <p:cNvSpPr/>
+          <p:nvPr/>
+        </p:nvSpPr>
+        <p:spPr>
+          <a:xfrm>
+            <a:off x="697885" y="1072485"/>
+            <a:ext cx="3454670" cy="4604720"/>
+          </a:xfrm>
+          <a:prstGeom prst="rect">
+            <a:avLst/>
+          </a:prstGeom>
+          <a:noFill/>
+          <a:ln>
+            <a:solidFill>
+              <a:srgbClr val="660066"/>
+            </a:solidFill>
+          </a:ln>
+        </p:spPr>
+        <p:style>
+          <a:lnRef idx="2">
+            <a:schemeClr val="accent1">
+              <a:shade val="50000"/>
+            </a:schemeClr>
+          </a:lnRef>
+          <a:fillRef idx="1">
+            <a:schemeClr val="accent1"/>
+          </a:fillRef>
+          <a:effectRef idx="0">
+            <a:schemeClr val="accent1"/>
+          </a:effectRef>
+          <a:fontRef idx="minor">
+            <a:schemeClr val="lt1"/>
+          </a:fontRef>
+        </p:style>
+        <p:txBody>
+          <a:bodyPr anchor="ctr"/>
+          <a:lstStyle/>
+          <a:p>
+            <a:pPr algn="ctr">
+              <a:defRPr/>
+            </a:pPr>
+            <a:endParaRPr lang="de-DE"/>
+          </a:p>
+        </p:txBody>
+      </p:sp>
+      <p:grpSp>
+        <p:nvGrpSpPr>
+          <p:cNvPr id="16" name="Gruppieren 3"/>
+          <p:cNvGrpSpPr/>
+          <p:nvPr/>
+        </p:nvGrpSpPr>
+        <p:grpSpPr>
+          <a:xfrm>
+            <a:off x="5121825" y="1075762"/>
+            <a:ext cx="3448050" cy="4579723"/>
+            <a:chOff x="2095500" y="1774208"/>
+            <a:chExt cx="3327494" cy="4419600"/>
+          </a:xfrm>
+        </p:grpSpPr>
+        <p:pic>
+          <p:nvPicPr>
+            <p:cNvPr id="17" name="Picture 6" descr="C:\Users\ferschke\Desktop\tp1.png"/>
+            <p:cNvPicPr>
+              <a:picLocks noChangeAspect="1" noChangeArrowheads="1"/>
+            </p:cNvPicPr>
+            <p:nvPr/>
+          </p:nvPicPr>
+          <p:blipFill rotWithShape="1">
+            <a:blip r:embed="rId4" cstate="print">
+              <a:extLst>
+                <a:ext uri="{28A0092B-C50C-407E-A947-70E740481C1C}">
+                  <a14:useLocalDpi xmlns:a14="http://schemas.microsoft.com/office/drawing/2010/main" val="0"/>
+                </a:ext>
+              </a:extLst>
+            </a:blip>
+            <a:srcRect l="2771"/>
+            <a:stretch/>
+          </p:blipFill>
+          <p:spPr bwMode="auto">
+            <a:xfrm>
+              <a:off x="2095500" y="1774209"/>
+              <a:ext cx="3315784" cy="1076312"/>
+            </a:xfrm>
+            <a:prstGeom prst="rect">
+              <a:avLst/>
+            </a:prstGeom>
+            <a:noFill/>
+            <a:ln>
+              <a:noFill/>
+            </a:ln>
+            <a:extLst>
+              <a:ext uri="{909E8E84-426E-40dd-AFC4-6F175D3DCCD1}">
+                <a14:hiddenFill xmlns:a14="http://schemas.microsoft.com/office/drawing/2010/main">
+                  <a:solidFill>
+                    <a:srgbClr val="FFFFFF"/>
+                  </a:solidFill>
+                </a14:hiddenFill>
+              </a:ext>
+            </a:extLst>
+          </p:spPr>
+        </p:pic>
+        <p:pic>
+          <p:nvPicPr>
+            <p:cNvPr id="18" name="Picture 7" descr="C:\Users\ferschke\Desktop\tp2.png"/>
+            <p:cNvPicPr>
+              <a:picLocks noChangeAspect="1" noChangeArrowheads="1"/>
+            </p:cNvPicPr>
+            <p:nvPr/>
+          </p:nvPicPr>
+          <p:blipFill rotWithShape="1">
+            <a:blip r:embed="rId5" cstate="print">
+              <a:extLst>
+                <a:ext uri="{28A0092B-C50C-407E-A947-70E740481C1C}">
+                  <a14:useLocalDpi xmlns:a14="http://schemas.microsoft.com/office/drawing/2010/main" val="0"/>
+                </a:ext>
+              </a:extLst>
+            </a:blip>
+            <a:srcRect b="22857"/>
+            <a:stretch/>
+          </p:blipFill>
+          <p:spPr bwMode="auto">
+            <a:xfrm>
+              <a:off x="2095500" y="2795929"/>
+              <a:ext cx="3327494" cy="3343287"/>
+            </a:xfrm>
+            <a:prstGeom prst="rect">
+              <a:avLst/>
+            </a:prstGeom>
+            <a:noFill/>
+            <a:ln>
+              <a:noFill/>
+            </a:ln>
+            <a:extLst>
+              <a:ext uri="{909E8E84-426E-40dd-AFC4-6F175D3DCCD1}">
+                <a14:hiddenFill xmlns:a14="http://schemas.microsoft.com/office/drawing/2010/main">
+                  <a:solidFill>
+                    <a:srgbClr val="FFFFFF"/>
+                  </a:solidFill>
+                </a14:hiddenFill>
+              </a:ext>
+            </a:extLst>
+          </p:spPr>
+        </p:pic>
+        <p:sp>
+          <p:nvSpPr>
+            <p:cNvPr id="19" name="Rechteck 6"/>
+            <p:cNvSpPr/>
+            <p:nvPr/>
+          </p:nvSpPr>
+          <p:spPr>
+            <a:xfrm>
+              <a:off x="2095500" y="1774208"/>
+              <a:ext cx="3315784" cy="4419600"/>
+            </a:xfrm>
+            <a:prstGeom prst="rect">
+              <a:avLst/>
+            </a:prstGeom>
+            <a:noFill/>
+            <a:ln>
+              <a:noFill/>
+            </a:ln>
+          </p:spPr>
+          <p:style>
+            <a:lnRef idx="2">
+              <a:schemeClr val="accent1">
+                <a:shade val="50000"/>
+              </a:schemeClr>
+            </a:lnRef>
+            <a:fillRef idx="1">
+              <a:schemeClr val="accent1"/>
+            </a:fillRef>
+            <a:effectRef idx="0">
+              <a:schemeClr val="accent1"/>
+            </a:effectRef>
+            <a:fontRef idx="minor">
+              <a:schemeClr val="lt1"/>
+            </a:fontRef>
+          </p:style>
+          <p:txBody>
+            <a:bodyPr anchor="ctr"/>
+            <a:lstStyle/>
+            <a:p>
+              <a:pPr algn="ctr">
+                <a:defRPr/>
+              </a:pPr>
+              <a:endParaRPr lang="de-DE"/>
+            </a:p>
+          </p:txBody>
+        </p:sp>
+      </p:grpSp>
+      <p:sp>
+        <p:nvSpPr>
+          <p:cNvPr id="20" name="Rechteck 7"/>
+          <p:cNvSpPr/>
+          <p:nvPr/>
+        </p:nvSpPr>
+        <p:spPr>
+          <a:xfrm>
+            <a:off x="5121825" y="2134500"/>
+            <a:ext cx="3435916" cy="1337201"/>
+          </a:xfrm>
+          <a:prstGeom prst="rect">
+            <a:avLst/>
+          </a:prstGeom>
+          <a:noFill/>
+          <a:ln>
+            <a:solidFill>
+              <a:srgbClr val="008000"/>
+            </a:solidFill>
+          </a:ln>
+        </p:spPr>
+        <p:style>
+          <a:lnRef idx="2">
+            <a:schemeClr val="accent1">
+              <a:shade val="50000"/>
+            </a:schemeClr>
+          </a:lnRef>
+          <a:fillRef idx="1">
+            <a:schemeClr val="accent1"/>
+          </a:fillRef>
+          <a:effectRef idx="0">
+            <a:schemeClr val="accent1"/>
+          </a:effectRef>
+          <a:fontRef idx="minor">
+            <a:schemeClr val="lt1"/>
+          </a:fontRef>
+        </p:style>
+        <p:txBody>
+          <a:bodyPr rtlCol="0" anchor="ctr"/>
+          <a:lstStyle/>
+          <a:p>
+            <a:pPr algn="ctr"/>
+            <a:endParaRPr lang="de-DE"/>
+          </a:p>
+        </p:txBody>
+      </p:sp>
+      <p:sp>
+        <p:nvSpPr>
+          <p:cNvPr id="21" name="Rechteck 8"/>
+          <p:cNvSpPr/>
+          <p:nvPr/>
+        </p:nvSpPr>
+        <p:spPr>
+          <a:xfrm>
+            <a:off x="5121825" y="3538376"/>
+            <a:ext cx="3435916" cy="2060539"/>
+          </a:xfrm>
+          <a:prstGeom prst="rect">
+            <a:avLst/>
+          </a:prstGeom>
+          <a:noFill/>
+          <a:ln>
+            <a:solidFill>
+              <a:srgbClr val="008000"/>
+            </a:solidFill>
+          </a:ln>
+        </p:spPr>
+        <p:style>
+          <a:lnRef idx="2">
+            <a:schemeClr val="accent1">
+              <a:shade val="50000"/>
+            </a:schemeClr>
+          </a:lnRef>
+          <a:fillRef idx="1">
+            <a:schemeClr val="accent1"/>
+          </a:fillRef>
+          <a:effectRef idx="0">
+            <a:schemeClr val="accent1"/>
+          </a:effectRef>
+          <a:fontRef idx="minor">
+            <a:schemeClr val="lt1"/>
+          </a:fontRef>
+        </p:style>
+        <p:txBody>
+          <a:bodyPr rtlCol="0" anchor="ctr"/>
+          <a:lstStyle/>
+          <a:p>
+            <a:pPr algn="ctr"/>
+            <a:endParaRPr lang="de-DE"/>
+          </a:p>
+        </p:txBody>
+      </p:sp>
+      <p:sp>
+        <p:nvSpPr>
+          <p:cNvPr id="22" name="Rechteck 9"/>
+          <p:cNvSpPr/>
+          <p:nvPr/>
+        </p:nvSpPr>
+        <p:spPr>
+          <a:xfrm>
+            <a:off x="5152800" y="3002876"/>
+            <a:ext cx="3348000" cy="432000"/>
+          </a:xfrm>
+          <a:prstGeom prst="rect">
+            <a:avLst/>
+          </a:prstGeom>
+          <a:noFill/>
+          <a:ln>
+            <a:solidFill>
+              <a:srgbClr val="FF0000"/>
+            </a:solidFill>
+          </a:ln>
+        </p:spPr>
+        <p:style>
+          <a:lnRef idx="2">
+            <a:schemeClr val="accent1">
+              <a:shade val="50000"/>
+            </a:schemeClr>
+          </a:lnRef>
+          <a:fillRef idx="1">
+            <a:schemeClr val="accent1"/>
+          </a:fillRef>
+          <a:effectRef idx="0">
+            <a:schemeClr val="accent1"/>
+          </a:effectRef>
+          <a:fontRef idx="minor">
+            <a:schemeClr val="lt1"/>
+          </a:fontRef>
+        </p:style>
+        <p:txBody>
+          <a:bodyPr rtlCol="0" anchor="ctr"/>
+          <a:lstStyle/>
+          <a:p>
+            <a:pPr algn="ctr"/>
+            <a:endParaRPr lang="de-DE"/>
+          </a:p>
+        </p:txBody>
+      </p:sp>
+      <p:sp>
+        <p:nvSpPr>
+          <p:cNvPr id="23" name="Rechteck 10"/>
+          <p:cNvSpPr/>
+          <p:nvPr/>
+        </p:nvSpPr>
+        <p:spPr>
+          <a:xfrm>
+            <a:off x="5162325" y="2376326"/>
+            <a:ext cx="3348000" cy="582300"/>
+          </a:xfrm>
+          <a:prstGeom prst="rect">
+            <a:avLst/>
+          </a:prstGeom>
+          <a:noFill/>
+          <a:ln>
+            <a:solidFill>
+              <a:srgbClr val="FF0000"/>
+            </a:solidFill>
+          </a:ln>
+        </p:spPr>
+        <p:style>
+          <a:lnRef idx="2">
+            <a:schemeClr val="accent1">
+              <a:shade val="50000"/>
+            </a:schemeClr>
+          </a:lnRef>
+          <a:fillRef idx="1">
+            <a:schemeClr val="accent1"/>
+          </a:fillRef>
+          <a:effectRef idx="0">
+            <a:schemeClr val="accent1"/>
+          </a:effectRef>
+          <a:fontRef idx="minor">
+            <a:schemeClr val="lt1"/>
+          </a:fontRef>
+        </p:style>
+        <p:txBody>
+          <a:bodyPr rtlCol="0" anchor="ctr"/>
+          <a:lstStyle/>
+          <a:p>
+            <a:pPr algn="ctr"/>
+            <a:endParaRPr lang="de-DE"/>
+          </a:p>
+        </p:txBody>
+      </p:sp>
+      <p:sp>
+        <p:nvSpPr>
+          <p:cNvPr id="24" name="Rechteck 11"/>
+          <p:cNvSpPr/>
+          <p:nvPr/>
+        </p:nvSpPr>
+        <p:spPr>
+          <a:xfrm>
+            <a:off x="5162325" y="3728876"/>
+            <a:ext cx="3348000" cy="1152000"/>
+          </a:xfrm>
+          <a:prstGeom prst="rect">
+            <a:avLst/>
+          </a:prstGeom>
+          <a:noFill/>
+          <a:ln>
+            <a:solidFill>
+              <a:srgbClr val="FF0000"/>
+            </a:solidFill>
+          </a:ln>
+        </p:spPr>
+        <p:style>
+          <a:lnRef idx="2">
+            <a:schemeClr val="accent1">
+              <a:shade val="50000"/>
+            </a:schemeClr>
+          </a:lnRef>
+          <a:fillRef idx="1">
+            <a:schemeClr val="accent1"/>
+          </a:fillRef>
+          <a:effectRef idx="0">
+            <a:schemeClr val="accent1"/>
+          </a:effectRef>
+          <a:fontRef idx="minor">
+            <a:schemeClr val="lt1"/>
+          </a:fontRef>
+        </p:style>
+        <p:txBody>
+          <a:bodyPr rtlCol="0" anchor="ctr"/>
+          <a:lstStyle/>
+          <a:p>
+            <a:pPr algn="ctr"/>
+            <a:endParaRPr lang="de-DE"/>
+          </a:p>
+        </p:txBody>
+      </p:sp>
+      <p:sp>
+        <p:nvSpPr>
+          <p:cNvPr id="25" name="Rechteck 12"/>
+          <p:cNvSpPr/>
+          <p:nvPr/>
+        </p:nvSpPr>
+        <p:spPr>
+          <a:xfrm>
+            <a:off x="5162325" y="4930890"/>
+            <a:ext cx="3348000" cy="504000"/>
+          </a:xfrm>
+          <a:prstGeom prst="rect">
+            <a:avLst/>
+          </a:prstGeom>
+          <a:noFill/>
+          <a:ln>
+            <a:solidFill>
+              <a:srgbClr val="FF0000"/>
+            </a:solidFill>
+          </a:ln>
+        </p:spPr>
+        <p:style>
+          <a:lnRef idx="2">
+            <a:schemeClr val="accent1">
+              <a:shade val="50000"/>
+            </a:schemeClr>
+          </a:lnRef>
+          <a:fillRef idx="1">
+            <a:schemeClr val="accent1"/>
+          </a:fillRef>
+          <a:effectRef idx="0">
+            <a:schemeClr val="accent1"/>
+          </a:effectRef>
+          <a:fontRef idx="minor">
+            <a:schemeClr val="lt1"/>
+          </a:fontRef>
+        </p:style>
+        <p:txBody>
+          <a:bodyPr rtlCol="0" anchor="ctr"/>
+          <a:lstStyle/>
+          <a:p>
+            <a:pPr algn="ctr"/>
+            <a:endParaRPr lang="de-DE"/>
+          </a:p>
+        </p:txBody>
+      </p:sp>
+      <p:sp>
+        <p:nvSpPr>
+          <p:cNvPr id="28" name="Rechteck 8"/>
+          <p:cNvSpPr/>
+          <p:nvPr/>
+        </p:nvSpPr>
+        <p:spPr>
+          <a:xfrm>
+            <a:off x="5044931" y="1061397"/>
+            <a:ext cx="3615697" cy="4594088"/>
+          </a:xfrm>
+          <a:prstGeom prst="rect">
+            <a:avLst/>
+          </a:prstGeom>
+          <a:noFill/>
+          <a:ln>
+            <a:solidFill>
+              <a:srgbClr val="008000"/>
+            </a:solidFill>
+          </a:ln>
+        </p:spPr>
+        <p:style>
+          <a:lnRef idx="2">
+            <a:schemeClr val="accent1">
+              <a:shade val="50000"/>
+            </a:schemeClr>
+          </a:lnRef>
+          <a:fillRef idx="1">
+            <a:schemeClr val="accent1"/>
+          </a:fillRef>
+          <a:effectRef idx="0">
+            <a:schemeClr val="accent1"/>
+          </a:effectRef>
+          <a:fontRef idx="minor">
+            <a:schemeClr val="lt1"/>
+          </a:fontRef>
+        </p:style>
+        <p:txBody>
+          <a:bodyPr anchor="ctr"/>
+          <a:lstStyle/>
+          <a:p>
+            <a:pPr algn="ctr">
+              <a:defRPr/>
+            </a:pPr>
+            <a:endParaRPr lang="de-DE"/>
+          </a:p>
+        </p:txBody>
+      </p:sp>
+      <p:sp>
+        <p:nvSpPr>
+          <p:cNvPr id="45" name="Oval 44"/>
+          <p:cNvSpPr>
+            <a:spLocks noChangeAspect="1"/>
+          </p:cNvSpPr>
+          <p:nvPr/>
+        </p:nvSpPr>
+        <p:spPr>
+          <a:xfrm>
+            <a:off x="877309" y="1865027"/>
+            <a:ext cx="255684" cy="255684"/>
+          </a:xfrm>
+          <a:prstGeom prst="ellipse">
+            <a:avLst/>
+          </a:prstGeom>
+          <a:solidFill>
+            <a:schemeClr val="tx2">
+              <a:lumMod val="60000"/>
+              <a:lumOff val="40000"/>
+            </a:schemeClr>
+          </a:solidFill>
+          <a:ln>
+            <a:solidFill>
+              <a:schemeClr val="tx1"/>
+            </a:solidFill>
+          </a:ln>
+        </p:spPr>
+        <p:style>
+          <a:lnRef idx="1">
+            <a:schemeClr val="accent1"/>
+          </a:lnRef>
+          <a:fillRef idx="3">
+            <a:schemeClr val="accent1"/>
+          </a:fillRef>
+          <a:effectRef idx="2">
+            <a:schemeClr val="accent1"/>
+          </a:effectRef>
+          <a:fontRef idx="minor">
+            <a:schemeClr val="lt1"/>
+          </a:fontRef>
+        </p:style>
+        <p:txBody>
+          <a:bodyPr lIns="0" tIns="0" rIns="0" bIns="45720" rtlCol="0" anchor="ctr"/>
+          <a:lstStyle/>
+          <a:p>
+            <a:pPr algn="ctr"/>
+            <a:r>
+              <a:rPr lang="en-US" sz="1200" dirty="0" smtClean="0"/>
+              <a:t>4b</a:t>
+            </a:r>
+            <a:endParaRPr lang="en-US" sz="1200" dirty="0"/>
+          </a:p>
+        </p:txBody>
+      </p:sp>
+      <p:sp>
+        <p:nvSpPr>
+          <p:cNvPr id="47" name="Oval 46"/>
+          <p:cNvSpPr>
+            <a:spLocks noChangeAspect="1"/>
+          </p:cNvSpPr>
+          <p:nvPr/>
+        </p:nvSpPr>
+        <p:spPr>
+          <a:xfrm>
+            <a:off x="877309" y="2533107"/>
+            <a:ext cx="255684" cy="255684"/>
+          </a:xfrm>
+          <a:prstGeom prst="ellipse">
+            <a:avLst/>
+          </a:prstGeom>
+          <a:solidFill>
+            <a:schemeClr val="tx2">
+              <a:lumMod val="60000"/>
+              <a:lumOff val="40000"/>
+            </a:schemeClr>
+          </a:solidFill>
+          <a:ln>
+            <a:solidFill>
+              <a:schemeClr val="tx1"/>
+            </a:solidFill>
+          </a:ln>
+        </p:spPr>
+        <p:style>
+          <a:lnRef idx="1">
+            <a:schemeClr val="accent1"/>
+          </a:lnRef>
+          <a:fillRef idx="3">
+            <a:schemeClr val="accent1"/>
+          </a:fillRef>
+          <a:effectRef idx="2">
+            <a:schemeClr val="accent1"/>
+          </a:effectRef>
+          <a:fontRef idx="minor">
+            <a:schemeClr val="lt1"/>
+          </a:fontRef>
+        </p:style>
+        <p:txBody>
+          <a:bodyPr lIns="0" tIns="0" rIns="0" bIns="45720" rtlCol="0" anchor="ctr"/>
+          <a:lstStyle/>
+          <a:p>
+            <a:pPr algn="ctr"/>
+            <a:r>
+              <a:rPr lang="en-US" sz="1200" dirty="0" smtClean="0"/>
+              <a:t>4b</a:t>
+            </a:r>
+            <a:endParaRPr lang="en-US" sz="1200" dirty="0"/>
+          </a:p>
+        </p:txBody>
+      </p:sp>
+      <p:grpSp>
+        <p:nvGrpSpPr>
+          <p:cNvPr id="59" name="Group 58"/>
+          <p:cNvGrpSpPr/>
+          <p:nvPr/>
+        </p:nvGrpSpPr>
+        <p:grpSpPr>
+          <a:xfrm>
+            <a:off x="956857" y="2162277"/>
+            <a:ext cx="100854" cy="343015"/>
+            <a:chOff x="1334924" y="166873"/>
+            <a:chExt cx="100854" cy="343015"/>
+          </a:xfrm>
+        </p:grpSpPr>
+        <p:cxnSp>
+          <p:nvCxnSpPr>
+            <p:cNvPr id="52" name="Straight Arrow Connector 51"/>
+            <p:cNvCxnSpPr/>
+            <p:nvPr/>
+          </p:nvCxnSpPr>
+          <p:spPr>
+            <a:xfrm flipV="1">
+              <a:off x="1334924" y="166873"/>
+              <a:ext cx="0" cy="343015"/>
+            </a:xfrm>
+            <a:prstGeom prst="straightConnector1">
+              <a:avLst/>
+            </a:prstGeom>
+            <a:ln>
+              <a:tailEnd type="arrow"/>
+            </a:ln>
+          </p:spPr>
+          <p:style>
+            <a:lnRef idx="2">
+              <a:schemeClr val="accent1"/>
+            </a:lnRef>
+            <a:fillRef idx="0">
+              <a:schemeClr val="accent1"/>
+            </a:fillRef>
+            <a:effectRef idx="1">
+              <a:schemeClr val="accent1"/>
+            </a:effectRef>
+            <a:fontRef idx="minor">
+              <a:schemeClr val="tx1"/>
+            </a:fontRef>
+          </p:style>
+        </p:cxnSp>
+        <p:cxnSp>
+          <p:nvCxnSpPr>
+            <p:cNvPr id="53" name="Straight Arrow Connector 52"/>
+            <p:cNvCxnSpPr/>
+            <p:nvPr/>
+          </p:nvCxnSpPr>
+          <p:spPr>
+            <a:xfrm>
+              <a:off x="1435778" y="166873"/>
+              <a:ext cx="0" cy="343015"/>
+            </a:xfrm>
+            <a:prstGeom prst="straightConnector1">
+              <a:avLst/>
+            </a:prstGeom>
+            <a:ln>
+              <a:tailEnd type="arrow"/>
+            </a:ln>
+          </p:spPr>
+          <p:style>
+            <a:lnRef idx="2">
+              <a:schemeClr val="accent1"/>
+            </a:lnRef>
+            <a:fillRef idx="0">
+              <a:schemeClr val="accent1"/>
+            </a:fillRef>
+            <a:effectRef idx="1">
+              <a:schemeClr val="accent1"/>
+            </a:effectRef>
+            <a:fontRef idx="minor">
+              <a:schemeClr val="tx1"/>
+            </a:fontRef>
+          </p:style>
+        </p:cxnSp>
+      </p:grpSp>
+      <p:sp>
+        <p:nvSpPr>
+          <p:cNvPr id="61" name="Oval 60"/>
+          <p:cNvSpPr>
+            <a:spLocks noChangeAspect="1"/>
+          </p:cNvSpPr>
+          <p:nvPr/>
+        </p:nvSpPr>
+        <p:spPr>
+          <a:xfrm>
+            <a:off x="881575" y="3237836"/>
+            <a:ext cx="255684" cy="255684"/>
+          </a:xfrm>
+          <a:prstGeom prst="ellipse">
+            <a:avLst/>
+          </a:prstGeom>
+          <a:solidFill>
+            <a:schemeClr val="tx2">
+              <a:lumMod val="60000"/>
+              <a:lumOff val="40000"/>
+            </a:schemeClr>
+          </a:solidFill>
+          <a:ln>
+            <a:solidFill>
+              <a:schemeClr val="tx1"/>
+            </a:solidFill>
+          </a:ln>
+        </p:spPr>
+        <p:style>
+          <a:lnRef idx="1">
+            <a:schemeClr val="accent1"/>
+          </a:lnRef>
+          <a:fillRef idx="3">
+            <a:schemeClr val="accent1"/>
+          </a:fillRef>
+          <a:effectRef idx="2">
+            <a:schemeClr val="accent1"/>
+          </a:effectRef>
+          <a:fontRef idx="minor">
+            <a:schemeClr val="lt1"/>
+          </a:fontRef>
+        </p:style>
+        <p:txBody>
+          <a:bodyPr lIns="0" tIns="0" rIns="0" bIns="45720" rtlCol="0" anchor="ctr"/>
+          <a:lstStyle/>
+          <a:p>
+            <a:pPr algn="ctr"/>
+            <a:r>
+              <a:rPr lang="en-US" sz="1200" dirty="0" smtClean="0"/>
+              <a:t>4b</a:t>
+            </a:r>
+            <a:endParaRPr lang="en-US" sz="1200" dirty="0"/>
+          </a:p>
+        </p:txBody>
+      </p:sp>
+      <p:sp>
+        <p:nvSpPr>
+          <p:cNvPr id="62" name="Oval 61"/>
+          <p:cNvSpPr>
+            <a:spLocks noChangeAspect="1"/>
+          </p:cNvSpPr>
+          <p:nvPr/>
+        </p:nvSpPr>
+        <p:spPr>
+          <a:xfrm>
+            <a:off x="877309" y="3894467"/>
+            <a:ext cx="255684" cy="255684"/>
+          </a:xfrm>
+          <a:prstGeom prst="ellipse">
+            <a:avLst/>
+          </a:prstGeom>
+          <a:solidFill>
+            <a:schemeClr val="tx2">
+              <a:lumMod val="60000"/>
+              <a:lumOff val="40000"/>
+            </a:schemeClr>
+          </a:solidFill>
+          <a:ln>
+            <a:solidFill>
+              <a:schemeClr val="tx1"/>
+            </a:solidFill>
+          </a:ln>
+        </p:spPr>
+        <p:style>
+          <a:lnRef idx="1">
+            <a:schemeClr val="accent1"/>
+          </a:lnRef>
+          <a:fillRef idx="3">
+            <a:schemeClr val="accent1"/>
+          </a:fillRef>
+          <a:effectRef idx="2">
+            <a:schemeClr val="accent1"/>
+          </a:effectRef>
+          <a:fontRef idx="minor">
+            <a:schemeClr val="lt1"/>
+          </a:fontRef>
+        </p:style>
+        <p:txBody>
+          <a:bodyPr lIns="0" tIns="0" rIns="0" bIns="45720" rtlCol="0" anchor="ctr"/>
+          <a:lstStyle/>
+          <a:p>
+            <a:pPr algn="ctr"/>
+            <a:r>
+              <a:rPr lang="en-US" sz="1200" dirty="0" smtClean="0"/>
+              <a:t>4b</a:t>
+            </a:r>
+            <a:endParaRPr lang="en-US" sz="1200" dirty="0"/>
+          </a:p>
+        </p:txBody>
+      </p:sp>
+      <p:grpSp>
+        <p:nvGrpSpPr>
+          <p:cNvPr id="63" name="Group 62"/>
+          <p:cNvGrpSpPr/>
+          <p:nvPr/>
+        </p:nvGrpSpPr>
+        <p:grpSpPr>
+          <a:xfrm>
+            <a:off x="956857" y="3523637"/>
+            <a:ext cx="100854" cy="343015"/>
+            <a:chOff x="1334924" y="166873"/>
+            <a:chExt cx="100854" cy="343015"/>
+          </a:xfrm>
+        </p:grpSpPr>
+        <p:cxnSp>
+          <p:nvCxnSpPr>
+            <p:cNvPr id="64" name="Straight Arrow Connector 63"/>
+            <p:cNvCxnSpPr/>
+            <p:nvPr/>
+          </p:nvCxnSpPr>
+          <p:spPr>
+            <a:xfrm flipV="1">
+              <a:off x="1334924" y="166873"/>
+              <a:ext cx="0" cy="343015"/>
+            </a:xfrm>
+            <a:prstGeom prst="straightConnector1">
+              <a:avLst/>
+            </a:prstGeom>
+            <a:ln>
+              <a:tailEnd type="arrow"/>
+            </a:ln>
+          </p:spPr>
+          <p:style>
+            <a:lnRef idx="2">
+              <a:schemeClr val="accent1"/>
+            </a:lnRef>
+            <a:fillRef idx="0">
+              <a:schemeClr val="accent1"/>
+            </a:fillRef>
+            <a:effectRef idx="1">
+              <a:schemeClr val="accent1"/>
+            </a:effectRef>
+            <a:fontRef idx="minor">
+              <a:schemeClr val="tx1"/>
+            </a:fontRef>
+          </p:style>
+        </p:cxnSp>
+        <p:cxnSp>
+          <p:nvCxnSpPr>
+            <p:cNvPr id="65" name="Straight Arrow Connector 64"/>
+            <p:cNvCxnSpPr/>
+            <p:nvPr/>
+          </p:nvCxnSpPr>
+          <p:spPr>
+            <a:xfrm>
+              <a:off x="1435778" y="166873"/>
+              <a:ext cx="0" cy="343015"/>
+            </a:xfrm>
+            <a:prstGeom prst="straightConnector1">
+              <a:avLst/>
+            </a:prstGeom>
+            <a:ln>
+              <a:tailEnd type="arrow"/>
+            </a:ln>
+          </p:spPr>
+          <p:style>
+            <a:lnRef idx="2">
+              <a:schemeClr val="accent1"/>
+            </a:lnRef>
+            <a:fillRef idx="0">
+              <a:schemeClr val="accent1"/>
+            </a:fillRef>
+            <a:effectRef idx="1">
+              <a:schemeClr val="accent1"/>
+            </a:effectRef>
+            <a:fontRef idx="minor">
+              <a:schemeClr val="tx1"/>
+            </a:fontRef>
+          </p:style>
+        </p:cxnSp>
+      </p:grpSp>
+      <p:grpSp>
+        <p:nvGrpSpPr>
+          <p:cNvPr id="66" name="Group 65"/>
+          <p:cNvGrpSpPr/>
+          <p:nvPr/>
+        </p:nvGrpSpPr>
+        <p:grpSpPr>
+          <a:xfrm>
+            <a:off x="956857" y="2817599"/>
+            <a:ext cx="100854" cy="343015"/>
+            <a:chOff x="1334924" y="166873"/>
+            <a:chExt cx="100854" cy="343015"/>
+          </a:xfrm>
+        </p:grpSpPr>
+        <p:cxnSp>
+          <p:nvCxnSpPr>
+            <p:cNvPr id="67" name="Straight Arrow Connector 66"/>
+            <p:cNvCxnSpPr/>
+            <p:nvPr/>
+          </p:nvCxnSpPr>
+          <p:spPr>
+            <a:xfrm flipV="1">
+              <a:off x="1334924" y="166873"/>
+              <a:ext cx="0" cy="343015"/>
+            </a:xfrm>
+            <a:prstGeom prst="straightConnector1">
+              <a:avLst/>
+            </a:prstGeom>
+            <a:ln>
+              <a:tailEnd type="arrow"/>
+            </a:ln>
+          </p:spPr>
+          <p:style>
+            <a:lnRef idx="2">
+              <a:schemeClr val="accent1"/>
+            </a:lnRef>
+            <a:fillRef idx="0">
+              <a:schemeClr val="accent1"/>
+            </a:fillRef>
+            <a:effectRef idx="1">
+              <a:schemeClr val="accent1"/>
+            </a:effectRef>
+            <a:fontRef idx="minor">
+              <a:schemeClr val="tx1"/>
+            </a:fontRef>
+          </p:style>
+        </p:cxnSp>
+        <p:cxnSp>
+          <p:nvCxnSpPr>
+            <p:cNvPr id="68" name="Straight Arrow Connector 67"/>
+            <p:cNvCxnSpPr/>
+            <p:nvPr/>
+          </p:nvCxnSpPr>
+          <p:spPr>
+            <a:xfrm>
+              <a:off x="1435778" y="166873"/>
+              <a:ext cx="0" cy="343015"/>
+            </a:xfrm>
+            <a:prstGeom prst="straightConnector1">
+              <a:avLst/>
+            </a:prstGeom>
+            <a:ln>
+              <a:tailEnd type="arrow"/>
+            </a:ln>
+          </p:spPr>
+          <p:style>
+            <a:lnRef idx="2">
+              <a:schemeClr val="accent1"/>
+            </a:lnRef>
+            <a:fillRef idx="0">
+              <a:schemeClr val="accent1"/>
+            </a:fillRef>
+            <a:effectRef idx="1">
+              <a:schemeClr val="accent1"/>
+            </a:effectRef>
+            <a:fontRef idx="minor">
+              <a:schemeClr val="tx1"/>
+            </a:fontRef>
+          </p:style>
+        </p:cxnSp>
+      </p:grpSp>
+      <p:cxnSp>
+        <p:nvCxnSpPr>
+          <p:cNvPr id="70" name="Straight Connector 69"/>
+          <p:cNvCxnSpPr>
+            <a:stCxn id="45" idx="6"/>
+            <a:endCxn id="33" idx="2"/>
+          </p:cNvCxnSpPr>
+          <p:nvPr/>
+        </p:nvCxnSpPr>
+        <p:spPr>
+          <a:xfrm flipV="1">
+            <a:off x="1132993" y="1062958"/>
+            <a:ext cx="2447127" cy="929911"/>
+          </a:xfrm>
+          <a:prstGeom prst="line">
+            <a:avLst/>
+          </a:prstGeom>
+        </p:spPr>
+        <p:style>
+          <a:lnRef idx="2">
+            <a:schemeClr val="accent1"/>
+          </a:lnRef>
+          <a:fillRef idx="0">
+            <a:schemeClr val="accent1"/>
+          </a:fillRef>
+          <a:effectRef idx="1">
+            <a:schemeClr val="accent1"/>
+          </a:effectRef>
+          <a:fontRef idx="minor">
+            <a:schemeClr val="tx1"/>
+          </a:fontRef>
+        </p:style>
+      </p:cxnSp>
+      <p:cxnSp>
+        <p:nvCxnSpPr>
+          <p:cNvPr id="71" name="Straight Connector 70"/>
+          <p:cNvCxnSpPr>
+            <a:stCxn id="62" idx="6"/>
+            <a:endCxn id="33" idx="4"/>
+          </p:cNvCxnSpPr>
+          <p:nvPr/>
+        </p:nvCxnSpPr>
+        <p:spPr>
+          <a:xfrm flipV="1">
+            <a:off x="1132993" y="1190800"/>
+            <a:ext cx="2574969" cy="2831509"/>
+          </a:xfrm>
+          <a:prstGeom prst="line">
+            <a:avLst/>
+          </a:prstGeom>
+        </p:spPr>
+        <p:style>
+          <a:lnRef idx="2">
+            <a:schemeClr val="accent1"/>
+          </a:lnRef>
+          <a:fillRef idx="0">
+            <a:schemeClr val="accent1"/>
+          </a:fillRef>
+          <a:effectRef idx="1">
+            <a:schemeClr val="accent1"/>
+          </a:effectRef>
+          <a:fontRef idx="minor">
+            <a:schemeClr val="tx1"/>
+          </a:fontRef>
+        </p:style>
+      </p:cxnSp>
+      <p:cxnSp>
+        <p:nvCxnSpPr>
+          <p:cNvPr id="75" name="Straight Connector 74"/>
+          <p:cNvCxnSpPr>
+            <a:stCxn id="39" idx="6"/>
+            <a:endCxn id="34" idx="2"/>
+          </p:cNvCxnSpPr>
+          <p:nvPr/>
+        </p:nvCxnSpPr>
+        <p:spPr>
+          <a:xfrm flipV="1">
+            <a:off x="5479902" y="2376326"/>
+            <a:ext cx="1669285" cy="372083"/>
+          </a:xfrm>
+          <a:prstGeom prst="line">
+            <a:avLst/>
+          </a:prstGeom>
+        </p:spPr>
+        <p:style>
+          <a:lnRef idx="2">
+            <a:schemeClr val="accent1"/>
+          </a:lnRef>
+          <a:fillRef idx="0">
+            <a:schemeClr val="accent1"/>
+          </a:fillRef>
+          <a:effectRef idx="1">
+            <a:schemeClr val="accent1"/>
+          </a:effectRef>
+          <a:fontRef idx="minor">
+            <a:schemeClr val="tx1"/>
+          </a:fontRef>
+        </p:style>
+      </p:cxnSp>
+      <p:cxnSp>
+        <p:nvCxnSpPr>
+          <p:cNvPr id="88" name="Straight Connector 87"/>
+          <p:cNvCxnSpPr>
+            <a:endCxn id="36" idx="2"/>
+          </p:cNvCxnSpPr>
+          <p:nvPr/>
+        </p:nvCxnSpPr>
+        <p:spPr>
+          <a:xfrm flipV="1">
+            <a:off x="5473931" y="3002876"/>
+            <a:ext cx="2393148" cy="245698"/>
+          </a:xfrm>
+          <a:prstGeom prst="line">
+            <a:avLst/>
+          </a:prstGeom>
+        </p:spPr>
+        <p:style>
+          <a:lnRef idx="2">
+            <a:schemeClr val="accent1"/>
+          </a:lnRef>
+          <a:fillRef idx="0">
+            <a:schemeClr val="accent1"/>
+          </a:fillRef>
+          <a:effectRef idx="1">
+            <a:schemeClr val="accent1"/>
+          </a:effectRef>
+          <a:fontRef idx="minor">
+            <a:schemeClr val="tx1"/>
+          </a:fontRef>
+        </p:style>
+      </p:cxnSp>
+      <p:cxnSp>
+        <p:nvCxnSpPr>
+          <p:cNvPr id="95" name="Straight Connector 94"/>
+          <p:cNvCxnSpPr>
+            <a:endCxn id="37" idx="3"/>
+          </p:cNvCxnSpPr>
+          <p:nvPr/>
+        </p:nvCxnSpPr>
+        <p:spPr>
+          <a:xfrm flipV="1">
+            <a:off x="5479902" y="3817388"/>
+            <a:ext cx="1614029" cy="423832"/>
+          </a:xfrm>
+          <a:prstGeom prst="line">
+            <a:avLst/>
+          </a:prstGeom>
+        </p:spPr>
+        <p:style>
+          <a:lnRef idx="2">
+            <a:schemeClr val="accent1"/>
+          </a:lnRef>
+          <a:fillRef idx="0">
+            <a:schemeClr val="accent1"/>
+          </a:fillRef>
+          <a:effectRef idx="1">
+            <a:schemeClr val="accent1"/>
+          </a:effectRef>
+          <a:fontRef idx="minor">
+            <a:schemeClr val="tx1"/>
+          </a:fontRef>
+        </p:style>
+      </p:cxnSp>
+      <p:cxnSp>
+        <p:nvCxnSpPr>
+          <p:cNvPr id="101" name="Straight Connector 100"/>
+          <p:cNvCxnSpPr>
+            <a:endCxn id="38" idx="2"/>
+          </p:cNvCxnSpPr>
+          <p:nvPr/>
+        </p:nvCxnSpPr>
+        <p:spPr>
+          <a:xfrm flipV="1">
+            <a:off x="5486078" y="4930890"/>
+            <a:ext cx="2381001" cy="258546"/>
+          </a:xfrm>
+          <a:prstGeom prst="line">
+            <a:avLst/>
+          </a:prstGeom>
+        </p:spPr>
+        <p:style>
+          <a:lnRef idx="2">
+            <a:schemeClr val="accent1"/>
+          </a:lnRef>
+          <a:fillRef idx="0">
+            <a:schemeClr val="accent1"/>
+          </a:fillRef>
+          <a:effectRef idx="1">
+            <a:schemeClr val="accent1"/>
+          </a:effectRef>
+          <a:fontRef idx="minor">
+            <a:schemeClr val="tx1"/>
+          </a:fontRef>
+        </p:style>
+      </p:cxnSp>
+      <p:sp>
+        <p:nvSpPr>
+          <p:cNvPr id="32" name="Oval 31"/>
+          <p:cNvSpPr>
+            <a:spLocks noChangeAspect="1"/>
+          </p:cNvSpPr>
+          <p:nvPr/>
+        </p:nvSpPr>
+        <p:spPr>
+          <a:xfrm>
+            <a:off x="5096376" y="912279"/>
+            <a:ext cx="255684" cy="255684"/>
+          </a:xfrm>
+          <a:prstGeom prst="ellipse">
+            <a:avLst/>
+          </a:prstGeom>
+          <a:solidFill>
+            <a:srgbClr val="008000"/>
+          </a:solidFill>
+          <a:ln>
+            <a:solidFill>
+              <a:srgbClr val="000000"/>
+            </a:solidFill>
+          </a:ln>
+        </p:spPr>
+        <p:style>
+          <a:lnRef idx="1">
+            <a:schemeClr val="accent1"/>
+          </a:lnRef>
+          <a:fillRef idx="3">
+            <a:schemeClr val="accent1"/>
+          </a:fillRef>
+          <a:effectRef idx="2">
+            <a:schemeClr val="accent1"/>
+          </a:effectRef>
+          <a:fontRef idx="minor">
+            <a:schemeClr val="lt1"/>
+          </a:fontRef>
+        </p:style>
+        <p:txBody>
+          <a:bodyPr lIns="0" tIns="0" rIns="0" bIns="45720" rtlCol="0" anchor="ctr"/>
+          <a:lstStyle/>
+          <a:p>
+            <a:pPr algn="ctr"/>
+            <a:r>
+              <a:rPr lang="en-US" sz="1200" dirty="0" smtClean="0"/>
+              <a:t>1</a:t>
+            </a:r>
+            <a:endParaRPr lang="en-US" sz="1200" dirty="0"/>
+          </a:p>
+        </p:txBody>
+      </p:sp>
+      <p:sp>
+        <p:nvSpPr>
+          <p:cNvPr id="39" name="Oval 38"/>
+          <p:cNvSpPr>
+            <a:spLocks noChangeAspect="1"/>
+          </p:cNvSpPr>
+          <p:nvPr/>
+        </p:nvSpPr>
+        <p:spPr>
+          <a:xfrm>
+            <a:off x="5224218" y="2620567"/>
+            <a:ext cx="255684" cy="255684"/>
+          </a:xfrm>
+          <a:prstGeom prst="ellipse">
+            <a:avLst/>
+          </a:prstGeom>
+          <a:solidFill>
+            <a:schemeClr val="tx2">
+              <a:lumMod val="60000"/>
+              <a:lumOff val="40000"/>
+            </a:schemeClr>
+          </a:solidFill>
+          <a:ln>
+            <a:solidFill>
+              <a:srgbClr val="000000"/>
+            </a:solidFill>
+          </a:ln>
+        </p:spPr>
+        <p:style>
+          <a:lnRef idx="1">
+            <a:schemeClr val="accent1"/>
+          </a:lnRef>
+          <a:fillRef idx="3">
+            <a:schemeClr val="accent1"/>
+          </a:fillRef>
+          <a:effectRef idx="2">
+            <a:schemeClr val="accent1"/>
+          </a:effectRef>
+          <a:fontRef idx="minor">
+            <a:schemeClr val="lt1"/>
+          </a:fontRef>
+        </p:style>
+        <p:txBody>
+          <a:bodyPr lIns="0" tIns="0" rIns="0" bIns="45720" rtlCol="0" anchor="ctr"/>
+          <a:lstStyle/>
+          <a:p>
+            <a:pPr algn="ctr"/>
+            <a:r>
+              <a:rPr lang="en-US" sz="1200" dirty="0" smtClean="0"/>
+              <a:t>3c</a:t>
+            </a:r>
+            <a:endParaRPr lang="en-US" sz="1200" dirty="0"/>
+          </a:p>
+        </p:txBody>
+      </p:sp>
+      <p:sp>
+        <p:nvSpPr>
+          <p:cNvPr id="40" name="Oval 39"/>
+          <p:cNvSpPr>
+            <a:spLocks noChangeAspect="1"/>
+          </p:cNvSpPr>
+          <p:nvPr/>
+        </p:nvSpPr>
+        <p:spPr>
+          <a:xfrm>
+            <a:off x="5248776" y="3113294"/>
+            <a:ext cx="255684" cy="255684"/>
+          </a:xfrm>
+          <a:prstGeom prst="ellipse">
+            <a:avLst/>
+          </a:prstGeom>
+          <a:solidFill>
+            <a:schemeClr val="tx2">
+              <a:lumMod val="60000"/>
+              <a:lumOff val="40000"/>
+            </a:schemeClr>
+          </a:solidFill>
+          <a:ln>
+            <a:solidFill>
+              <a:srgbClr val="000000"/>
+            </a:solidFill>
+          </a:ln>
+        </p:spPr>
+        <p:style>
+          <a:lnRef idx="1">
+            <a:schemeClr val="accent1"/>
+          </a:lnRef>
+          <a:fillRef idx="3">
+            <a:schemeClr val="accent1"/>
+          </a:fillRef>
+          <a:effectRef idx="2">
+            <a:schemeClr val="accent1"/>
+          </a:effectRef>
+          <a:fontRef idx="minor">
+            <a:schemeClr val="lt1"/>
+          </a:fontRef>
+        </p:style>
+        <p:txBody>
+          <a:bodyPr lIns="0" tIns="0" rIns="0" bIns="45720" rtlCol="0" anchor="ctr"/>
+          <a:lstStyle/>
+          <a:p>
+            <a:pPr algn="ctr"/>
+            <a:r>
+              <a:rPr lang="en-US" sz="1200" dirty="0" smtClean="0"/>
+              <a:t>3c</a:t>
+            </a:r>
+            <a:endParaRPr lang="en-US" sz="1200" dirty="0"/>
+          </a:p>
+        </p:txBody>
+      </p:sp>
+      <p:sp>
+        <p:nvSpPr>
+          <p:cNvPr id="41" name="Oval 40"/>
+          <p:cNvSpPr>
+            <a:spLocks noChangeAspect="1"/>
+          </p:cNvSpPr>
+          <p:nvPr/>
+        </p:nvSpPr>
+        <p:spPr>
+          <a:xfrm>
+            <a:off x="5248776" y="4163570"/>
+            <a:ext cx="255684" cy="255684"/>
+          </a:xfrm>
+          <a:prstGeom prst="ellipse">
+            <a:avLst/>
+          </a:prstGeom>
+          <a:solidFill>
+            <a:schemeClr val="tx2">
+              <a:lumMod val="60000"/>
+              <a:lumOff val="40000"/>
+            </a:schemeClr>
+          </a:solidFill>
+          <a:ln>
+            <a:solidFill>
+              <a:srgbClr val="000000"/>
+            </a:solidFill>
+          </a:ln>
+        </p:spPr>
+        <p:style>
+          <a:lnRef idx="1">
+            <a:schemeClr val="accent1"/>
+          </a:lnRef>
+          <a:fillRef idx="3">
+            <a:schemeClr val="accent1"/>
+          </a:fillRef>
+          <a:effectRef idx="2">
+            <a:schemeClr val="accent1"/>
+          </a:effectRef>
+          <a:fontRef idx="minor">
+            <a:schemeClr val="lt1"/>
+          </a:fontRef>
+        </p:style>
+        <p:txBody>
+          <a:bodyPr lIns="0" tIns="0" rIns="0" bIns="45720" rtlCol="0" anchor="ctr"/>
+          <a:lstStyle/>
+          <a:p>
+            <a:pPr algn="ctr"/>
+            <a:r>
+              <a:rPr lang="en-US" sz="1200" dirty="0" smtClean="0"/>
+              <a:t>3c</a:t>
+            </a:r>
+            <a:endParaRPr lang="en-US" sz="1200" dirty="0"/>
+          </a:p>
+        </p:txBody>
+      </p:sp>
+      <p:sp>
+        <p:nvSpPr>
+          <p:cNvPr id="42" name="Oval 41"/>
+          <p:cNvSpPr>
+            <a:spLocks noChangeAspect="1"/>
+          </p:cNvSpPr>
+          <p:nvPr/>
+        </p:nvSpPr>
+        <p:spPr>
+          <a:xfrm>
+            <a:off x="5248776" y="5058732"/>
+            <a:ext cx="255684" cy="255684"/>
+          </a:xfrm>
+          <a:prstGeom prst="ellipse">
+            <a:avLst/>
+          </a:prstGeom>
+          <a:solidFill>
+            <a:schemeClr val="tx2">
+              <a:lumMod val="60000"/>
+              <a:lumOff val="40000"/>
+            </a:schemeClr>
+          </a:solidFill>
+          <a:ln>
+            <a:solidFill>
+              <a:srgbClr val="000000"/>
+            </a:solidFill>
+          </a:ln>
+        </p:spPr>
+        <p:style>
+          <a:lnRef idx="1">
+            <a:schemeClr val="accent1"/>
+          </a:lnRef>
+          <a:fillRef idx="3">
+            <a:schemeClr val="accent1"/>
+          </a:fillRef>
+          <a:effectRef idx="2">
+            <a:schemeClr val="accent1"/>
+          </a:effectRef>
+          <a:fontRef idx="minor">
+            <a:schemeClr val="lt1"/>
+          </a:fontRef>
+        </p:style>
+        <p:txBody>
+          <a:bodyPr lIns="0" tIns="0" rIns="0" bIns="45720" rtlCol="0" anchor="ctr"/>
+          <a:lstStyle/>
+          <a:p>
+            <a:pPr algn="ctr"/>
+            <a:r>
+              <a:rPr lang="en-US" sz="1200" dirty="0" smtClean="0"/>
+              <a:t>3c</a:t>
+            </a:r>
+            <a:endParaRPr lang="en-US" sz="1200" dirty="0"/>
+          </a:p>
+        </p:txBody>
+      </p:sp>
+      <p:sp>
+        <p:nvSpPr>
+          <p:cNvPr id="43" name="Oval 42"/>
+          <p:cNvSpPr>
+            <a:spLocks noChangeAspect="1"/>
+          </p:cNvSpPr>
+          <p:nvPr/>
+        </p:nvSpPr>
+        <p:spPr>
+          <a:xfrm>
+            <a:off x="7492191" y="1992800"/>
+            <a:ext cx="255684" cy="255684"/>
+          </a:xfrm>
+          <a:prstGeom prst="ellipse">
+            <a:avLst/>
+          </a:prstGeom>
+          <a:solidFill>
+            <a:srgbClr val="008000"/>
+          </a:solidFill>
+          <a:ln>
+            <a:solidFill>
+              <a:srgbClr val="000000"/>
+            </a:solidFill>
+          </a:ln>
+        </p:spPr>
+        <p:style>
+          <a:lnRef idx="1">
+            <a:schemeClr val="accent1"/>
+          </a:lnRef>
+          <a:fillRef idx="3">
+            <a:schemeClr val="accent1"/>
+          </a:fillRef>
+          <a:effectRef idx="2">
+            <a:schemeClr val="accent1"/>
+          </a:effectRef>
+          <a:fontRef idx="minor">
+            <a:schemeClr val="lt1"/>
+          </a:fontRef>
+        </p:style>
+        <p:txBody>
+          <a:bodyPr lIns="0" tIns="0" rIns="0" bIns="45720" rtlCol="0" anchor="ctr"/>
+          <a:lstStyle/>
+          <a:p>
+            <a:pPr algn="ctr"/>
+            <a:r>
+              <a:rPr lang="en-US" sz="1200" dirty="0"/>
+              <a:t>2</a:t>
+            </a:r>
+          </a:p>
+        </p:txBody>
+      </p:sp>
+      <p:sp>
+        <p:nvSpPr>
+          <p:cNvPr id="44" name="Oval 43"/>
+          <p:cNvSpPr>
+            <a:spLocks noChangeAspect="1"/>
+          </p:cNvSpPr>
+          <p:nvPr/>
+        </p:nvSpPr>
+        <p:spPr>
+          <a:xfrm>
+            <a:off x="7492191" y="3410534"/>
+            <a:ext cx="255684" cy="255684"/>
+          </a:xfrm>
+          <a:prstGeom prst="ellipse">
+            <a:avLst/>
+          </a:prstGeom>
+          <a:solidFill>
+            <a:srgbClr val="008000"/>
+          </a:solidFill>
+          <a:ln>
+            <a:solidFill>
+              <a:srgbClr val="000000"/>
+            </a:solidFill>
+          </a:ln>
+        </p:spPr>
+        <p:style>
+          <a:lnRef idx="1">
+            <a:schemeClr val="accent1"/>
+          </a:lnRef>
+          <a:fillRef idx="3">
+            <a:schemeClr val="accent1"/>
+          </a:fillRef>
+          <a:effectRef idx="2">
+            <a:schemeClr val="accent1"/>
+          </a:effectRef>
+          <a:fontRef idx="minor">
+            <a:schemeClr val="lt1"/>
+          </a:fontRef>
+        </p:style>
+        <p:txBody>
+          <a:bodyPr lIns="0" tIns="0" rIns="0" bIns="45720" rtlCol="0" anchor="ctr"/>
+          <a:lstStyle/>
+          <a:p>
+            <a:pPr algn="ctr"/>
+            <a:r>
+              <a:rPr lang="en-US" sz="1200" dirty="0"/>
+              <a:t>2</a:t>
+            </a:r>
+          </a:p>
+        </p:txBody>
+      </p:sp>
+      <p:sp>
+        <p:nvSpPr>
+          <p:cNvPr id="33" name="Oval 32"/>
+          <p:cNvSpPr>
+            <a:spLocks noChangeAspect="1"/>
+          </p:cNvSpPr>
+          <p:nvPr/>
+        </p:nvSpPr>
+        <p:spPr>
+          <a:xfrm>
+            <a:off x="3580120" y="935116"/>
+            <a:ext cx="255684" cy="255684"/>
+          </a:xfrm>
+          <a:prstGeom prst="ellipse">
+            <a:avLst/>
+          </a:prstGeom>
+          <a:solidFill>
+            <a:srgbClr val="660066"/>
+          </a:solidFill>
+          <a:ln>
+            <a:solidFill>
+              <a:srgbClr val="000000"/>
+            </a:solidFill>
+          </a:ln>
+        </p:spPr>
+        <p:style>
+          <a:lnRef idx="1">
+            <a:schemeClr val="accent1"/>
+          </a:lnRef>
+          <a:fillRef idx="3">
+            <a:schemeClr val="accent1"/>
+          </a:fillRef>
+          <a:effectRef idx="2">
+            <a:schemeClr val="accent1"/>
+          </a:effectRef>
+          <a:fontRef idx="minor">
+            <a:schemeClr val="lt1"/>
+          </a:fontRef>
+        </p:style>
+        <p:txBody>
+          <a:bodyPr lIns="0" tIns="0" rIns="0" bIns="45720" rtlCol="0" anchor="ctr"/>
+          <a:lstStyle/>
+          <a:p>
+            <a:pPr algn="ctr"/>
+            <a:r>
+              <a:rPr lang="en-US" sz="1200" dirty="0" smtClean="0"/>
+              <a:t>4a</a:t>
+            </a:r>
+            <a:endParaRPr lang="en-US" sz="1200" dirty="0"/>
+          </a:p>
+        </p:txBody>
+      </p:sp>
+      <p:sp>
+        <p:nvSpPr>
+          <p:cNvPr id="34" name="Oval 33"/>
+          <p:cNvSpPr>
+            <a:spLocks noChangeAspect="1"/>
+          </p:cNvSpPr>
+          <p:nvPr/>
+        </p:nvSpPr>
+        <p:spPr>
+          <a:xfrm>
+            <a:off x="7149187" y="2248484"/>
+            <a:ext cx="255684" cy="255684"/>
+          </a:xfrm>
+          <a:prstGeom prst="ellipse">
+            <a:avLst/>
+          </a:prstGeom>
+          <a:solidFill>
+            <a:srgbClr val="FF0000"/>
+          </a:solidFill>
+          <a:ln>
+            <a:solidFill>
+              <a:srgbClr val="000000"/>
+            </a:solidFill>
+          </a:ln>
+        </p:spPr>
+        <p:style>
+          <a:lnRef idx="1">
+            <a:schemeClr val="accent1"/>
+          </a:lnRef>
+          <a:fillRef idx="3">
+            <a:schemeClr val="accent1"/>
+          </a:fillRef>
+          <a:effectRef idx="2">
+            <a:schemeClr val="accent1"/>
+          </a:effectRef>
+          <a:fontRef idx="minor">
+            <a:schemeClr val="lt1"/>
+          </a:fontRef>
+        </p:style>
+        <p:txBody>
+          <a:bodyPr lIns="0" tIns="0" rIns="0" bIns="45720" rtlCol="0" anchor="ctr"/>
+          <a:lstStyle/>
+          <a:p>
+            <a:pPr algn="ctr"/>
+            <a:r>
+              <a:rPr lang="en-US" sz="1200" dirty="0" smtClean="0"/>
+              <a:t>3a</a:t>
+            </a:r>
+            <a:endParaRPr lang="en-US" sz="1200" dirty="0"/>
+          </a:p>
+        </p:txBody>
+      </p:sp>
+      <p:sp>
+        <p:nvSpPr>
+          <p:cNvPr id="36" name="Oval 35"/>
+          <p:cNvSpPr>
+            <a:spLocks noChangeAspect="1"/>
+          </p:cNvSpPr>
+          <p:nvPr/>
+        </p:nvSpPr>
+        <p:spPr>
+          <a:xfrm>
+            <a:off x="7867079" y="2875034"/>
+            <a:ext cx="255684" cy="255684"/>
+          </a:xfrm>
+          <a:prstGeom prst="ellipse">
+            <a:avLst/>
+          </a:prstGeom>
+          <a:solidFill>
+            <a:srgbClr val="FF0000"/>
+          </a:solidFill>
+          <a:ln>
+            <a:solidFill>
+              <a:srgbClr val="000000"/>
+            </a:solidFill>
+          </a:ln>
+        </p:spPr>
+        <p:style>
+          <a:lnRef idx="1">
+            <a:schemeClr val="accent1"/>
+          </a:lnRef>
+          <a:fillRef idx="3">
+            <a:schemeClr val="accent1"/>
+          </a:fillRef>
+          <a:effectRef idx="2">
+            <a:schemeClr val="accent1"/>
+          </a:effectRef>
+          <a:fontRef idx="minor">
+            <a:schemeClr val="lt1"/>
+          </a:fontRef>
+        </p:style>
+        <p:txBody>
+          <a:bodyPr lIns="0" tIns="0" rIns="0" bIns="45720" rtlCol="0" anchor="ctr"/>
+          <a:lstStyle/>
+          <a:p>
+            <a:pPr algn="ctr"/>
+            <a:r>
+              <a:rPr lang="en-US" sz="1200" dirty="0" smtClean="0"/>
+              <a:t>3b</a:t>
+            </a:r>
+            <a:endParaRPr lang="en-US" sz="1200" dirty="0"/>
+          </a:p>
+        </p:txBody>
+      </p:sp>
+      <p:sp>
+        <p:nvSpPr>
+          <p:cNvPr id="38" name="Oval 37"/>
+          <p:cNvSpPr>
+            <a:spLocks noChangeAspect="1"/>
+          </p:cNvSpPr>
+          <p:nvPr/>
+        </p:nvSpPr>
+        <p:spPr>
+          <a:xfrm>
+            <a:off x="7867079" y="4803048"/>
+            <a:ext cx="255684" cy="255684"/>
+          </a:xfrm>
+          <a:prstGeom prst="ellipse">
+            <a:avLst/>
+          </a:prstGeom>
+          <a:solidFill>
+            <a:srgbClr val="FF0000"/>
+          </a:solidFill>
+          <a:ln>
+            <a:solidFill>
+              <a:srgbClr val="000000"/>
+            </a:solidFill>
+          </a:ln>
+        </p:spPr>
+        <p:style>
+          <a:lnRef idx="1">
+            <a:schemeClr val="accent1"/>
+          </a:lnRef>
+          <a:fillRef idx="3">
+            <a:schemeClr val="accent1"/>
+          </a:fillRef>
+          <a:effectRef idx="2">
+            <a:schemeClr val="accent1"/>
+          </a:effectRef>
+          <a:fontRef idx="minor">
+            <a:schemeClr val="lt1"/>
+          </a:fontRef>
+        </p:style>
+        <p:txBody>
+          <a:bodyPr lIns="0" tIns="0" rIns="0" bIns="45720" rtlCol="0" anchor="ctr"/>
+          <a:lstStyle/>
+          <a:p>
+            <a:pPr algn="ctr"/>
+            <a:r>
+              <a:rPr lang="en-US" sz="1200" dirty="0" smtClean="0"/>
+              <a:t>3b</a:t>
+            </a:r>
+            <a:endParaRPr lang="en-US" sz="1200" dirty="0"/>
+          </a:p>
+        </p:txBody>
+      </p:sp>
+      <p:sp>
+        <p:nvSpPr>
+          <p:cNvPr id="37" name="Oval 36"/>
+          <p:cNvSpPr>
+            <a:spLocks noChangeAspect="1"/>
+          </p:cNvSpPr>
+          <p:nvPr/>
+        </p:nvSpPr>
+        <p:spPr>
+          <a:xfrm>
+            <a:off x="7056487" y="3599148"/>
+            <a:ext cx="255684" cy="255684"/>
+          </a:xfrm>
+          <a:prstGeom prst="ellipse">
+            <a:avLst/>
+          </a:prstGeom>
+          <a:solidFill>
+            <a:srgbClr val="FF0000"/>
+          </a:solidFill>
+          <a:ln>
+            <a:solidFill>
+              <a:srgbClr val="000000"/>
+            </a:solidFill>
+          </a:ln>
+        </p:spPr>
+        <p:style>
+          <a:lnRef idx="1">
+            <a:schemeClr val="accent1"/>
+          </a:lnRef>
+          <a:fillRef idx="3">
+            <a:schemeClr val="accent1"/>
+          </a:fillRef>
+          <a:effectRef idx="2">
+            <a:schemeClr val="accent1"/>
+          </a:effectRef>
+          <a:fontRef idx="minor">
+            <a:schemeClr val="lt1"/>
+          </a:fontRef>
+        </p:style>
+        <p:txBody>
+          <a:bodyPr lIns="0" tIns="0" rIns="0" bIns="45720" rtlCol="0" anchor="ctr"/>
+          <a:lstStyle/>
+          <a:p>
+            <a:pPr algn="ctr"/>
+            <a:r>
+              <a:rPr lang="en-US" sz="1200" dirty="0" smtClean="0"/>
+              <a:t>3a</a:t>
+            </a:r>
+            <a:endParaRPr lang="en-US" sz="1200" dirty="0"/>
+          </a:p>
+        </p:txBody>
+      </p:sp>
+      <p:sp>
+        <p:nvSpPr>
+          <p:cNvPr id="54" name="TextBox 53"/>
+          <p:cNvSpPr txBox="1"/>
+          <p:nvPr/>
+        </p:nvSpPr>
+        <p:spPr>
+          <a:xfrm>
+            <a:off x="3407953" y="454881"/>
+            <a:ext cx="2328094" cy="369332"/>
+          </a:xfrm>
+          <a:prstGeom prst="rect">
+            <a:avLst/>
+          </a:prstGeom>
+          <a:noFill/>
+        </p:spPr>
+        <p:txBody>
+          <a:bodyPr wrap="none" rtlCol="0">
+            <a:spAutoFit/>
+          </a:bodyPr>
+          <a:lstStyle/>
+          <a:p>
+            <a:r>
+              <a:rPr lang="en-US" dirty="0" smtClean="0"/>
+              <a:t>Relations with Content</a:t>
+            </a:r>
+            <a:endParaRPr lang="en-US" dirty="0"/>
+          </a:p>
+        </p:txBody>
+      </p:sp>
+    </p:spTree>
+    <p:extLst>
+      <p:ext uri="{BB962C8B-B14F-4D97-AF65-F5344CB8AC3E}">
+        <p14:creationId xmlns:p14="http://schemas.microsoft.com/office/powerpoint/2010/main" val="1631525057"/>
       </p:ext>
     </p:extLst>
   </p:cSld>
